--- a/docs/presentation/Presentation.pptx
+++ b/docs/presentation/Presentation.pptx
@@ -5,7 +5,7 @@
     <p:sldMasterId id="2147483648" r:id="rId1"/>
   </p:sldMasterIdLst>
   <p:notesMasterIdLst>
-    <p:notesMasterId r:id="rId16"/>
+    <p:notesMasterId r:id="rId17"/>
   </p:notesMasterIdLst>
   <p:sldIdLst>
     <p:sldId id="257" r:id="rId2"/>
@@ -15,13 +15,14 @@
     <p:sldId id="259" r:id="rId6"/>
     <p:sldId id="260" r:id="rId7"/>
     <p:sldId id="271" r:id="rId8"/>
-    <p:sldId id="272" r:id="rId9"/>
-    <p:sldId id="270" r:id="rId10"/>
+    <p:sldId id="274" r:id="rId9"/>
+    <p:sldId id="275" r:id="rId10"/>
     <p:sldId id="264" r:id="rId11"/>
     <p:sldId id="265" r:id="rId12"/>
     <p:sldId id="266" r:id="rId13"/>
     <p:sldId id="267" r:id="rId14"/>
     <p:sldId id="269" r:id="rId15"/>
+    <p:sldId id="270" r:id="rId16"/>
   </p:sldIdLst>
   <p:sldSz cx="9144000" cy="6858000" type="screen4x3"/>
   <p:notesSz cx="6858000" cy="9144000"/>
@@ -138,7 +139,14 @@
   </mc:AlternateContent>
   <c:chart>
     <c:title>
-      <c:layout/>
+      <c:layout>
+        <c:manualLayout>
+          <c:xMode val="edge"/>
+          <c:yMode val="edge"/>
+          <c:x val="0.42957983377077863"/>
+          <c:y val="4.5454545454545456E-2"/>
+        </c:manualLayout>
+      </c:layout>
       <c:overlay val="0"/>
     </c:title>
     <c:autoTitleDeleted val="0"/>
@@ -151,205 +159,1573 @@
           <c:idx val="0"/>
           <c:order val="0"/>
           <c:tx>
-            <c:v>Estimated Time Remaining</c:v>
+            <c:v>Battery Level</c:v>
           </c:tx>
           <c:marker>
             <c:symbol val="none"/>
           </c:marker>
           <c:xVal>
             <c:numRef>
-              <c:f>'Estimated Time Remaining 1'!$C$2:$C$31</c:f>
+              <c:f>'Battery Level 1'!$B$2:$B$259</c:f>
               <c:numCache>
                 <c:formatCode>0.00</c:formatCode>
-                <c:ptCount val="30"/>
+                <c:ptCount val="258"/>
                 <c:pt idx="0">
                   <c:v>0</c:v>
                 </c:pt>
                 <c:pt idx="1">
-                  <c:v>0.66637972224270925</c:v>
+                  <c:v>8.3029444445855916E-2</c:v>
                 </c:pt>
                 <c:pt idx="2">
-                  <c:v>1.3330202777869999</c:v>
+                  <c:v>0.16662972222547978</c:v>
                 </c:pt>
                 <c:pt idx="3">
-                  <c:v>1.9997138889157213</c:v>
+                  <c:v>0.24969055555993691</c:v>
                 </c:pt>
                 <c:pt idx="4">
-                  <c:v>2.6663872222416103</c:v>
+                  <c:v>0.40664666664088145</c:v>
                 </c:pt>
                 <c:pt idx="5">
-                  <c:v>3.3330194444279186</c:v>
+                  <c:v>0.48968805553158745</c:v>
                 </c:pt>
                 <c:pt idx="6">
-                  <c:v>3.9997263888944872</c:v>
+                  <c:v>0.57313138886820525</c:v>
                 </c:pt>
                 <c:pt idx="7">
-                  <c:v>5.0364591666730121</c:v>
+                  <c:v>0.65635250002378598</c:v>
                 </c:pt>
                 <c:pt idx="8">
-                  <c:v>5.7030711111146957</c:v>
+                  <c:v>0.7396836110856384</c:v>
                 </c:pt>
                 <c:pt idx="9">
-                  <c:v>6.3697844444541261</c:v>
+                  <c:v>0.82298555556917563</c:v>
                 </c:pt>
                 <c:pt idx="10">
-                  <c:v>7.0366686111083254</c:v>
+                  <c:v>0.90634861111175269</c:v>
                 </c:pt>
                 <c:pt idx="11">
-                  <c:v>7.703073333366774</c:v>
+                  <c:v>0.98996861110208556</c:v>
                 </c:pt>
                 <c:pt idx="12">
-                  <c:v>8.369780000008177</c:v>
+                  <c:v>1.0732924999902025</c:v>
                 </c:pt>
                 <c:pt idx="13">
-                  <c:v>9.0365005555795506</c:v>
+                  <c:v>1.1563483333447948</c:v>
                 </c:pt>
                 <c:pt idx="14">
-                  <c:v>10.295646944432519</c:v>
+                  <c:v>1.2396916666766629</c:v>
                 </c:pt>
                 <c:pt idx="15">
-                  <c:v>10.962321944476571</c:v>
+                  <c:v>1.3229855555691756</c:v>
                 </c:pt>
                 <c:pt idx="16">
-                  <c:v>11.62916694447631</c:v>
+                  <c:v>1.4063483333447948</c:v>
                 </c:pt>
                 <c:pt idx="17">
-                  <c:v>12.295825833338313</c:v>
+                  <c:v>1.4896816666587256</c:v>
                 </c:pt>
                 <c:pt idx="18">
-                  <c:v>12.962313611118589</c:v>
+                  <c:v>1.5730161110986955</c:v>
                 </c:pt>
                 <c:pt idx="19">
-                  <c:v>13.628983611124568</c:v>
+                  <c:v>1.6563483333447948</c:v>
                 </c:pt>
                 <c:pt idx="20">
-                  <c:v>14.295838888909202</c:v>
+                  <c:v>1.7399619444622658</c:v>
                 </c:pt>
                 <c:pt idx="21">
-                  <c:v>14.962524166679941</c:v>
+                  <c:v>1.8229880555300042</c:v>
                 </c:pt>
                 <c:pt idx="22">
-                  <c:v>15.628980277804658</c:v>
+                  <c:v>1.9063488888787106</c:v>
                 </c:pt>
                 <c:pt idx="23">
-                  <c:v>16.295651388878468</c:v>
+                  <c:v>1.9896841666777618</c:v>
                 </c:pt>
                 <c:pt idx="24">
-                  <c:v>17.312585833366029</c:v>
+                  <c:v>2.0730200000107288</c:v>
                 </c:pt>
                 <c:pt idx="25">
-                  <c:v>17.979237222229131</c:v>
+                  <c:v>2.1563588888966478</c:v>
                 </c:pt>
                 <c:pt idx="26">
-                  <c:v>18.646068611124065</c:v>
+                  <c:v>2.2399666666751727</c:v>
                 </c:pt>
                 <c:pt idx="27">
-                  <c:v>19.312770555552561</c:v>
+                  <c:v>2.3229888888890855</c:v>
                 </c:pt>
                 <c:pt idx="28">
-                  <c:v>20.736417222244199</c:v>
+                  <c:v>2.4063552777515724</c:v>
                 </c:pt>
                 <c:pt idx="29">
-                  <c:v>20.903087222250178</c:v>
+                  <c:v>2.489969166694209</c:v>
+                </c:pt>
+                <c:pt idx="30">
+                  <c:v>2.573019722243771</c:v>
+                </c:pt>
+                <c:pt idx="31">
+                  <c:v>2.6563580555375665</c:v>
+                </c:pt>
+                <c:pt idx="32">
+                  <c:v>2.7396933333366178</c:v>
+                </c:pt>
+                <c:pt idx="33">
+                  <c:v>2.8229883333551697</c:v>
+                </c:pt>
+                <c:pt idx="34">
+                  <c:v>2.906355555576738</c:v>
+                </c:pt>
+                <c:pt idx="35">
+                  <c:v>2.9896825000178069</c:v>
+                </c:pt>
+                <c:pt idx="36">
+                  <c:v>3.0733005555812269</c:v>
+                </c:pt>
+                <c:pt idx="37">
+                  <c:v>3.1563502777717076</c:v>
+                </c:pt>
+                <c:pt idx="38">
+                  <c:v>3.239692777802702</c:v>
+                </c:pt>
+                <c:pt idx="39">
+                  <c:v>3.3229880555300042</c:v>
+                </c:pt>
+                <c:pt idx="40">
+                  <c:v>3.406633333361242</c:v>
+                </c:pt>
+                <c:pt idx="41">
+                  <c:v>3.4896813888917677</c:v>
+                </c:pt>
+                <c:pt idx="42">
+                  <c:v>3.5733036111341789</c:v>
+                </c:pt>
+                <c:pt idx="43">
+                  <c:v>3.6563558333436958</c:v>
+                </c:pt>
+                <c:pt idx="44">
+                  <c:v>3.7399694444611669</c:v>
+                </c:pt>
+                <c:pt idx="45">
+                  <c:v>3.8229886111221276</c:v>
+                </c:pt>
+                <c:pt idx="46">
+                  <c:v>3.9066400000010617</c:v>
+                </c:pt>
+                <c:pt idx="47">
+                  <c:v>3.989692777802702</c:v>
+                </c:pt>
+                <c:pt idx="48">
+                  <c:v>4.073015000030864</c:v>
+                </c:pt>
+                <c:pt idx="49">
+                  <c:v>4.1563488888787106</c:v>
+                </c:pt>
+                <c:pt idx="50">
+                  <c:v>4.2399650000152178</c:v>
+                </c:pt>
+                <c:pt idx="51">
+                  <c:v>4.3229880555300042</c:v>
+                </c:pt>
+                <c:pt idx="52">
+                  <c:v>4.4063544444506988</c:v>
+                </c:pt>
+                <c:pt idx="53">
+                  <c:v>4.4896891666576266</c:v>
+                </c:pt>
+                <c:pt idx="54">
+                  <c:v>4.5730227777967229</c:v>
+                </c:pt>
+                <c:pt idx="55">
+                  <c:v>4.6563547222176567</c:v>
+                </c:pt>
+                <c:pt idx="56">
+                  <c:v>4.7396922222105786</c:v>
+                </c:pt>
+                <c:pt idx="57">
+                  <c:v>4.8230505555402488</c:v>
+                </c:pt>
+                <c:pt idx="58">
+                  <c:v>4.9066474999999627</c:v>
+                </c:pt>
+                <c:pt idx="59">
+                  <c:v>4.9896949999965727</c:v>
+                </c:pt>
+                <c:pt idx="60">
+                  <c:v>5.0733283333247527</c:v>
+                </c:pt>
+                <c:pt idx="61">
+                  <c:v>5.1563219444360584</c:v>
+                </c:pt>
+                <c:pt idx="62">
+                  <c:v>5.2396891666576266</c:v>
+                </c:pt>
+                <c:pt idx="63">
+                  <c:v>5.3229886111221276</c:v>
+                </c:pt>
+                <c:pt idx="64">
+                  <c:v>5.4430619444465265</c:v>
+                </c:pt>
+                <c:pt idx="65">
+                  <c:v>5.5263724999967963</c:v>
+                </c:pt>
+                <c:pt idx="66">
+                  <c:v>5.6099613888654858</c:v>
+                </c:pt>
+                <c:pt idx="67">
+                  <c:v>5.6931019444600679</c:v>
+                </c:pt>
+                <c:pt idx="68">
+                  <c:v>5.7764277777750976</c:v>
+                </c:pt>
+                <c:pt idx="69">
+                  <c:v>5.8597177777555771</c:v>
+                </c:pt>
+                <c:pt idx="70">
+                  <c:v>5.9430969444219954</c:v>
+                </c:pt>
+                <c:pt idx="71">
+                  <c:v>6.0264277777750976</c:v>
+                </c:pt>
+                <c:pt idx="72">
+                  <c:v>6.1097086110967211</c:v>
+                </c:pt>
+                <c:pt idx="73">
+                  <c:v>6.1930419444688596</c:v>
+                </c:pt>
+                <c:pt idx="74">
+                  <c:v>6.2763752777827904</c:v>
+                </c:pt>
+                <c:pt idx="75">
+                  <c:v>6.3597083333297633</c:v>
+                </c:pt>
+                <c:pt idx="76">
+                  <c:v>6.4430422222358175</c:v>
+                </c:pt>
+                <c:pt idx="77">
+                  <c:v>6.5266322222305462</c:v>
+                </c:pt>
+                <c:pt idx="78">
+                  <c:v>6.6097083333297633</c:v>
+                </c:pt>
+                <c:pt idx="79">
+                  <c:v>6.6930397222167812</c:v>
+                </c:pt>
+                <c:pt idx="80">
+                  <c:v>6.7766369444434531</c:v>
+                </c:pt>
+                <c:pt idx="81">
+                  <c:v>6.8597075000288896</c:v>
+                </c:pt>
+                <c:pt idx="82">
+                  <c:v>6.943302777770441</c:v>
+                </c:pt>
+                <c:pt idx="83">
+                  <c:v>7.0263750000158325</c:v>
+                </c:pt>
+                <c:pt idx="84">
+                  <c:v>7.1097061111358926</c:v>
+                </c:pt>
+                <c:pt idx="85">
+                  <c:v>7.1948566666687839</c:v>
+                </c:pt>
+                <c:pt idx="86">
+                  <c:v>7.2766363889095373</c:v>
+                </c:pt>
+                <c:pt idx="87">
+                  <c:v>7.3597530555562116</c:v>
+                </c:pt>
+                <c:pt idx="88">
+                  <c:v>7.4431136111379601</c:v>
+                </c:pt>
+                <c:pt idx="89">
+                  <c:v>7.5263733333558775</c:v>
+                </c:pt>
+                <c:pt idx="90">
+                  <c:v>7.6099644444184378</c:v>
+                </c:pt>
+                <c:pt idx="91">
+                  <c:v>7.69329527777154</c:v>
+                </c:pt>
+                <c:pt idx="92">
+                  <c:v>7.7763724999967963</c:v>
+                </c:pt>
+                <c:pt idx="93">
+                  <c:v>7.8597447221982293</c:v>
+                </c:pt>
+                <c:pt idx="94">
+                  <c:v>7.9430830555502325</c:v>
+                </c:pt>
+                <c:pt idx="95">
+                  <c:v>8.026637222210411</c:v>
+                </c:pt>
+                <c:pt idx="96">
+                  <c:v>8.1097680555540137</c:v>
+                </c:pt>
+                <c:pt idx="97">
+                  <c:v>8.1933069444494322</c:v>
+                </c:pt>
+                <c:pt idx="98">
+                  <c:v>8.2766286110854708</c:v>
+                </c:pt>
+                <c:pt idx="99">
+                  <c:v>8.3597555555752479</c:v>
+                </c:pt>
+                <c:pt idx="100">
+                  <c:v>8.4431219444377348</c:v>
+                </c:pt>
+                <c:pt idx="101">
+                  <c:v>8.5264477777527645</c:v>
+                </c:pt>
+                <c:pt idx="102">
+                  <c:v>8.6097080555628054</c:v>
+                </c:pt>
+                <c:pt idx="103">
+                  <c:v>8.6930419444688596</c:v>
+                </c:pt>
+                <c:pt idx="104">
+                  <c:v>8.776628055551555</c:v>
+                </c:pt>
+                <c:pt idx="105">
+                  <c:v>8.859963888884522</c:v>
+                </c:pt>
+                <c:pt idx="106">
+                  <c:v>8.9430750000174157</c:v>
+                </c:pt>
+                <c:pt idx="107">
+                  <c:v>9.0264699999825098</c:v>
+                </c:pt>
+                <c:pt idx="108">
+                  <c:v>9.1097641666419804</c:v>
+                </c:pt>
+                <c:pt idx="109">
+                  <c:v>9.1930391666828655</c:v>
+                </c:pt>
+                <c:pt idx="110">
+                  <c:v>9.2766286110854708</c:v>
+                </c:pt>
+                <c:pt idx="111">
+                  <c:v>9.3597486111102626</c:v>
+                </c:pt>
+                <c:pt idx="112">
+                  <c:v>9.4433158333413303</c:v>
+                </c:pt>
+                <c:pt idx="113">
+                  <c:v>9.526422500028275</c:v>
+                </c:pt>
+                <c:pt idx="114">
+                  <c:v>9.6099597222055309</c:v>
+                </c:pt>
+                <c:pt idx="115">
+                  <c:v>9.6930411111097783</c:v>
+                </c:pt>
+                <c:pt idx="116">
+                  <c:v>9.776422500028275</c:v>
+                </c:pt>
+                <c:pt idx="117">
+                  <c:v>9.8597419444704428</c:v>
+                </c:pt>
+                <c:pt idx="118">
+                  <c:v>9.9430419444688596</c:v>
+                </c:pt>
+                <c:pt idx="119">
+                  <c:v>10.026469166681636</c:v>
+                </c:pt>
+                <c:pt idx="120">
+                  <c:v>10.109750277770218</c:v>
+                </c:pt>
+                <c:pt idx="121">
+                  <c:v>10.193293611111585</c:v>
+                </c:pt>
+                <c:pt idx="122">
+                  <c:v>10.27663833333645</c:v>
+                </c:pt>
+                <c:pt idx="123">
+                  <c:v>10.359746388916392</c:v>
+                </c:pt>
+                <c:pt idx="124">
+                  <c:v>10.443102499993984</c:v>
+                </c:pt>
+                <c:pt idx="125">
+                  <c:v>10.702285555540584</c:v>
+                </c:pt>
+                <c:pt idx="126">
+                  <c:v>10.785616388893686</c:v>
+                </c:pt>
+                <c:pt idx="127">
+                  <c:v>10.868949444440659</c:v>
+                </c:pt>
+                <c:pt idx="128">
+                  <c:v>10.952281944453716</c:v>
+                </c:pt>
+                <c:pt idx="129">
+                  <c:v>11.035617500019725</c:v>
+                </c:pt>
+                <c:pt idx="130">
+                  <c:v>11.118949166673701</c:v>
+                </c:pt>
+                <c:pt idx="131">
+                  <c:v>11.202461666660383</c:v>
+                </c:pt>
+                <c:pt idx="132">
+                  <c:v>11.285615555534605</c:v>
+                </c:pt>
+                <c:pt idx="133">
+                  <c:v>11.368948888906743</c:v>
+                </c:pt>
+                <c:pt idx="134">
+                  <c:v>11.452285833307542</c:v>
+                </c:pt>
+                <c:pt idx="135">
+                  <c:v>11.53579861111939</c:v>
+                </c:pt>
+                <c:pt idx="136">
+                  <c:v>11.619136944471393</c:v>
+                </c:pt>
+                <c:pt idx="137">
+                  <c:v>11.702536111115478</c:v>
+                </c:pt>
+                <c:pt idx="138">
+                  <c:v>11.78579749999335</c:v>
+                </c:pt>
+                <c:pt idx="139">
+                  <c:v>11.868949166673701</c:v>
+                </c:pt>
+                <c:pt idx="140">
+                  <c:v>11.952290555578656</c:v>
+                </c:pt>
+                <c:pt idx="141">
+                  <c:v>12.035618611087557</c:v>
+                </c:pt>
+                <c:pt idx="142">
+                  <c:v>12.119128055579495</c:v>
+                </c:pt>
+                <c:pt idx="143">
+                  <c:v>12.202303055557422</c:v>
+                </c:pt>
+                <c:pt idx="144">
+                  <c:v>12.285634999978356</c:v>
+                </c:pt>
+                <c:pt idx="145">
+                  <c:v>12.368948888906743</c:v>
+                </c:pt>
+                <c:pt idx="146">
+                  <c:v>12.452284444472753</c:v>
+                </c:pt>
+                <c:pt idx="147">
+                  <c:v>12.53579861111939</c:v>
+                </c:pt>
+                <c:pt idx="148">
+                  <c:v>12.619135555578396</c:v>
+                </c:pt>
+                <c:pt idx="149">
+                  <c:v>12.702283888880629</c:v>
+                </c:pt>
+                <c:pt idx="150">
+                  <c:v>12.785795555566438</c:v>
+                </c:pt>
+                <c:pt idx="151">
+                  <c:v>12.868949444440659</c:v>
+                </c:pt>
+                <c:pt idx="152">
+                  <c:v>12.952288888918702</c:v>
+                </c:pt>
+                <c:pt idx="153">
+                  <c:v>13.035683055582922</c:v>
+                </c:pt>
+                <c:pt idx="154">
+                  <c:v>13.11895027779974</c:v>
+                </c:pt>
+                <c:pt idx="155">
+                  <c:v>13.202470555552281</c:v>
+                </c:pt>
+                <c:pt idx="156">
+                  <c:v>13.285794444440398</c:v>
+                </c:pt>
+                <c:pt idx="157">
+                  <c:v>13.368951944459695</c:v>
+                </c:pt>
+                <c:pt idx="158">
+                  <c:v>13.452370000013616</c:v>
+                </c:pt>
+                <c:pt idx="159">
+                  <c:v>13.535801944439299</c:v>
+                </c:pt>
+                <c:pt idx="160">
+                  <c:v>13.619128055579495</c:v>
+                </c:pt>
+                <c:pt idx="161">
+                  <c:v>13.702285000006668</c:v>
+                </c:pt>
+                <c:pt idx="162">
+                  <c:v>13.785801666672342</c:v>
+                </c:pt>
+                <c:pt idx="163">
+                  <c:v>13.868952777760569</c:v>
+                </c:pt>
+                <c:pt idx="164">
+                  <c:v>13.952282222220674</c:v>
+                </c:pt>
+                <c:pt idx="165">
+                  <c:v>14.035618333320599</c:v>
+                </c:pt>
+                <c:pt idx="166">
+                  <c:v>14.118948888906743</c:v>
+                </c:pt>
+                <c:pt idx="167">
+                  <c:v>14.202283611113671</c:v>
+                </c:pt>
+                <c:pt idx="168">
+                  <c:v>14.285808055545203</c:v>
+                </c:pt>
+                <c:pt idx="169">
+                  <c:v>14.369015277770814</c:v>
+                </c:pt>
+                <c:pt idx="170">
+                  <c:v>14.452285555540584</c:v>
+                </c:pt>
+                <c:pt idx="171">
+                  <c:v>14.535618333320599</c:v>
+                </c:pt>
+                <c:pt idx="172">
+                  <c:v>14.618952222226653</c:v>
+                </c:pt>
+                <c:pt idx="173">
+                  <c:v>14.70228472223971</c:v>
+                </c:pt>
+                <c:pt idx="174">
+                  <c:v>14.785794722207356</c:v>
+                </c:pt>
+                <c:pt idx="175">
+                  <c:v>14.869129444472492</c:v>
+                </c:pt>
+                <c:pt idx="176">
+                  <c:v>14.952282222220674</c:v>
+                </c:pt>
+                <c:pt idx="177">
+                  <c:v>15.035618055553641</c:v>
+                </c:pt>
+                <c:pt idx="178">
+                  <c:v>15.118967777758371</c:v>
+                </c:pt>
+                <c:pt idx="179">
+                  <c:v>15.202466944465414</c:v>
+                </c:pt>
+                <c:pt idx="180">
+                  <c:v>15.285807500011288</c:v>
+                </c:pt>
+                <c:pt idx="181">
+                  <c:v>15.368950833333656</c:v>
+                </c:pt>
+                <c:pt idx="182">
+                  <c:v>15.45247277780436</c:v>
+                </c:pt>
+                <c:pt idx="183">
+                  <c:v>15.535615555534605</c:v>
+                </c:pt>
+                <c:pt idx="184">
+                  <c:v>15.619142222218215</c:v>
+                </c:pt>
+                <c:pt idx="185">
+                  <c:v>15.702285555540584</c:v>
+                </c:pt>
+                <c:pt idx="186">
+                  <c:v>15.78561583335977</c:v>
+                </c:pt>
+                <c:pt idx="187">
+                  <c:v>15.868948888906743</c:v>
+                </c:pt>
+                <c:pt idx="188">
+                  <c:v>15.952492777782027</c:v>
+                </c:pt>
+                <c:pt idx="189">
+                  <c:v>16.035617777786683</c:v>
+                </c:pt>
+                <c:pt idx="190">
+                  <c:v>16.118966944457497</c:v>
+                </c:pt>
+                <c:pt idx="191">
+                  <c:v>16.202472222212236</c:v>
+                </c:pt>
+                <c:pt idx="192">
+                  <c:v>16.285793333314359</c:v>
+                </c:pt>
+                <c:pt idx="193">
+                  <c:v>16.368951666692737</c:v>
+                </c:pt>
+                <c:pt idx="194">
+                  <c:v>16.452282222220674</c:v>
+                </c:pt>
+                <c:pt idx="195">
+                  <c:v>16.535804444458336</c:v>
+                </c:pt>
+                <c:pt idx="196">
+                  <c:v>16.618948888906743</c:v>
+                </c:pt>
+                <c:pt idx="197">
+                  <c:v>16.702285555540584</c:v>
+                </c:pt>
+                <c:pt idx="198">
+                  <c:v>16.785830277774949</c:v>
+                </c:pt>
+                <c:pt idx="199">
+                  <c:v>16.868972500029486</c:v>
+                </c:pt>
+                <c:pt idx="200">
+                  <c:v>16.952284444472753</c:v>
+                </c:pt>
+                <c:pt idx="201">
+                  <c:v>17.035616111126728</c:v>
+                </c:pt>
+                <c:pt idx="202">
+                  <c:v>17.119151111110114</c:v>
+                </c:pt>
+                <c:pt idx="203">
+                  <c:v>17.202285833307542</c:v>
+                </c:pt>
+                <c:pt idx="204">
+                  <c:v>17.285619999980554</c:v>
+                </c:pt>
+                <c:pt idx="205">
+                  <c:v>17.369130555540323</c:v>
+                </c:pt>
+                <c:pt idx="206">
+                  <c:v>17.452465277805459</c:v>
+                </c:pt>
+                <c:pt idx="207">
+                  <c:v>17.535616388893686</c:v>
+                </c:pt>
+                <c:pt idx="208">
+                  <c:v>17.618948888906743</c:v>
+                </c:pt>
+                <c:pt idx="209">
+                  <c:v>17.719153611105867</c:v>
+                </c:pt>
+                <c:pt idx="210">
+                  <c:v>17.80274527776055</c:v>
+                </c:pt>
+                <c:pt idx="211">
+                  <c:v>17.886071388900746</c:v>
+                </c:pt>
+                <c:pt idx="212">
+                  <c:v>17.969200833351351</c:v>
+                </c:pt>
+                <c:pt idx="213">
+                  <c:v>18.052593888889533</c:v>
+                </c:pt>
+                <c:pt idx="214">
+                  <c:v>18.135897499974817</c:v>
+                </c:pt>
+                <c:pt idx="215">
+                  <c:v>18.219213055563159</c:v>
+                </c:pt>
+                <c:pt idx="216">
+                  <c:v>18.302554444468115</c:v>
+                </c:pt>
+                <c:pt idx="217">
+                  <c:v>18.3858655555523</c:v>
+                </c:pt>
+                <c:pt idx="218">
+                  <c:v>18.469427499978337</c:v>
+                </c:pt>
+                <c:pt idx="219">
+                  <c:v>18.552593888889533</c:v>
+                </c:pt>
+                <c:pt idx="220">
+                  <c:v>18.635814166686032</c:v>
+                </c:pt>
+                <c:pt idx="221">
+                  <c:v>18.719404166680761</c:v>
+                </c:pt>
+                <c:pt idx="222">
+                  <c:v>18.802738055586815</c:v>
+                </c:pt>
+                <c:pt idx="223">
+                  <c:v>18.885864444426261</c:v>
+                </c:pt>
+                <c:pt idx="224">
+                  <c:v>18.969205833331216</c:v>
+                </c:pt>
+                <c:pt idx="225">
+                  <c:v>19.05248000001302</c:v>
+                </c:pt>
+                <c:pt idx="226">
+                  <c:v>19.135859722213354</c:v>
+                </c:pt>
+                <c:pt idx="227">
+                  <c:v>19.219193055585492</c:v>
+                </c:pt>
+                <c:pt idx="228">
+                  <c:v>19.302590555569623</c:v>
+                </c:pt>
+                <c:pt idx="229">
+                  <c:v>19.385889444442</c:v>
+                </c:pt>
+                <c:pt idx="230">
+                  <c:v>19.469409722252749</c:v>
+                </c:pt>
+                <c:pt idx="231">
+                  <c:v>19.552701666660141</c:v>
+                </c:pt>
+                <c:pt idx="232">
+                  <c:v>19.63603722222615</c:v>
+                </c:pt>
+                <c:pt idx="233">
+                  <c:v>19.719150555552915</c:v>
+                </c:pt>
+                <c:pt idx="234">
+                  <c:v>19.80248333333293</c:v>
+                </c:pt>
+                <c:pt idx="235">
+                  <c:v>19.885862777766306</c:v>
+                </c:pt>
+                <c:pt idx="236">
+                  <c:v>19.969409722252749</c:v>
+                </c:pt>
+                <c:pt idx="237">
+                  <c:v>20.052739166654646</c:v>
+                </c:pt>
+                <c:pt idx="238">
+                  <c:v>20.136070555541664</c:v>
+                </c:pt>
+                <c:pt idx="239">
+                  <c:v>20.219235555559862</c:v>
+                </c:pt>
+                <c:pt idx="240">
+                  <c:v>20.302739166654646</c:v>
+                </c:pt>
+                <c:pt idx="241">
+                  <c:v>20.385875555570237</c:v>
+                </c:pt>
+                <c:pt idx="242">
+                  <c:v>20.469146944466047</c:v>
+                </c:pt>
+                <c:pt idx="243">
+                  <c:v>20.55248000001302</c:v>
+                </c:pt>
+                <c:pt idx="244">
+                  <c:v>20.635858333320357</c:v>
+                </c:pt>
+                <c:pt idx="245">
+                  <c:v>20.719407500000671</c:v>
+                </c:pt>
+                <c:pt idx="246">
+                  <c:v>20.802491111098789</c:v>
+                </c:pt>
+                <c:pt idx="247">
+                  <c:v>20.885814722219948</c:v>
+                </c:pt>
+                <c:pt idx="248">
+                  <c:v>21.143087222240865</c:v>
+                </c:pt>
+                <c:pt idx="249">
+                  <c:v>21.226636666688137</c:v>
+                </c:pt>
+                <c:pt idx="250">
+                  <c:v>21.3099663889152</c:v>
+                </c:pt>
+                <c:pt idx="251">
+                  <c:v>21.393298333336134</c:v>
+                </c:pt>
+                <c:pt idx="252">
+                  <c:v>21.476642777794041</c:v>
+                </c:pt>
+                <c:pt idx="253">
+                  <c:v>21.559970000002068</c:v>
+                </c:pt>
+                <c:pt idx="254">
+                  <c:v>21.643578333314508</c:v>
+                </c:pt>
+                <c:pt idx="255">
+                  <c:v>21.726385833346285</c:v>
+                </c:pt>
+                <c:pt idx="256">
+                  <c:v>21.809959722217172</c:v>
+                </c:pt>
+                <c:pt idx="257">
+                  <c:v>21.893055833352264</c:v>
                 </c:pt>
               </c:numCache>
             </c:numRef>
           </c:xVal>
           <c:yVal>
             <c:numRef>
-              <c:f>'Estimated Time Remaining 1'!$J$2:$J$31</c:f>
+              <c:f>'Battery Level 1'!$C$2:$C$259</c:f>
               <c:numCache>
-                <c:formatCode>General</c:formatCode>
-                <c:ptCount val="30"/>
+                <c:formatCode>0%</c:formatCode>
+                <c:ptCount val="258"/>
                 <c:pt idx="0">
-                  <c:v>13.199581481481468</c:v>
+                  <c:v>0.86</c:v>
                 </c:pt>
                 <c:pt idx="1">
-                  <c:v>16.149396250000041</c:v>
+                  <c:v>0.84</c:v>
                 </c:pt>
                 <c:pt idx="2">
-                  <c:v>22.649141666666676</c:v>
+                  <c:v>0.84</c:v>
                 </c:pt>
                 <c:pt idx="3">
-                  <c:v>29.149404375000007</c:v>
+                  <c:v>0.84</c:v>
                 </c:pt>
                 <c:pt idx="4">
-                  <c:v>31.282155462962997</c:v>
+                  <c:v>0.82</c:v>
                 </c:pt>
                 <c:pt idx="5">
-                  <c:v>36.985564475308635</c:v>
+                  <c:v>0.82</c:v>
                 </c:pt>
                 <c:pt idx="6">
-                  <c:v>28.019056538461538</c:v>
+                  <c:v>0.82</c:v>
                 </c:pt>
                 <c:pt idx="7">
-                  <c:v>28.525091481481464</c:v>
+                  <c:v>0.82</c:v>
                 </c:pt>
                 <c:pt idx="8">
-                  <c:v>18.333108804347834</c:v>
+                  <c:v>0.82</c:v>
                 </c:pt>
                 <c:pt idx="9">
-                  <c:v>10.724211595238122</c:v>
+                  <c:v>0.8</c:v>
                 </c:pt>
                 <c:pt idx="10">
-                  <c:v>11.695957095238056</c:v>
+                  <c:v>0.8</c:v>
                 </c:pt>
                 <c:pt idx="11">
-                  <c:v>12.667003976190497</c:v>
+                  <c:v>0.8</c:v>
                 </c:pt>
                 <c:pt idx="12">
-                  <c:v>13.638490833333378</c:v>
+                  <c:v>0.8</c:v>
                 </c:pt>
                 <c:pt idx="13">
-                  <c:v>14.609997928571424</c:v>
+                  <c:v>0.79</c:v>
                 </c:pt>
                 <c:pt idx="14">
-                  <c:v>15.674466049382721</c:v>
+                  <c:v>0.78</c:v>
                 </c:pt>
                 <c:pt idx="15">
-                  <c:v>16.600403549382712</c:v>
+                  <c:v>0.78</c:v>
                 </c:pt>
                 <c:pt idx="16">
-                  <c:v>17.526577160493829</c:v>
+                  <c:v>0.78</c:v>
                 </c:pt>
                 <c:pt idx="17">
-                  <c:v>18.452492283950605</c:v>
+                  <c:v>0.78</c:v>
                 </c:pt>
                 <c:pt idx="18">
-                  <c:v>19.378169753086418</c:v>
+                  <c:v>0.78</c:v>
                 </c:pt>
                 <c:pt idx="19">
-                  <c:v>20.304100308641967</c:v>
+                  <c:v>0.78</c:v>
                 </c:pt>
                 <c:pt idx="20">
-                  <c:v>21.230288194444448</c:v>
+                  <c:v>0.78</c:v>
                 </c:pt>
                 <c:pt idx="21">
-                  <c:v>22.156239969135793</c:v>
+                  <c:v>0.78</c:v>
                 </c:pt>
                 <c:pt idx="22">
-                  <c:v>23.081873456790117</c:v>
+                  <c:v>0.78</c:v>
                 </c:pt>
                 <c:pt idx="23">
-                  <c:v>1.1944563888888877</c:v>
+                  <c:v>0.78</c:v>
                 </c:pt>
                 <c:pt idx="24">
-                  <c:v>3.5588300308641996</c:v>
+                  <c:v>0.78</c:v>
                 </c:pt>
                 <c:pt idx="25">
-                  <c:v>3.6884566898148137</c:v>
+                  <c:v>0.78</c:v>
                 </c:pt>
                 <c:pt idx="26">
-                  <c:v>2.5836891081871372</c:v>
+                  <c:v>0.78</c:v>
                 </c:pt>
                 <c:pt idx="27">
-                  <c:v>2.0823322222222176</c:v>
+                  <c:v>0.78</c:v>
                 </c:pt>
                 <c:pt idx="28">
-                  <c:v>2.2283472649572644</c:v>
+                  <c:v>0.78</c:v>
                 </c:pt>
                 <c:pt idx="29">
-                  <c:v>2.2454416239316237</c:v>
+                  <c:v>0.78</c:v>
+                </c:pt>
+                <c:pt idx="30">
+                  <c:v>0.78</c:v>
+                </c:pt>
+                <c:pt idx="31">
+                  <c:v>0.78</c:v>
+                </c:pt>
+                <c:pt idx="32">
+                  <c:v>0.78</c:v>
+                </c:pt>
+                <c:pt idx="33">
+                  <c:v>0.78</c:v>
+                </c:pt>
+                <c:pt idx="34">
+                  <c:v>0.78</c:v>
+                </c:pt>
+                <c:pt idx="35">
+                  <c:v>0.78</c:v>
+                </c:pt>
+                <c:pt idx="36">
+                  <c:v>0.78</c:v>
+                </c:pt>
+                <c:pt idx="37">
+                  <c:v>0.78</c:v>
+                </c:pt>
+                <c:pt idx="38">
+                  <c:v>0.78</c:v>
+                </c:pt>
+                <c:pt idx="39">
+                  <c:v>0.78</c:v>
+                </c:pt>
+                <c:pt idx="40">
+                  <c:v>0.77</c:v>
+                </c:pt>
+                <c:pt idx="41">
+                  <c:v>0.77</c:v>
+                </c:pt>
+                <c:pt idx="42">
+                  <c:v>0.77</c:v>
+                </c:pt>
+                <c:pt idx="43">
+                  <c:v>0.77</c:v>
+                </c:pt>
+                <c:pt idx="44">
+                  <c:v>0.77</c:v>
+                </c:pt>
+                <c:pt idx="45">
+                  <c:v>0.77</c:v>
+                </c:pt>
+                <c:pt idx="46">
+                  <c:v>0.77</c:v>
+                </c:pt>
+                <c:pt idx="47">
+                  <c:v>0.77</c:v>
+                </c:pt>
+                <c:pt idx="48">
+                  <c:v>0.77</c:v>
+                </c:pt>
+                <c:pt idx="49">
+                  <c:v>0.77</c:v>
+                </c:pt>
+                <c:pt idx="50">
+                  <c:v>0.77</c:v>
+                </c:pt>
+                <c:pt idx="51">
+                  <c:v>0.77</c:v>
+                </c:pt>
+                <c:pt idx="52">
+                  <c:v>0.74</c:v>
+                </c:pt>
+                <c:pt idx="53">
+                  <c:v>0.74</c:v>
+                </c:pt>
+                <c:pt idx="54">
+                  <c:v>0.74</c:v>
+                </c:pt>
+                <c:pt idx="55">
+                  <c:v>0.73</c:v>
+                </c:pt>
+                <c:pt idx="56">
+                  <c:v>0.73</c:v>
+                </c:pt>
+                <c:pt idx="57">
+                  <c:v>0.73</c:v>
+                </c:pt>
+                <c:pt idx="58">
+                  <c:v>0.73</c:v>
+                </c:pt>
+                <c:pt idx="59">
+                  <c:v>0.73</c:v>
+                </c:pt>
+                <c:pt idx="60">
+                  <c:v>0.72</c:v>
+                </c:pt>
+                <c:pt idx="61">
+                  <c:v>0.72</c:v>
+                </c:pt>
+                <c:pt idx="62">
+                  <c:v>0.72</c:v>
+                </c:pt>
+                <c:pt idx="63">
+                  <c:v>0.72</c:v>
+                </c:pt>
+                <c:pt idx="64">
+                  <c:v>0.71</c:v>
+                </c:pt>
+                <c:pt idx="65">
+                  <c:v>0.71</c:v>
+                </c:pt>
+                <c:pt idx="66">
+                  <c:v>0.71</c:v>
+                </c:pt>
+                <c:pt idx="67">
+                  <c:v>0.71</c:v>
+                </c:pt>
+                <c:pt idx="68">
+                  <c:v>0.71</c:v>
+                </c:pt>
+                <c:pt idx="69">
+                  <c:v>0.71</c:v>
+                </c:pt>
+                <c:pt idx="70">
+                  <c:v>0.71</c:v>
+                </c:pt>
+                <c:pt idx="71">
+                  <c:v>0.71</c:v>
+                </c:pt>
+                <c:pt idx="72">
+                  <c:v>0.71</c:v>
+                </c:pt>
+                <c:pt idx="73">
+                  <c:v>0.71</c:v>
+                </c:pt>
+                <c:pt idx="74">
+                  <c:v>0.71</c:v>
+                </c:pt>
+                <c:pt idx="75">
+                  <c:v>0.71</c:v>
+                </c:pt>
+                <c:pt idx="76">
+                  <c:v>0.67</c:v>
+                </c:pt>
+                <c:pt idx="77">
+                  <c:v>0.64</c:v>
+                </c:pt>
+                <c:pt idx="78">
+                  <c:v>0.63</c:v>
+                </c:pt>
+                <c:pt idx="79">
+                  <c:v>0.63</c:v>
+                </c:pt>
+                <c:pt idx="80">
+                  <c:v>0.63</c:v>
+                </c:pt>
+                <c:pt idx="81">
+                  <c:v>0.62</c:v>
+                </c:pt>
+                <c:pt idx="82">
+                  <c:v>0.6</c:v>
+                </c:pt>
+                <c:pt idx="83">
+                  <c:v>0.56999999999999995</c:v>
+                </c:pt>
+                <c:pt idx="84">
+                  <c:v>0.51</c:v>
+                </c:pt>
+                <c:pt idx="85">
+                  <c:v>0.51</c:v>
+                </c:pt>
+                <c:pt idx="86">
+                  <c:v>0.51</c:v>
+                </c:pt>
+                <c:pt idx="87">
+                  <c:v>0.51</c:v>
+                </c:pt>
+                <c:pt idx="88">
+                  <c:v>0.51</c:v>
+                </c:pt>
+                <c:pt idx="89">
+                  <c:v>0.51</c:v>
+                </c:pt>
+                <c:pt idx="90">
+                  <c:v>0.51</c:v>
+                </c:pt>
+                <c:pt idx="91">
+                  <c:v>0.51</c:v>
+                </c:pt>
+                <c:pt idx="92">
+                  <c:v>0.51</c:v>
+                </c:pt>
+                <c:pt idx="93">
+                  <c:v>0.51</c:v>
+                </c:pt>
+                <c:pt idx="94">
+                  <c:v>0.51</c:v>
+                </c:pt>
+                <c:pt idx="95">
+                  <c:v>0.51</c:v>
+                </c:pt>
+                <c:pt idx="96">
+                  <c:v>0.51</c:v>
+                </c:pt>
+                <c:pt idx="97">
+                  <c:v>0.51</c:v>
+                </c:pt>
+                <c:pt idx="98">
+                  <c:v>0.51</c:v>
+                </c:pt>
+                <c:pt idx="99">
+                  <c:v>0.51</c:v>
+                </c:pt>
+                <c:pt idx="100">
+                  <c:v>0.51</c:v>
+                </c:pt>
+                <c:pt idx="101">
+                  <c:v>0.51</c:v>
+                </c:pt>
+                <c:pt idx="102">
+                  <c:v>0.51</c:v>
+                </c:pt>
+                <c:pt idx="103">
+                  <c:v>0.51</c:v>
+                </c:pt>
+                <c:pt idx="104">
+                  <c:v>0.51</c:v>
+                </c:pt>
+                <c:pt idx="105">
+                  <c:v>0.51</c:v>
+                </c:pt>
+                <c:pt idx="106">
+                  <c:v>0.51</c:v>
+                </c:pt>
+                <c:pt idx="107">
+                  <c:v>0.51</c:v>
+                </c:pt>
+                <c:pt idx="108">
+                  <c:v>0.51</c:v>
+                </c:pt>
+                <c:pt idx="109">
+                  <c:v>0.51</c:v>
+                </c:pt>
+                <c:pt idx="110">
+                  <c:v>0.51</c:v>
+                </c:pt>
+                <c:pt idx="111">
+                  <c:v>0.51</c:v>
+                </c:pt>
+                <c:pt idx="112">
+                  <c:v>0.51</c:v>
+                </c:pt>
+                <c:pt idx="113">
+                  <c:v>0.51</c:v>
+                </c:pt>
+                <c:pt idx="114">
+                  <c:v>0.51</c:v>
+                </c:pt>
+                <c:pt idx="115">
+                  <c:v>0.51</c:v>
+                </c:pt>
+                <c:pt idx="116">
+                  <c:v>0.51</c:v>
+                </c:pt>
+                <c:pt idx="117">
+                  <c:v>0.51</c:v>
+                </c:pt>
+                <c:pt idx="118">
+                  <c:v>0.51</c:v>
+                </c:pt>
+                <c:pt idx="119">
+                  <c:v>0.51</c:v>
+                </c:pt>
+                <c:pt idx="120">
+                  <c:v>0.51</c:v>
+                </c:pt>
+                <c:pt idx="121">
+                  <c:v>0.51</c:v>
+                </c:pt>
+                <c:pt idx="122">
+                  <c:v>0.51</c:v>
+                </c:pt>
+                <c:pt idx="123">
+                  <c:v>0.51</c:v>
+                </c:pt>
+                <c:pt idx="124">
+                  <c:v>0.51</c:v>
+                </c:pt>
+                <c:pt idx="125">
+                  <c:v>0.51</c:v>
+                </c:pt>
+                <c:pt idx="126">
+                  <c:v>0.51</c:v>
+                </c:pt>
+                <c:pt idx="127">
+                  <c:v>0.51</c:v>
+                </c:pt>
+                <c:pt idx="128">
+                  <c:v>0.51</c:v>
+                </c:pt>
+                <c:pt idx="129">
+                  <c:v>0.51</c:v>
+                </c:pt>
+                <c:pt idx="130">
+                  <c:v>0.51</c:v>
+                </c:pt>
+                <c:pt idx="131">
+                  <c:v>0.5</c:v>
+                </c:pt>
+                <c:pt idx="132">
+                  <c:v>0.5</c:v>
+                </c:pt>
+                <c:pt idx="133">
+                  <c:v>0.5</c:v>
+                </c:pt>
+                <c:pt idx="134">
+                  <c:v>0.5</c:v>
+                </c:pt>
+                <c:pt idx="135">
+                  <c:v>0.5</c:v>
+                </c:pt>
+                <c:pt idx="136">
+                  <c:v>0.5</c:v>
+                </c:pt>
+                <c:pt idx="137">
+                  <c:v>0.5</c:v>
+                </c:pt>
+                <c:pt idx="138">
+                  <c:v>0.5</c:v>
+                </c:pt>
+                <c:pt idx="139">
+                  <c:v>0.5</c:v>
+                </c:pt>
+                <c:pt idx="140">
+                  <c:v>0.5</c:v>
+                </c:pt>
+                <c:pt idx="141">
+                  <c:v>0.5</c:v>
+                </c:pt>
+                <c:pt idx="142">
+                  <c:v>0.5</c:v>
+                </c:pt>
+                <c:pt idx="143">
+                  <c:v>0.5</c:v>
+                </c:pt>
+                <c:pt idx="144">
+                  <c:v>0.5</c:v>
+                </c:pt>
+                <c:pt idx="145">
+                  <c:v>0.5</c:v>
+                </c:pt>
+                <c:pt idx="146">
+                  <c:v>0.5</c:v>
+                </c:pt>
+                <c:pt idx="147">
+                  <c:v>0.5</c:v>
+                </c:pt>
+                <c:pt idx="148">
+                  <c:v>0.5</c:v>
+                </c:pt>
+                <c:pt idx="149">
+                  <c:v>0.5</c:v>
+                </c:pt>
+                <c:pt idx="150">
+                  <c:v>0.5</c:v>
+                </c:pt>
+                <c:pt idx="151">
+                  <c:v>0.5</c:v>
+                </c:pt>
+                <c:pt idx="152">
+                  <c:v>0.5</c:v>
+                </c:pt>
+                <c:pt idx="153">
+                  <c:v>0.5</c:v>
+                </c:pt>
+                <c:pt idx="154">
+                  <c:v>0.5</c:v>
+                </c:pt>
+                <c:pt idx="155">
+                  <c:v>0.5</c:v>
+                </c:pt>
+                <c:pt idx="156">
+                  <c:v>0.5</c:v>
+                </c:pt>
+                <c:pt idx="157">
+                  <c:v>0.5</c:v>
+                </c:pt>
+                <c:pt idx="158">
+                  <c:v>0.5</c:v>
+                </c:pt>
+                <c:pt idx="159">
+                  <c:v>0.5</c:v>
+                </c:pt>
+                <c:pt idx="160">
+                  <c:v>0.5</c:v>
+                </c:pt>
+                <c:pt idx="161">
+                  <c:v>0.5</c:v>
+                </c:pt>
+                <c:pt idx="162">
+                  <c:v>0.5</c:v>
+                </c:pt>
+                <c:pt idx="163">
+                  <c:v>0.5</c:v>
+                </c:pt>
+                <c:pt idx="164">
+                  <c:v>0.5</c:v>
+                </c:pt>
+                <c:pt idx="165">
+                  <c:v>0.5</c:v>
+                </c:pt>
+                <c:pt idx="166">
+                  <c:v>0.5</c:v>
+                </c:pt>
+                <c:pt idx="167">
+                  <c:v>0.5</c:v>
+                </c:pt>
+                <c:pt idx="168">
+                  <c:v>0.5</c:v>
+                </c:pt>
+                <c:pt idx="169">
+                  <c:v>0.5</c:v>
+                </c:pt>
+                <c:pt idx="170">
+                  <c:v>0.5</c:v>
+                </c:pt>
+                <c:pt idx="171">
+                  <c:v>0.5</c:v>
+                </c:pt>
+                <c:pt idx="172">
+                  <c:v>0.5</c:v>
+                </c:pt>
+                <c:pt idx="173">
+                  <c:v>0.5</c:v>
+                </c:pt>
+                <c:pt idx="174">
+                  <c:v>0.5</c:v>
+                </c:pt>
+                <c:pt idx="175">
+                  <c:v>0.5</c:v>
+                </c:pt>
+                <c:pt idx="176">
+                  <c:v>0.5</c:v>
+                </c:pt>
+                <c:pt idx="177">
+                  <c:v>0.5</c:v>
+                </c:pt>
+                <c:pt idx="178">
+                  <c:v>0.5</c:v>
+                </c:pt>
+                <c:pt idx="179">
+                  <c:v>0.5</c:v>
+                </c:pt>
+                <c:pt idx="180">
+                  <c:v>0.5</c:v>
+                </c:pt>
+                <c:pt idx="181">
+                  <c:v>0.5</c:v>
+                </c:pt>
+                <c:pt idx="182">
+                  <c:v>0.5</c:v>
+                </c:pt>
+                <c:pt idx="183">
+                  <c:v>0.5</c:v>
+                </c:pt>
+                <c:pt idx="184">
+                  <c:v>0.5</c:v>
+                </c:pt>
+                <c:pt idx="185">
+                  <c:v>0.5</c:v>
+                </c:pt>
+                <c:pt idx="186">
+                  <c:v>0.5</c:v>
+                </c:pt>
+                <c:pt idx="187">
+                  <c:v>0.5</c:v>
+                </c:pt>
+                <c:pt idx="188">
+                  <c:v>0.5</c:v>
+                </c:pt>
+                <c:pt idx="189">
+                  <c:v>0.5</c:v>
+                </c:pt>
+                <c:pt idx="190">
+                  <c:v>0.5</c:v>
+                </c:pt>
+                <c:pt idx="191">
+                  <c:v>0.5</c:v>
+                </c:pt>
+                <c:pt idx="192">
+                  <c:v>0.5</c:v>
+                </c:pt>
+                <c:pt idx="193">
+                  <c:v>0.5</c:v>
+                </c:pt>
+                <c:pt idx="194">
+                  <c:v>0.5</c:v>
+                </c:pt>
+                <c:pt idx="195">
+                  <c:v>0.5</c:v>
+                </c:pt>
+                <c:pt idx="196">
+                  <c:v>0.5</c:v>
+                </c:pt>
+                <c:pt idx="197">
+                  <c:v>0.5</c:v>
+                </c:pt>
+                <c:pt idx="198">
+                  <c:v>0.5</c:v>
+                </c:pt>
+                <c:pt idx="199">
+                  <c:v>0.5</c:v>
+                </c:pt>
+                <c:pt idx="200">
+                  <c:v>0.5</c:v>
+                </c:pt>
+                <c:pt idx="201">
+                  <c:v>0.5</c:v>
+                </c:pt>
+                <c:pt idx="202">
+                  <c:v>0.49</c:v>
+                </c:pt>
+                <c:pt idx="203">
+                  <c:v>0.46</c:v>
+                </c:pt>
+                <c:pt idx="204">
+                  <c:v>0.43</c:v>
+                </c:pt>
+                <c:pt idx="205">
+                  <c:v>0.42</c:v>
+                </c:pt>
+                <c:pt idx="206">
+                  <c:v>0.42</c:v>
+                </c:pt>
+                <c:pt idx="207">
+                  <c:v>0.41</c:v>
+                </c:pt>
+                <c:pt idx="208">
+                  <c:v>0.31</c:v>
+                </c:pt>
+                <c:pt idx="209">
+                  <c:v>0.19</c:v>
+                </c:pt>
+                <c:pt idx="210">
+                  <c:v>0.14000000000000001</c:v>
+                </c:pt>
+                <c:pt idx="211">
+                  <c:v>0.14000000000000001</c:v>
+                </c:pt>
+                <c:pt idx="212">
+                  <c:v>0.14000000000000001</c:v>
+                </c:pt>
+                <c:pt idx="213">
+                  <c:v>0.14000000000000001</c:v>
+                </c:pt>
+                <c:pt idx="214">
+                  <c:v>0.14000000000000001</c:v>
+                </c:pt>
+                <c:pt idx="215">
+                  <c:v>0.14000000000000001</c:v>
+                </c:pt>
+                <c:pt idx="216">
+                  <c:v>0.14000000000000001</c:v>
+                </c:pt>
+                <c:pt idx="217">
+                  <c:v>0.14000000000000001</c:v>
+                </c:pt>
+                <c:pt idx="218">
+                  <c:v>0.14000000000000001</c:v>
+                </c:pt>
+                <c:pt idx="219">
+                  <c:v>0.14000000000000001</c:v>
+                </c:pt>
+                <c:pt idx="220">
+                  <c:v>0.14000000000000001</c:v>
+                </c:pt>
+                <c:pt idx="221">
+                  <c:v>0.14000000000000001</c:v>
+                </c:pt>
+                <c:pt idx="222">
+                  <c:v>0.14000000000000001</c:v>
+                </c:pt>
+                <c:pt idx="223">
+                  <c:v>0.14000000000000001</c:v>
+                </c:pt>
+                <c:pt idx="224">
+                  <c:v>0.14000000000000001</c:v>
+                </c:pt>
+                <c:pt idx="225">
+                  <c:v>0.14000000000000001</c:v>
+                </c:pt>
+                <c:pt idx="226">
+                  <c:v>0.13</c:v>
+                </c:pt>
+                <c:pt idx="227">
+                  <c:v>0.12</c:v>
+                </c:pt>
+                <c:pt idx="228">
+                  <c:v>0.1</c:v>
+                </c:pt>
+                <c:pt idx="229">
+                  <c:v>0.1</c:v>
+                </c:pt>
+                <c:pt idx="230">
+                  <c:v>0.1</c:v>
+                </c:pt>
+                <c:pt idx="231">
+                  <c:v>0.1</c:v>
+                </c:pt>
+                <c:pt idx="232">
+                  <c:v>0.1</c:v>
+                </c:pt>
+                <c:pt idx="233">
+                  <c:v>0.08</c:v>
+                </c:pt>
+                <c:pt idx="234">
+                  <c:v>0.08</c:v>
+                </c:pt>
+                <c:pt idx="235">
+                  <c:v>0.08</c:v>
+                </c:pt>
+                <c:pt idx="236">
+                  <c:v>0.08</c:v>
+                </c:pt>
+                <c:pt idx="237">
+                  <c:v>0.08</c:v>
+                </c:pt>
+                <c:pt idx="238">
+                  <c:v>0.08</c:v>
+                </c:pt>
+                <c:pt idx="239">
+                  <c:v>0.08</c:v>
+                </c:pt>
+                <c:pt idx="240">
+                  <c:v>0.08</c:v>
+                </c:pt>
+                <c:pt idx="241">
+                  <c:v>0.08</c:v>
+                </c:pt>
+                <c:pt idx="242">
+                  <c:v>0.08</c:v>
+                </c:pt>
+                <c:pt idx="243">
+                  <c:v>0.08</c:v>
+                </c:pt>
+                <c:pt idx="244">
+                  <c:v>0.08</c:v>
+                </c:pt>
+                <c:pt idx="245">
+                  <c:v>0.08</c:v>
+                </c:pt>
+                <c:pt idx="246">
+                  <c:v>0.08</c:v>
+                </c:pt>
+                <c:pt idx="247">
+                  <c:v>0.08</c:v>
+                </c:pt>
+                <c:pt idx="248">
+                  <c:v>0.08</c:v>
+                </c:pt>
+                <c:pt idx="249">
+                  <c:v>0.08</c:v>
+                </c:pt>
+                <c:pt idx="250">
+                  <c:v>0.08</c:v>
+                </c:pt>
+                <c:pt idx="251">
+                  <c:v>0.08</c:v>
+                </c:pt>
+                <c:pt idx="252">
+                  <c:v>0.08</c:v>
+                </c:pt>
+                <c:pt idx="253">
+                  <c:v>0.08</c:v>
+                </c:pt>
+                <c:pt idx="254">
+                  <c:v>0.08</c:v>
+                </c:pt>
+                <c:pt idx="255">
+                  <c:v>0.08</c:v>
+                </c:pt>
+                <c:pt idx="256">
+                  <c:v>0.08</c:v>
+                </c:pt>
+                <c:pt idx="257">
+                  <c:v>0.08</c:v>
                 </c:pt>
               </c:numCache>
             </c:numRef>
@@ -364,11 +1740,11 @@
           <c:showPercent val="0"/>
           <c:showBubbleSize val="0"/>
         </c:dLbls>
-        <c:axId val="47403520"/>
-        <c:axId val="47404096"/>
+        <c:axId val="141402112"/>
+        <c:axId val="141400256"/>
       </c:scatterChart>
       <c:valAx>
-        <c:axId val="47403520"/>
+        <c:axId val="141402112"/>
         <c:scaling>
           <c:orientation val="minMax"/>
         </c:scaling>
@@ -381,17 +1757,17 @@
               <a:lstStyle/>
               <a:p>
                 <a:pPr>
-                  <a:defRPr/>
+                  <a:defRPr sz="1200"/>
                 </a:pPr>
                 <a:r>
-                  <a:rPr lang="en-US"/>
+                  <a:rPr lang="en-US" sz="1200"/>
                   <a:t>Time</a:t>
                 </a:r>
                 <a:r>
-                  <a:rPr lang="en-US" baseline="0"/>
+                  <a:rPr lang="en-US" sz="1200" baseline="0"/>
                   <a:t> Running (hours)</a:t>
                 </a:r>
-                <a:endParaRPr lang="en-US"/>
+                <a:endParaRPr lang="en-US" sz="1200"/>
               </a:p>
             </c:rich>
           </c:tx>
@@ -402,12 +1778,12 @@
         <c:majorTickMark val="out"/>
         <c:minorTickMark val="none"/>
         <c:tickLblPos val="nextTo"/>
-        <c:crossAx val="47404096"/>
+        <c:crossAx val="141400256"/>
         <c:crosses val="autoZero"/>
         <c:crossBetween val="midCat"/>
       </c:valAx>
       <c:valAx>
-        <c:axId val="47404096"/>
+        <c:axId val="141400256"/>
         <c:scaling>
           <c:orientation val="minMax"/>
         </c:scaling>
@@ -421,28 +1797,23 @@
               <a:lstStyle/>
               <a:p>
                 <a:pPr>
-                  <a:defRPr/>
+                  <a:defRPr sz="1200"/>
                 </a:pPr>
                 <a:r>
-                  <a:rPr lang="en-US"/>
-                  <a:t>Time</a:t>
+                  <a:rPr lang="en-US" sz="1200"/>
+                  <a:t>Battery Level</a:t>
                 </a:r>
-                <a:r>
-                  <a:rPr lang="en-US" baseline="0"/>
-                  <a:t> Left till dead (hours)</a:t>
-                </a:r>
-                <a:endParaRPr lang="en-US"/>
               </a:p>
             </c:rich>
           </c:tx>
           <c:layout/>
           <c:overlay val="0"/>
         </c:title>
-        <c:numFmt formatCode="General" sourceLinked="1"/>
+        <c:numFmt formatCode="0%" sourceLinked="1"/>
         <c:majorTickMark val="out"/>
         <c:minorTickMark val="none"/>
         <c:tickLblPos val="nextTo"/>
-        <c:crossAx val="47403520"/>
+        <c:crossAx val="141402112"/>
         <c:crosses val="autoZero"/>
         <c:crossBetween val="midCat"/>
       </c:valAx>
@@ -485,1573 +1856,205 @@
           <c:idx val="0"/>
           <c:order val="0"/>
           <c:tx>
-            <c:v>Battery Level</c:v>
+            <c:v>Estimated Time Remaining</c:v>
           </c:tx>
           <c:marker>
             <c:symbol val="none"/>
           </c:marker>
           <c:xVal>
             <c:numRef>
-              <c:f>'Battery Level 1'!$B$2:$B$259</c:f>
+              <c:f>'Estimated Time Remaining 1'!$C$2:$C$31</c:f>
               <c:numCache>
                 <c:formatCode>0.00</c:formatCode>
-                <c:ptCount val="258"/>
+                <c:ptCount val="30"/>
                 <c:pt idx="0">
                   <c:v>0</c:v>
                 </c:pt>
                 <c:pt idx="1">
-                  <c:v>8.3029444445855916E-2</c:v>
+                  <c:v>0.66637972224270925</c:v>
                 </c:pt>
                 <c:pt idx="2">
-                  <c:v>0.16662972222547978</c:v>
+                  <c:v>1.3330202777869999</c:v>
                 </c:pt>
                 <c:pt idx="3">
-                  <c:v>0.24969055555993691</c:v>
+                  <c:v>1.9997138889157213</c:v>
                 </c:pt>
                 <c:pt idx="4">
-                  <c:v>0.40664666664088145</c:v>
+                  <c:v>2.6663872222416103</c:v>
                 </c:pt>
                 <c:pt idx="5">
-                  <c:v>0.48968805553158745</c:v>
+                  <c:v>3.3330194444279186</c:v>
                 </c:pt>
                 <c:pt idx="6">
-                  <c:v>0.57313138886820525</c:v>
+                  <c:v>3.9997263888944872</c:v>
                 </c:pt>
                 <c:pt idx="7">
-                  <c:v>0.65635250002378598</c:v>
+                  <c:v>5.0364591666730121</c:v>
                 </c:pt>
                 <c:pt idx="8">
-                  <c:v>0.7396836110856384</c:v>
+                  <c:v>5.7030711111146957</c:v>
                 </c:pt>
                 <c:pt idx="9">
-                  <c:v>0.82298555556917563</c:v>
+                  <c:v>6.3697844444541261</c:v>
                 </c:pt>
                 <c:pt idx="10">
-                  <c:v>0.90634861111175269</c:v>
+                  <c:v>7.0366686111083254</c:v>
                 </c:pt>
                 <c:pt idx="11">
-                  <c:v>0.98996861110208556</c:v>
+                  <c:v>7.703073333366774</c:v>
                 </c:pt>
                 <c:pt idx="12">
-                  <c:v>1.0732924999902025</c:v>
+                  <c:v>8.369780000008177</c:v>
                 </c:pt>
                 <c:pt idx="13">
-                  <c:v>1.1563483333447948</c:v>
+                  <c:v>9.0365005555795506</c:v>
                 </c:pt>
                 <c:pt idx="14">
-                  <c:v>1.2396916666766629</c:v>
+                  <c:v>10.295646944432519</c:v>
                 </c:pt>
                 <c:pt idx="15">
-                  <c:v>1.3229855555691756</c:v>
+                  <c:v>10.962321944476571</c:v>
                 </c:pt>
                 <c:pt idx="16">
-                  <c:v>1.4063483333447948</c:v>
+                  <c:v>11.62916694447631</c:v>
                 </c:pt>
                 <c:pt idx="17">
-                  <c:v>1.4896816666587256</c:v>
+                  <c:v>12.295825833338313</c:v>
                 </c:pt>
                 <c:pt idx="18">
-                  <c:v>1.5730161110986955</c:v>
+                  <c:v>12.962313611118589</c:v>
                 </c:pt>
                 <c:pt idx="19">
-                  <c:v>1.6563483333447948</c:v>
+                  <c:v>13.628983611124568</c:v>
                 </c:pt>
                 <c:pt idx="20">
-                  <c:v>1.7399619444622658</c:v>
+                  <c:v>14.295838888909202</c:v>
                 </c:pt>
                 <c:pt idx="21">
-                  <c:v>1.8229880555300042</c:v>
+                  <c:v>14.962524166679941</c:v>
                 </c:pt>
                 <c:pt idx="22">
-                  <c:v>1.9063488888787106</c:v>
+                  <c:v>15.628980277804658</c:v>
                 </c:pt>
                 <c:pt idx="23">
-                  <c:v>1.9896841666777618</c:v>
+                  <c:v>16.295651388878468</c:v>
                 </c:pt>
                 <c:pt idx="24">
-                  <c:v>2.0730200000107288</c:v>
+                  <c:v>17.312585833366029</c:v>
                 </c:pt>
                 <c:pt idx="25">
-                  <c:v>2.1563588888966478</c:v>
+                  <c:v>17.979237222229131</c:v>
                 </c:pt>
                 <c:pt idx="26">
-                  <c:v>2.2399666666751727</c:v>
+                  <c:v>18.646068611124065</c:v>
                 </c:pt>
                 <c:pt idx="27">
-                  <c:v>2.3229888888890855</c:v>
+                  <c:v>19.312770555552561</c:v>
                 </c:pt>
                 <c:pt idx="28">
-                  <c:v>2.4063552777515724</c:v>
+                  <c:v>20.736417222244199</c:v>
                 </c:pt>
                 <c:pt idx="29">
-                  <c:v>2.489969166694209</c:v>
-                </c:pt>
-                <c:pt idx="30">
-                  <c:v>2.573019722243771</c:v>
-                </c:pt>
-                <c:pt idx="31">
-                  <c:v>2.6563580555375665</c:v>
-                </c:pt>
-                <c:pt idx="32">
-                  <c:v>2.7396933333366178</c:v>
-                </c:pt>
-                <c:pt idx="33">
-                  <c:v>2.8229883333551697</c:v>
-                </c:pt>
-                <c:pt idx="34">
-                  <c:v>2.906355555576738</c:v>
-                </c:pt>
-                <c:pt idx="35">
-                  <c:v>2.9896825000178069</c:v>
-                </c:pt>
-                <c:pt idx="36">
-                  <c:v>3.0733005555812269</c:v>
-                </c:pt>
-                <c:pt idx="37">
-                  <c:v>3.1563502777717076</c:v>
-                </c:pt>
-                <c:pt idx="38">
-                  <c:v>3.239692777802702</c:v>
-                </c:pt>
-                <c:pt idx="39">
-                  <c:v>3.3229880555300042</c:v>
-                </c:pt>
-                <c:pt idx="40">
-                  <c:v>3.406633333361242</c:v>
-                </c:pt>
-                <c:pt idx="41">
-                  <c:v>3.4896813888917677</c:v>
-                </c:pt>
-                <c:pt idx="42">
-                  <c:v>3.5733036111341789</c:v>
-                </c:pt>
-                <c:pt idx="43">
-                  <c:v>3.6563558333436958</c:v>
-                </c:pt>
-                <c:pt idx="44">
-                  <c:v>3.7399694444611669</c:v>
-                </c:pt>
-                <c:pt idx="45">
-                  <c:v>3.8229886111221276</c:v>
-                </c:pt>
-                <c:pt idx="46">
-                  <c:v>3.9066400000010617</c:v>
-                </c:pt>
-                <c:pt idx="47">
-                  <c:v>3.989692777802702</c:v>
-                </c:pt>
-                <c:pt idx="48">
-                  <c:v>4.073015000030864</c:v>
-                </c:pt>
-                <c:pt idx="49">
-                  <c:v>4.1563488888787106</c:v>
-                </c:pt>
-                <c:pt idx="50">
-                  <c:v>4.2399650000152178</c:v>
-                </c:pt>
-                <c:pt idx="51">
-                  <c:v>4.3229880555300042</c:v>
-                </c:pt>
-                <c:pt idx="52">
-                  <c:v>4.4063544444506988</c:v>
-                </c:pt>
-                <c:pt idx="53">
-                  <c:v>4.4896891666576266</c:v>
-                </c:pt>
-                <c:pt idx="54">
-                  <c:v>4.5730227777967229</c:v>
-                </c:pt>
-                <c:pt idx="55">
-                  <c:v>4.6563547222176567</c:v>
-                </c:pt>
-                <c:pt idx="56">
-                  <c:v>4.7396922222105786</c:v>
-                </c:pt>
-                <c:pt idx="57">
-                  <c:v>4.8230505555402488</c:v>
-                </c:pt>
-                <c:pt idx="58">
-                  <c:v>4.9066474999999627</c:v>
-                </c:pt>
-                <c:pt idx="59">
-                  <c:v>4.9896949999965727</c:v>
-                </c:pt>
-                <c:pt idx="60">
-                  <c:v>5.0733283333247527</c:v>
-                </c:pt>
-                <c:pt idx="61">
-                  <c:v>5.1563219444360584</c:v>
-                </c:pt>
-                <c:pt idx="62">
-                  <c:v>5.2396891666576266</c:v>
-                </c:pt>
-                <c:pt idx="63">
-                  <c:v>5.3229886111221276</c:v>
-                </c:pt>
-                <c:pt idx="64">
-                  <c:v>5.4430619444465265</c:v>
-                </c:pt>
-                <c:pt idx="65">
-                  <c:v>5.5263724999967963</c:v>
-                </c:pt>
-                <c:pt idx="66">
-                  <c:v>5.6099613888654858</c:v>
-                </c:pt>
-                <c:pt idx="67">
-                  <c:v>5.6931019444600679</c:v>
-                </c:pt>
-                <c:pt idx="68">
-                  <c:v>5.7764277777750976</c:v>
-                </c:pt>
-                <c:pt idx="69">
-                  <c:v>5.8597177777555771</c:v>
-                </c:pt>
-                <c:pt idx="70">
-                  <c:v>5.9430969444219954</c:v>
-                </c:pt>
-                <c:pt idx="71">
-                  <c:v>6.0264277777750976</c:v>
-                </c:pt>
-                <c:pt idx="72">
-                  <c:v>6.1097086110967211</c:v>
-                </c:pt>
-                <c:pt idx="73">
-                  <c:v>6.1930419444688596</c:v>
-                </c:pt>
-                <c:pt idx="74">
-                  <c:v>6.2763752777827904</c:v>
-                </c:pt>
-                <c:pt idx="75">
-                  <c:v>6.3597083333297633</c:v>
-                </c:pt>
-                <c:pt idx="76">
-                  <c:v>6.4430422222358175</c:v>
-                </c:pt>
-                <c:pt idx="77">
-                  <c:v>6.5266322222305462</c:v>
-                </c:pt>
-                <c:pt idx="78">
-                  <c:v>6.6097083333297633</c:v>
-                </c:pt>
-                <c:pt idx="79">
-                  <c:v>6.6930397222167812</c:v>
-                </c:pt>
-                <c:pt idx="80">
-                  <c:v>6.7766369444434531</c:v>
-                </c:pt>
-                <c:pt idx="81">
-                  <c:v>6.8597075000288896</c:v>
-                </c:pt>
-                <c:pt idx="82">
-                  <c:v>6.943302777770441</c:v>
-                </c:pt>
-                <c:pt idx="83">
-                  <c:v>7.0263750000158325</c:v>
-                </c:pt>
-                <c:pt idx="84">
-                  <c:v>7.1097061111358926</c:v>
-                </c:pt>
-                <c:pt idx="85">
-                  <c:v>7.1948566666687839</c:v>
-                </c:pt>
-                <c:pt idx="86">
-                  <c:v>7.2766363889095373</c:v>
-                </c:pt>
-                <c:pt idx="87">
-                  <c:v>7.3597530555562116</c:v>
-                </c:pt>
-                <c:pt idx="88">
-                  <c:v>7.4431136111379601</c:v>
-                </c:pt>
-                <c:pt idx="89">
-                  <c:v>7.5263733333558775</c:v>
-                </c:pt>
-                <c:pt idx="90">
-                  <c:v>7.6099644444184378</c:v>
-                </c:pt>
-                <c:pt idx="91">
-                  <c:v>7.69329527777154</c:v>
-                </c:pt>
-                <c:pt idx="92">
-                  <c:v>7.7763724999967963</c:v>
-                </c:pt>
-                <c:pt idx="93">
-                  <c:v>7.8597447221982293</c:v>
-                </c:pt>
-                <c:pt idx="94">
-                  <c:v>7.9430830555502325</c:v>
-                </c:pt>
-                <c:pt idx="95">
-                  <c:v>8.026637222210411</c:v>
-                </c:pt>
-                <c:pt idx="96">
-                  <c:v>8.1097680555540137</c:v>
-                </c:pt>
-                <c:pt idx="97">
-                  <c:v>8.1933069444494322</c:v>
-                </c:pt>
-                <c:pt idx="98">
-                  <c:v>8.2766286110854708</c:v>
-                </c:pt>
-                <c:pt idx="99">
-                  <c:v>8.3597555555752479</c:v>
-                </c:pt>
-                <c:pt idx="100">
-                  <c:v>8.4431219444377348</c:v>
-                </c:pt>
-                <c:pt idx="101">
-                  <c:v>8.5264477777527645</c:v>
-                </c:pt>
-                <c:pt idx="102">
-                  <c:v>8.6097080555628054</c:v>
-                </c:pt>
-                <c:pt idx="103">
-                  <c:v>8.6930419444688596</c:v>
-                </c:pt>
-                <c:pt idx="104">
-                  <c:v>8.776628055551555</c:v>
-                </c:pt>
-                <c:pt idx="105">
-                  <c:v>8.859963888884522</c:v>
-                </c:pt>
-                <c:pt idx="106">
-                  <c:v>8.9430750000174157</c:v>
-                </c:pt>
-                <c:pt idx="107">
-                  <c:v>9.0264699999825098</c:v>
-                </c:pt>
-                <c:pt idx="108">
-                  <c:v>9.1097641666419804</c:v>
-                </c:pt>
-                <c:pt idx="109">
-                  <c:v>9.1930391666828655</c:v>
-                </c:pt>
-                <c:pt idx="110">
-                  <c:v>9.2766286110854708</c:v>
-                </c:pt>
-                <c:pt idx="111">
-                  <c:v>9.3597486111102626</c:v>
-                </c:pt>
-                <c:pt idx="112">
-                  <c:v>9.4433158333413303</c:v>
-                </c:pt>
-                <c:pt idx="113">
-                  <c:v>9.526422500028275</c:v>
-                </c:pt>
-                <c:pt idx="114">
-                  <c:v>9.6099597222055309</c:v>
-                </c:pt>
-                <c:pt idx="115">
-                  <c:v>9.6930411111097783</c:v>
-                </c:pt>
-                <c:pt idx="116">
-                  <c:v>9.776422500028275</c:v>
-                </c:pt>
-                <c:pt idx="117">
-                  <c:v>9.8597419444704428</c:v>
-                </c:pt>
-                <c:pt idx="118">
-                  <c:v>9.9430419444688596</c:v>
-                </c:pt>
-                <c:pt idx="119">
-                  <c:v>10.026469166681636</c:v>
-                </c:pt>
-                <c:pt idx="120">
-                  <c:v>10.109750277770218</c:v>
-                </c:pt>
-                <c:pt idx="121">
-                  <c:v>10.193293611111585</c:v>
-                </c:pt>
-                <c:pt idx="122">
-                  <c:v>10.27663833333645</c:v>
-                </c:pt>
-                <c:pt idx="123">
-                  <c:v>10.359746388916392</c:v>
-                </c:pt>
-                <c:pt idx="124">
-                  <c:v>10.443102499993984</c:v>
-                </c:pt>
-                <c:pt idx="125">
-                  <c:v>10.702285555540584</c:v>
-                </c:pt>
-                <c:pt idx="126">
-                  <c:v>10.785616388893686</c:v>
-                </c:pt>
-                <c:pt idx="127">
-                  <c:v>10.868949444440659</c:v>
-                </c:pt>
-                <c:pt idx="128">
-                  <c:v>10.952281944453716</c:v>
-                </c:pt>
-                <c:pt idx="129">
-                  <c:v>11.035617500019725</c:v>
-                </c:pt>
-                <c:pt idx="130">
-                  <c:v>11.118949166673701</c:v>
-                </c:pt>
-                <c:pt idx="131">
-                  <c:v>11.202461666660383</c:v>
-                </c:pt>
-                <c:pt idx="132">
-                  <c:v>11.285615555534605</c:v>
-                </c:pt>
-                <c:pt idx="133">
-                  <c:v>11.368948888906743</c:v>
-                </c:pt>
-                <c:pt idx="134">
-                  <c:v>11.452285833307542</c:v>
-                </c:pt>
-                <c:pt idx="135">
-                  <c:v>11.53579861111939</c:v>
-                </c:pt>
-                <c:pt idx="136">
-                  <c:v>11.619136944471393</c:v>
-                </c:pt>
-                <c:pt idx="137">
-                  <c:v>11.702536111115478</c:v>
-                </c:pt>
-                <c:pt idx="138">
-                  <c:v>11.78579749999335</c:v>
-                </c:pt>
-                <c:pt idx="139">
-                  <c:v>11.868949166673701</c:v>
-                </c:pt>
-                <c:pt idx="140">
-                  <c:v>11.952290555578656</c:v>
-                </c:pt>
-                <c:pt idx="141">
-                  <c:v>12.035618611087557</c:v>
-                </c:pt>
-                <c:pt idx="142">
-                  <c:v>12.119128055579495</c:v>
-                </c:pt>
-                <c:pt idx="143">
-                  <c:v>12.202303055557422</c:v>
-                </c:pt>
-                <c:pt idx="144">
-                  <c:v>12.285634999978356</c:v>
-                </c:pt>
-                <c:pt idx="145">
-                  <c:v>12.368948888906743</c:v>
-                </c:pt>
-                <c:pt idx="146">
-                  <c:v>12.452284444472753</c:v>
-                </c:pt>
-                <c:pt idx="147">
-                  <c:v>12.53579861111939</c:v>
-                </c:pt>
-                <c:pt idx="148">
-                  <c:v>12.619135555578396</c:v>
-                </c:pt>
-                <c:pt idx="149">
-                  <c:v>12.702283888880629</c:v>
-                </c:pt>
-                <c:pt idx="150">
-                  <c:v>12.785795555566438</c:v>
-                </c:pt>
-                <c:pt idx="151">
-                  <c:v>12.868949444440659</c:v>
-                </c:pt>
-                <c:pt idx="152">
-                  <c:v>12.952288888918702</c:v>
-                </c:pt>
-                <c:pt idx="153">
-                  <c:v>13.035683055582922</c:v>
-                </c:pt>
-                <c:pt idx="154">
-                  <c:v>13.11895027779974</c:v>
-                </c:pt>
-                <c:pt idx="155">
-                  <c:v>13.202470555552281</c:v>
-                </c:pt>
-                <c:pt idx="156">
-                  <c:v>13.285794444440398</c:v>
-                </c:pt>
-                <c:pt idx="157">
-                  <c:v>13.368951944459695</c:v>
-                </c:pt>
-                <c:pt idx="158">
-                  <c:v>13.452370000013616</c:v>
-                </c:pt>
-                <c:pt idx="159">
-                  <c:v>13.535801944439299</c:v>
-                </c:pt>
-                <c:pt idx="160">
-                  <c:v>13.619128055579495</c:v>
-                </c:pt>
-                <c:pt idx="161">
-                  <c:v>13.702285000006668</c:v>
-                </c:pt>
-                <c:pt idx="162">
-                  <c:v>13.785801666672342</c:v>
-                </c:pt>
-                <c:pt idx="163">
-                  <c:v>13.868952777760569</c:v>
-                </c:pt>
-                <c:pt idx="164">
-                  <c:v>13.952282222220674</c:v>
-                </c:pt>
-                <c:pt idx="165">
-                  <c:v>14.035618333320599</c:v>
-                </c:pt>
-                <c:pt idx="166">
-                  <c:v>14.118948888906743</c:v>
-                </c:pt>
-                <c:pt idx="167">
-                  <c:v>14.202283611113671</c:v>
-                </c:pt>
-                <c:pt idx="168">
-                  <c:v>14.285808055545203</c:v>
-                </c:pt>
-                <c:pt idx="169">
-                  <c:v>14.369015277770814</c:v>
-                </c:pt>
-                <c:pt idx="170">
-                  <c:v>14.452285555540584</c:v>
-                </c:pt>
-                <c:pt idx="171">
-                  <c:v>14.535618333320599</c:v>
-                </c:pt>
-                <c:pt idx="172">
-                  <c:v>14.618952222226653</c:v>
-                </c:pt>
-                <c:pt idx="173">
-                  <c:v>14.70228472223971</c:v>
-                </c:pt>
-                <c:pt idx="174">
-                  <c:v>14.785794722207356</c:v>
-                </c:pt>
-                <c:pt idx="175">
-                  <c:v>14.869129444472492</c:v>
-                </c:pt>
-                <c:pt idx="176">
-                  <c:v>14.952282222220674</c:v>
-                </c:pt>
-                <c:pt idx="177">
-                  <c:v>15.035618055553641</c:v>
-                </c:pt>
-                <c:pt idx="178">
-                  <c:v>15.118967777758371</c:v>
-                </c:pt>
-                <c:pt idx="179">
-                  <c:v>15.202466944465414</c:v>
-                </c:pt>
-                <c:pt idx="180">
-                  <c:v>15.285807500011288</c:v>
-                </c:pt>
-                <c:pt idx="181">
-                  <c:v>15.368950833333656</c:v>
-                </c:pt>
-                <c:pt idx="182">
-                  <c:v>15.45247277780436</c:v>
-                </c:pt>
-                <c:pt idx="183">
-                  <c:v>15.535615555534605</c:v>
-                </c:pt>
-                <c:pt idx="184">
-                  <c:v>15.619142222218215</c:v>
-                </c:pt>
-                <c:pt idx="185">
-                  <c:v>15.702285555540584</c:v>
-                </c:pt>
-                <c:pt idx="186">
-                  <c:v>15.78561583335977</c:v>
-                </c:pt>
-                <c:pt idx="187">
-                  <c:v>15.868948888906743</c:v>
-                </c:pt>
-                <c:pt idx="188">
-                  <c:v>15.952492777782027</c:v>
-                </c:pt>
-                <c:pt idx="189">
-                  <c:v>16.035617777786683</c:v>
-                </c:pt>
-                <c:pt idx="190">
-                  <c:v>16.118966944457497</c:v>
-                </c:pt>
-                <c:pt idx="191">
-                  <c:v>16.202472222212236</c:v>
-                </c:pt>
-                <c:pt idx="192">
-                  <c:v>16.285793333314359</c:v>
-                </c:pt>
-                <c:pt idx="193">
-                  <c:v>16.368951666692737</c:v>
-                </c:pt>
-                <c:pt idx="194">
-                  <c:v>16.452282222220674</c:v>
-                </c:pt>
-                <c:pt idx="195">
-                  <c:v>16.535804444458336</c:v>
-                </c:pt>
-                <c:pt idx="196">
-                  <c:v>16.618948888906743</c:v>
-                </c:pt>
-                <c:pt idx="197">
-                  <c:v>16.702285555540584</c:v>
-                </c:pt>
-                <c:pt idx="198">
-                  <c:v>16.785830277774949</c:v>
-                </c:pt>
-                <c:pt idx="199">
-                  <c:v>16.868972500029486</c:v>
-                </c:pt>
-                <c:pt idx="200">
-                  <c:v>16.952284444472753</c:v>
-                </c:pt>
-                <c:pt idx="201">
-                  <c:v>17.035616111126728</c:v>
-                </c:pt>
-                <c:pt idx="202">
-                  <c:v>17.119151111110114</c:v>
-                </c:pt>
-                <c:pt idx="203">
-                  <c:v>17.202285833307542</c:v>
-                </c:pt>
-                <c:pt idx="204">
-                  <c:v>17.285619999980554</c:v>
-                </c:pt>
-                <c:pt idx="205">
-                  <c:v>17.369130555540323</c:v>
-                </c:pt>
-                <c:pt idx="206">
-                  <c:v>17.452465277805459</c:v>
-                </c:pt>
-                <c:pt idx="207">
-                  <c:v>17.535616388893686</c:v>
-                </c:pt>
-                <c:pt idx="208">
-                  <c:v>17.618948888906743</c:v>
-                </c:pt>
-                <c:pt idx="209">
-                  <c:v>17.719153611105867</c:v>
-                </c:pt>
-                <c:pt idx="210">
-                  <c:v>17.80274527776055</c:v>
-                </c:pt>
-                <c:pt idx="211">
-                  <c:v>17.886071388900746</c:v>
-                </c:pt>
-                <c:pt idx="212">
-                  <c:v>17.969200833351351</c:v>
-                </c:pt>
-                <c:pt idx="213">
-                  <c:v>18.052593888889533</c:v>
-                </c:pt>
-                <c:pt idx="214">
-                  <c:v>18.135897499974817</c:v>
-                </c:pt>
-                <c:pt idx="215">
-                  <c:v>18.219213055563159</c:v>
-                </c:pt>
-                <c:pt idx="216">
-                  <c:v>18.302554444468115</c:v>
-                </c:pt>
-                <c:pt idx="217">
-                  <c:v>18.3858655555523</c:v>
-                </c:pt>
-                <c:pt idx="218">
-                  <c:v>18.469427499978337</c:v>
-                </c:pt>
-                <c:pt idx="219">
-                  <c:v>18.552593888889533</c:v>
-                </c:pt>
-                <c:pt idx="220">
-                  <c:v>18.635814166686032</c:v>
-                </c:pt>
-                <c:pt idx="221">
-                  <c:v>18.719404166680761</c:v>
-                </c:pt>
-                <c:pt idx="222">
-                  <c:v>18.802738055586815</c:v>
-                </c:pt>
-                <c:pt idx="223">
-                  <c:v>18.885864444426261</c:v>
-                </c:pt>
-                <c:pt idx="224">
-                  <c:v>18.969205833331216</c:v>
-                </c:pt>
-                <c:pt idx="225">
-                  <c:v>19.05248000001302</c:v>
-                </c:pt>
-                <c:pt idx="226">
-                  <c:v>19.135859722213354</c:v>
-                </c:pt>
-                <c:pt idx="227">
-                  <c:v>19.219193055585492</c:v>
-                </c:pt>
-                <c:pt idx="228">
-                  <c:v>19.302590555569623</c:v>
-                </c:pt>
-                <c:pt idx="229">
-                  <c:v>19.385889444442</c:v>
-                </c:pt>
-                <c:pt idx="230">
-                  <c:v>19.469409722252749</c:v>
-                </c:pt>
-                <c:pt idx="231">
-                  <c:v>19.552701666660141</c:v>
-                </c:pt>
-                <c:pt idx="232">
-                  <c:v>19.63603722222615</c:v>
-                </c:pt>
-                <c:pt idx="233">
-                  <c:v>19.719150555552915</c:v>
-                </c:pt>
-                <c:pt idx="234">
-                  <c:v>19.80248333333293</c:v>
-                </c:pt>
-                <c:pt idx="235">
-                  <c:v>19.885862777766306</c:v>
-                </c:pt>
-                <c:pt idx="236">
-                  <c:v>19.969409722252749</c:v>
-                </c:pt>
-                <c:pt idx="237">
-                  <c:v>20.052739166654646</c:v>
-                </c:pt>
-                <c:pt idx="238">
-                  <c:v>20.136070555541664</c:v>
-                </c:pt>
-                <c:pt idx="239">
-                  <c:v>20.219235555559862</c:v>
-                </c:pt>
-                <c:pt idx="240">
-                  <c:v>20.302739166654646</c:v>
-                </c:pt>
-                <c:pt idx="241">
-                  <c:v>20.385875555570237</c:v>
-                </c:pt>
-                <c:pt idx="242">
-                  <c:v>20.469146944466047</c:v>
-                </c:pt>
-                <c:pt idx="243">
-                  <c:v>20.55248000001302</c:v>
-                </c:pt>
-                <c:pt idx="244">
-                  <c:v>20.635858333320357</c:v>
-                </c:pt>
-                <c:pt idx="245">
-                  <c:v>20.719407500000671</c:v>
-                </c:pt>
-                <c:pt idx="246">
-                  <c:v>20.802491111098789</c:v>
-                </c:pt>
-                <c:pt idx="247">
-                  <c:v>20.885814722219948</c:v>
-                </c:pt>
-                <c:pt idx="248">
-                  <c:v>21.143087222240865</c:v>
-                </c:pt>
-                <c:pt idx="249">
-                  <c:v>21.226636666688137</c:v>
-                </c:pt>
-                <c:pt idx="250">
-                  <c:v>21.3099663889152</c:v>
-                </c:pt>
-                <c:pt idx="251">
-                  <c:v>21.393298333336134</c:v>
-                </c:pt>
-                <c:pt idx="252">
-                  <c:v>21.476642777794041</c:v>
-                </c:pt>
-                <c:pt idx="253">
-                  <c:v>21.559970000002068</c:v>
-                </c:pt>
-                <c:pt idx="254">
-                  <c:v>21.643578333314508</c:v>
-                </c:pt>
-                <c:pt idx="255">
-                  <c:v>21.726385833346285</c:v>
-                </c:pt>
-                <c:pt idx="256">
-                  <c:v>21.809959722217172</c:v>
-                </c:pt>
-                <c:pt idx="257">
-                  <c:v>21.893055833352264</c:v>
+                  <c:v>20.903087222250178</c:v>
                 </c:pt>
               </c:numCache>
             </c:numRef>
           </c:xVal>
           <c:yVal>
             <c:numRef>
-              <c:f>'Battery Level 1'!$C$2:$C$259</c:f>
+              <c:f>'Estimated Time Remaining 1'!$J$2:$J$31</c:f>
               <c:numCache>
-                <c:formatCode>0%</c:formatCode>
-                <c:ptCount val="258"/>
+                <c:formatCode>General</c:formatCode>
+                <c:ptCount val="30"/>
                 <c:pt idx="0">
-                  <c:v>0.86</c:v>
+                  <c:v>13.199581481481468</c:v>
                 </c:pt>
                 <c:pt idx="1">
-                  <c:v>0.84</c:v>
+                  <c:v>16.149396250000041</c:v>
                 </c:pt>
                 <c:pt idx="2">
-                  <c:v>0.84</c:v>
+                  <c:v>22.649141666666676</c:v>
                 </c:pt>
                 <c:pt idx="3">
-                  <c:v>0.84</c:v>
+                  <c:v>29.149404375000007</c:v>
                 </c:pt>
                 <c:pt idx="4">
-                  <c:v>0.82</c:v>
+                  <c:v>31.282155462962997</c:v>
                 </c:pt>
                 <c:pt idx="5">
-                  <c:v>0.82</c:v>
+                  <c:v>36.985564475308635</c:v>
                 </c:pt>
                 <c:pt idx="6">
-                  <c:v>0.82</c:v>
+                  <c:v>28.019056538461538</c:v>
                 </c:pt>
                 <c:pt idx="7">
-                  <c:v>0.82</c:v>
+                  <c:v>28.525091481481464</c:v>
                 </c:pt>
                 <c:pt idx="8">
-                  <c:v>0.82</c:v>
+                  <c:v>18.333108804347834</c:v>
                 </c:pt>
                 <c:pt idx="9">
-                  <c:v>0.8</c:v>
+                  <c:v>10.724211595238122</c:v>
                 </c:pt>
                 <c:pt idx="10">
-                  <c:v>0.8</c:v>
+                  <c:v>11.695957095238056</c:v>
                 </c:pt>
                 <c:pt idx="11">
-                  <c:v>0.8</c:v>
+                  <c:v>12.667003976190497</c:v>
                 </c:pt>
                 <c:pt idx="12">
-                  <c:v>0.8</c:v>
+                  <c:v>13.638490833333378</c:v>
                 </c:pt>
                 <c:pt idx="13">
-                  <c:v>0.79</c:v>
+                  <c:v>14.609997928571424</c:v>
                 </c:pt>
                 <c:pt idx="14">
-                  <c:v>0.78</c:v>
+                  <c:v>15.674466049382721</c:v>
                 </c:pt>
                 <c:pt idx="15">
-                  <c:v>0.78</c:v>
+                  <c:v>16.600403549382712</c:v>
                 </c:pt>
                 <c:pt idx="16">
-                  <c:v>0.78</c:v>
+                  <c:v>17.526577160493829</c:v>
                 </c:pt>
                 <c:pt idx="17">
-                  <c:v>0.78</c:v>
+                  <c:v>18.452492283950605</c:v>
                 </c:pt>
                 <c:pt idx="18">
-                  <c:v>0.78</c:v>
+                  <c:v>19.378169753086418</c:v>
                 </c:pt>
                 <c:pt idx="19">
-                  <c:v>0.78</c:v>
+                  <c:v>20.304100308641967</c:v>
                 </c:pt>
                 <c:pt idx="20">
-                  <c:v>0.78</c:v>
+                  <c:v>21.230288194444448</c:v>
                 </c:pt>
                 <c:pt idx="21">
-                  <c:v>0.78</c:v>
+                  <c:v>22.156239969135793</c:v>
                 </c:pt>
                 <c:pt idx="22">
-                  <c:v>0.78</c:v>
+                  <c:v>23.081873456790117</c:v>
                 </c:pt>
                 <c:pt idx="23">
-                  <c:v>0.78</c:v>
+                  <c:v>1.1944563888888877</c:v>
                 </c:pt>
                 <c:pt idx="24">
-                  <c:v>0.78</c:v>
+                  <c:v>3.5588300308641996</c:v>
                 </c:pt>
                 <c:pt idx="25">
-                  <c:v>0.78</c:v>
+                  <c:v>3.6884566898148137</c:v>
                 </c:pt>
                 <c:pt idx="26">
-                  <c:v>0.78</c:v>
+                  <c:v>2.5836891081871372</c:v>
                 </c:pt>
                 <c:pt idx="27">
-                  <c:v>0.78</c:v>
+                  <c:v>2.0823322222222176</c:v>
                 </c:pt>
                 <c:pt idx="28">
-                  <c:v>0.78</c:v>
+                  <c:v>2.2283472649572644</c:v>
                 </c:pt>
                 <c:pt idx="29">
-                  <c:v>0.78</c:v>
-                </c:pt>
-                <c:pt idx="30">
-                  <c:v>0.78</c:v>
-                </c:pt>
-                <c:pt idx="31">
-                  <c:v>0.78</c:v>
-                </c:pt>
-                <c:pt idx="32">
-                  <c:v>0.78</c:v>
-                </c:pt>
-                <c:pt idx="33">
-                  <c:v>0.78</c:v>
-                </c:pt>
-                <c:pt idx="34">
-                  <c:v>0.78</c:v>
-                </c:pt>
-                <c:pt idx="35">
-                  <c:v>0.78</c:v>
-                </c:pt>
-                <c:pt idx="36">
-                  <c:v>0.78</c:v>
-                </c:pt>
-                <c:pt idx="37">
-                  <c:v>0.78</c:v>
-                </c:pt>
-                <c:pt idx="38">
-                  <c:v>0.78</c:v>
-                </c:pt>
-                <c:pt idx="39">
-                  <c:v>0.78</c:v>
-                </c:pt>
-                <c:pt idx="40">
-                  <c:v>0.77</c:v>
-                </c:pt>
-                <c:pt idx="41">
-                  <c:v>0.77</c:v>
-                </c:pt>
-                <c:pt idx="42">
-                  <c:v>0.77</c:v>
-                </c:pt>
-                <c:pt idx="43">
-                  <c:v>0.77</c:v>
-                </c:pt>
-                <c:pt idx="44">
-                  <c:v>0.77</c:v>
-                </c:pt>
-                <c:pt idx="45">
-                  <c:v>0.77</c:v>
-                </c:pt>
-                <c:pt idx="46">
-                  <c:v>0.77</c:v>
-                </c:pt>
-                <c:pt idx="47">
-                  <c:v>0.77</c:v>
-                </c:pt>
-                <c:pt idx="48">
-                  <c:v>0.77</c:v>
-                </c:pt>
-                <c:pt idx="49">
-                  <c:v>0.77</c:v>
-                </c:pt>
-                <c:pt idx="50">
-                  <c:v>0.77</c:v>
-                </c:pt>
-                <c:pt idx="51">
-                  <c:v>0.77</c:v>
-                </c:pt>
-                <c:pt idx="52">
-                  <c:v>0.74</c:v>
-                </c:pt>
-                <c:pt idx="53">
-                  <c:v>0.74</c:v>
-                </c:pt>
-                <c:pt idx="54">
-                  <c:v>0.74</c:v>
-                </c:pt>
-                <c:pt idx="55">
-                  <c:v>0.73</c:v>
-                </c:pt>
-                <c:pt idx="56">
-                  <c:v>0.73</c:v>
-                </c:pt>
-                <c:pt idx="57">
-                  <c:v>0.73</c:v>
-                </c:pt>
-                <c:pt idx="58">
-                  <c:v>0.73</c:v>
-                </c:pt>
-                <c:pt idx="59">
-                  <c:v>0.73</c:v>
-                </c:pt>
-                <c:pt idx="60">
-                  <c:v>0.72</c:v>
-                </c:pt>
-                <c:pt idx="61">
-                  <c:v>0.72</c:v>
-                </c:pt>
-                <c:pt idx="62">
-                  <c:v>0.72</c:v>
-                </c:pt>
-                <c:pt idx="63">
-                  <c:v>0.72</c:v>
-                </c:pt>
-                <c:pt idx="64">
-                  <c:v>0.71</c:v>
-                </c:pt>
-                <c:pt idx="65">
-                  <c:v>0.71</c:v>
-                </c:pt>
-                <c:pt idx="66">
-                  <c:v>0.71</c:v>
-                </c:pt>
-                <c:pt idx="67">
-                  <c:v>0.71</c:v>
-                </c:pt>
-                <c:pt idx="68">
-                  <c:v>0.71</c:v>
-                </c:pt>
-                <c:pt idx="69">
-                  <c:v>0.71</c:v>
-                </c:pt>
-                <c:pt idx="70">
-                  <c:v>0.71</c:v>
-                </c:pt>
-                <c:pt idx="71">
-                  <c:v>0.71</c:v>
-                </c:pt>
-                <c:pt idx="72">
-                  <c:v>0.71</c:v>
-                </c:pt>
-                <c:pt idx="73">
-                  <c:v>0.71</c:v>
-                </c:pt>
-                <c:pt idx="74">
-                  <c:v>0.71</c:v>
-                </c:pt>
-                <c:pt idx="75">
-                  <c:v>0.71</c:v>
-                </c:pt>
-                <c:pt idx="76">
-                  <c:v>0.67</c:v>
-                </c:pt>
-                <c:pt idx="77">
-                  <c:v>0.64</c:v>
-                </c:pt>
-                <c:pt idx="78">
-                  <c:v>0.63</c:v>
-                </c:pt>
-                <c:pt idx="79">
-                  <c:v>0.63</c:v>
-                </c:pt>
-                <c:pt idx="80">
-                  <c:v>0.63</c:v>
-                </c:pt>
-                <c:pt idx="81">
-                  <c:v>0.62</c:v>
-                </c:pt>
-                <c:pt idx="82">
-                  <c:v>0.6</c:v>
-                </c:pt>
-                <c:pt idx="83">
-                  <c:v>0.56999999999999995</c:v>
-                </c:pt>
-                <c:pt idx="84">
-                  <c:v>0.51</c:v>
-                </c:pt>
-                <c:pt idx="85">
-                  <c:v>0.51</c:v>
-                </c:pt>
-                <c:pt idx="86">
-                  <c:v>0.51</c:v>
-                </c:pt>
-                <c:pt idx="87">
-                  <c:v>0.51</c:v>
-                </c:pt>
-                <c:pt idx="88">
-                  <c:v>0.51</c:v>
-                </c:pt>
-                <c:pt idx="89">
-                  <c:v>0.51</c:v>
-                </c:pt>
-                <c:pt idx="90">
-                  <c:v>0.51</c:v>
-                </c:pt>
-                <c:pt idx="91">
-                  <c:v>0.51</c:v>
-                </c:pt>
-                <c:pt idx="92">
-                  <c:v>0.51</c:v>
-                </c:pt>
-                <c:pt idx="93">
-                  <c:v>0.51</c:v>
-                </c:pt>
-                <c:pt idx="94">
-                  <c:v>0.51</c:v>
-                </c:pt>
-                <c:pt idx="95">
-                  <c:v>0.51</c:v>
-                </c:pt>
-                <c:pt idx="96">
-                  <c:v>0.51</c:v>
-                </c:pt>
-                <c:pt idx="97">
-                  <c:v>0.51</c:v>
-                </c:pt>
-                <c:pt idx="98">
-                  <c:v>0.51</c:v>
-                </c:pt>
-                <c:pt idx="99">
-                  <c:v>0.51</c:v>
-                </c:pt>
-                <c:pt idx="100">
-                  <c:v>0.51</c:v>
-                </c:pt>
-                <c:pt idx="101">
-                  <c:v>0.51</c:v>
-                </c:pt>
-                <c:pt idx="102">
-                  <c:v>0.51</c:v>
-                </c:pt>
-                <c:pt idx="103">
-                  <c:v>0.51</c:v>
-                </c:pt>
-                <c:pt idx="104">
-                  <c:v>0.51</c:v>
-                </c:pt>
-                <c:pt idx="105">
-                  <c:v>0.51</c:v>
-                </c:pt>
-                <c:pt idx="106">
-                  <c:v>0.51</c:v>
-                </c:pt>
-                <c:pt idx="107">
-                  <c:v>0.51</c:v>
-                </c:pt>
-                <c:pt idx="108">
-                  <c:v>0.51</c:v>
-                </c:pt>
-                <c:pt idx="109">
-                  <c:v>0.51</c:v>
-                </c:pt>
-                <c:pt idx="110">
-                  <c:v>0.51</c:v>
-                </c:pt>
-                <c:pt idx="111">
-                  <c:v>0.51</c:v>
-                </c:pt>
-                <c:pt idx="112">
-                  <c:v>0.51</c:v>
-                </c:pt>
-                <c:pt idx="113">
-                  <c:v>0.51</c:v>
-                </c:pt>
-                <c:pt idx="114">
-                  <c:v>0.51</c:v>
-                </c:pt>
-                <c:pt idx="115">
-                  <c:v>0.51</c:v>
-                </c:pt>
-                <c:pt idx="116">
-                  <c:v>0.51</c:v>
-                </c:pt>
-                <c:pt idx="117">
-                  <c:v>0.51</c:v>
-                </c:pt>
-                <c:pt idx="118">
-                  <c:v>0.51</c:v>
-                </c:pt>
-                <c:pt idx="119">
-                  <c:v>0.51</c:v>
-                </c:pt>
-                <c:pt idx="120">
-                  <c:v>0.51</c:v>
-                </c:pt>
-                <c:pt idx="121">
-                  <c:v>0.51</c:v>
-                </c:pt>
-                <c:pt idx="122">
-                  <c:v>0.51</c:v>
-                </c:pt>
-                <c:pt idx="123">
-                  <c:v>0.51</c:v>
-                </c:pt>
-                <c:pt idx="124">
-                  <c:v>0.51</c:v>
-                </c:pt>
-                <c:pt idx="125">
-                  <c:v>0.51</c:v>
-                </c:pt>
-                <c:pt idx="126">
-                  <c:v>0.51</c:v>
-                </c:pt>
-                <c:pt idx="127">
-                  <c:v>0.51</c:v>
-                </c:pt>
-                <c:pt idx="128">
-                  <c:v>0.51</c:v>
-                </c:pt>
-                <c:pt idx="129">
-                  <c:v>0.51</c:v>
-                </c:pt>
-                <c:pt idx="130">
-                  <c:v>0.51</c:v>
-                </c:pt>
-                <c:pt idx="131">
-                  <c:v>0.5</c:v>
-                </c:pt>
-                <c:pt idx="132">
-                  <c:v>0.5</c:v>
-                </c:pt>
-                <c:pt idx="133">
-                  <c:v>0.5</c:v>
-                </c:pt>
-                <c:pt idx="134">
-                  <c:v>0.5</c:v>
-                </c:pt>
-                <c:pt idx="135">
-                  <c:v>0.5</c:v>
-                </c:pt>
-                <c:pt idx="136">
-                  <c:v>0.5</c:v>
-                </c:pt>
-                <c:pt idx="137">
-                  <c:v>0.5</c:v>
-                </c:pt>
-                <c:pt idx="138">
-                  <c:v>0.5</c:v>
-                </c:pt>
-                <c:pt idx="139">
-                  <c:v>0.5</c:v>
-                </c:pt>
-                <c:pt idx="140">
-                  <c:v>0.5</c:v>
-                </c:pt>
-                <c:pt idx="141">
-                  <c:v>0.5</c:v>
-                </c:pt>
-                <c:pt idx="142">
-                  <c:v>0.5</c:v>
-                </c:pt>
-                <c:pt idx="143">
-                  <c:v>0.5</c:v>
-                </c:pt>
-                <c:pt idx="144">
-                  <c:v>0.5</c:v>
-                </c:pt>
-                <c:pt idx="145">
-                  <c:v>0.5</c:v>
-                </c:pt>
-                <c:pt idx="146">
-                  <c:v>0.5</c:v>
-                </c:pt>
-                <c:pt idx="147">
-                  <c:v>0.5</c:v>
-                </c:pt>
-                <c:pt idx="148">
-                  <c:v>0.5</c:v>
-                </c:pt>
-                <c:pt idx="149">
-                  <c:v>0.5</c:v>
-                </c:pt>
-                <c:pt idx="150">
-                  <c:v>0.5</c:v>
-                </c:pt>
-                <c:pt idx="151">
-                  <c:v>0.5</c:v>
-                </c:pt>
-                <c:pt idx="152">
-                  <c:v>0.5</c:v>
-                </c:pt>
-                <c:pt idx="153">
-                  <c:v>0.5</c:v>
-                </c:pt>
-                <c:pt idx="154">
-                  <c:v>0.5</c:v>
-                </c:pt>
-                <c:pt idx="155">
-                  <c:v>0.5</c:v>
-                </c:pt>
-                <c:pt idx="156">
-                  <c:v>0.5</c:v>
-                </c:pt>
-                <c:pt idx="157">
-                  <c:v>0.5</c:v>
-                </c:pt>
-                <c:pt idx="158">
-                  <c:v>0.5</c:v>
-                </c:pt>
-                <c:pt idx="159">
-                  <c:v>0.5</c:v>
-                </c:pt>
-                <c:pt idx="160">
-                  <c:v>0.5</c:v>
-                </c:pt>
-                <c:pt idx="161">
-                  <c:v>0.5</c:v>
-                </c:pt>
-                <c:pt idx="162">
-                  <c:v>0.5</c:v>
-                </c:pt>
-                <c:pt idx="163">
-                  <c:v>0.5</c:v>
-                </c:pt>
-                <c:pt idx="164">
-                  <c:v>0.5</c:v>
-                </c:pt>
-                <c:pt idx="165">
-                  <c:v>0.5</c:v>
-                </c:pt>
-                <c:pt idx="166">
-                  <c:v>0.5</c:v>
-                </c:pt>
-                <c:pt idx="167">
-                  <c:v>0.5</c:v>
-                </c:pt>
-                <c:pt idx="168">
-                  <c:v>0.5</c:v>
-                </c:pt>
-                <c:pt idx="169">
-                  <c:v>0.5</c:v>
-                </c:pt>
-                <c:pt idx="170">
-                  <c:v>0.5</c:v>
-                </c:pt>
-                <c:pt idx="171">
-                  <c:v>0.5</c:v>
-                </c:pt>
-                <c:pt idx="172">
-                  <c:v>0.5</c:v>
-                </c:pt>
-                <c:pt idx="173">
-                  <c:v>0.5</c:v>
-                </c:pt>
-                <c:pt idx="174">
-                  <c:v>0.5</c:v>
-                </c:pt>
-                <c:pt idx="175">
-                  <c:v>0.5</c:v>
-                </c:pt>
-                <c:pt idx="176">
-                  <c:v>0.5</c:v>
-                </c:pt>
-                <c:pt idx="177">
-                  <c:v>0.5</c:v>
-                </c:pt>
-                <c:pt idx="178">
-                  <c:v>0.5</c:v>
-                </c:pt>
-                <c:pt idx="179">
-                  <c:v>0.5</c:v>
-                </c:pt>
-                <c:pt idx="180">
-                  <c:v>0.5</c:v>
-                </c:pt>
-                <c:pt idx="181">
-                  <c:v>0.5</c:v>
-                </c:pt>
-                <c:pt idx="182">
-                  <c:v>0.5</c:v>
-                </c:pt>
-                <c:pt idx="183">
-                  <c:v>0.5</c:v>
-                </c:pt>
-                <c:pt idx="184">
-                  <c:v>0.5</c:v>
-                </c:pt>
-                <c:pt idx="185">
-                  <c:v>0.5</c:v>
-                </c:pt>
-                <c:pt idx="186">
-                  <c:v>0.5</c:v>
-                </c:pt>
-                <c:pt idx="187">
-                  <c:v>0.5</c:v>
-                </c:pt>
-                <c:pt idx="188">
-                  <c:v>0.5</c:v>
-                </c:pt>
-                <c:pt idx="189">
-                  <c:v>0.5</c:v>
-                </c:pt>
-                <c:pt idx="190">
-                  <c:v>0.5</c:v>
-                </c:pt>
-                <c:pt idx="191">
-                  <c:v>0.5</c:v>
-                </c:pt>
-                <c:pt idx="192">
-                  <c:v>0.5</c:v>
-                </c:pt>
-                <c:pt idx="193">
-                  <c:v>0.5</c:v>
-                </c:pt>
-                <c:pt idx="194">
-                  <c:v>0.5</c:v>
-                </c:pt>
-                <c:pt idx="195">
-                  <c:v>0.5</c:v>
-                </c:pt>
-                <c:pt idx="196">
-                  <c:v>0.5</c:v>
-                </c:pt>
-                <c:pt idx="197">
-                  <c:v>0.5</c:v>
-                </c:pt>
-                <c:pt idx="198">
-                  <c:v>0.5</c:v>
-                </c:pt>
-                <c:pt idx="199">
-                  <c:v>0.5</c:v>
-                </c:pt>
-                <c:pt idx="200">
-                  <c:v>0.5</c:v>
-                </c:pt>
-                <c:pt idx="201">
-                  <c:v>0.5</c:v>
-                </c:pt>
-                <c:pt idx="202">
-                  <c:v>0.49</c:v>
-                </c:pt>
-                <c:pt idx="203">
-                  <c:v>0.46</c:v>
-                </c:pt>
-                <c:pt idx="204">
-                  <c:v>0.43</c:v>
-                </c:pt>
-                <c:pt idx="205">
-                  <c:v>0.42</c:v>
-                </c:pt>
-                <c:pt idx="206">
-                  <c:v>0.42</c:v>
-                </c:pt>
-                <c:pt idx="207">
-                  <c:v>0.41</c:v>
-                </c:pt>
-                <c:pt idx="208">
-                  <c:v>0.31</c:v>
-                </c:pt>
-                <c:pt idx="209">
-                  <c:v>0.19</c:v>
-                </c:pt>
-                <c:pt idx="210">
-                  <c:v>0.14000000000000001</c:v>
-                </c:pt>
-                <c:pt idx="211">
-                  <c:v>0.14000000000000001</c:v>
-                </c:pt>
-                <c:pt idx="212">
-                  <c:v>0.14000000000000001</c:v>
-                </c:pt>
-                <c:pt idx="213">
-                  <c:v>0.14000000000000001</c:v>
-                </c:pt>
-                <c:pt idx="214">
-                  <c:v>0.14000000000000001</c:v>
-                </c:pt>
-                <c:pt idx="215">
-                  <c:v>0.14000000000000001</c:v>
-                </c:pt>
-                <c:pt idx="216">
-                  <c:v>0.14000000000000001</c:v>
-                </c:pt>
-                <c:pt idx="217">
-                  <c:v>0.14000000000000001</c:v>
-                </c:pt>
-                <c:pt idx="218">
-                  <c:v>0.14000000000000001</c:v>
-                </c:pt>
-                <c:pt idx="219">
-                  <c:v>0.14000000000000001</c:v>
-                </c:pt>
-                <c:pt idx="220">
-                  <c:v>0.14000000000000001</c:v>
-                </c:pt>
-                <c:pt idx="221">
-                  <c:v>0.14000000000000001</c:v>
-                </c:pt>
-                <c:pt idx="222">
-                  <c:v>0.14000000000000001</c:v>
-                </c:pt>
-                <c:pt idx="223">
-                  <c:v>0.14000000000000001</c:v>
-                </c:pt>
-                <c:pt idx="224">
-                  <c:v>0.14000000000000001</c:v>
-                </c:pt>
-                <c:pt idx="225">
-                  <c:v>0.14000000000000001</c:v>
-                </c:pt>
-                <c:pt idx="226">
-                  <c:v>0.13</c:v>
-                </c:pt>
-                <c:pt idx="227">
-                  <c:v>0.12</c:v>
-                </c:pt>
-                <c:pt idx="228">
-                  <c:v>0.1</c:v>
-                </c:pt>
-                <c:pt idx="229">
-                  <c:v>0.1</c:v>
-                </c:pt>
-                <c:pt idx="230">
-                  <c:v>0.1</c:v>
-                </c:pt>
-                <c:pt idx="231">
-                  <c:v>0.1</c:v>
-                </c:pt>
-                <c:pt idx="232">
-                  <c:v>0.1</c:v>
-                </c:pt>
-                <c:pt idx="233">
-                  <c:v>0.08</c:v>
-                </c:pt>
-                <c:pt idx="234">
-                  <c:v>0.08</c:v>
-                </c:pt>
-                <c:pt idx="235">
-                  <c:v>0.08</c:v>
-                </c:pt>
-                <c:pt idx="236">
-                  <c:v>0.08</c:v>
-                </c:pt>
-                <c:pt idx="237">
-                  <c:v>0.08</c:v>
-                </c:pt>
-                <c:pt idx="238">
-                  <c:v>0.08</c:v>
-                </c:pt>
-                <c:pt idx="239">
-                  <c:v>0.08</c:v>
-                </c:pt>
-                <c:pt idx="240">
-                  <c:v>0.08</c:v>
-                </c:pt>
-                <c:pt idx="241">
-                  <c:v>0.08</c:v>
-                </c:pt>
-                <c:pt idx="242">
-                  <c:v>0.08</c:v>
-                </c:pt>
-                <c:pt idx="243">
-                  <c:v>0.08</c:v>
-                </c:pt>
-                <c:pt idx="244">
-                  <c:v>0.08</c:v>
-                </c:pt>
-                <c:pt idx="245">
-                  <c:v>0.08</c:v>
-                </c:pt>
-                <c:pt idx="246">
-                  <c:v>0.08</c:v>
-                </c:pt>
-                <c:pt idx="247">
-                  <c:v>0.08</c:v>
-                </c:pt>
-                <c:pt idx="248">
-                  <c:v>0.08</c:v>
-                </c:pt>
-                <c:pt idx="249">
-                  <c:v>0.08</c:v>
-                </c:pt>
-                <c:pt idx="250">
-                  <c:v>0.08</c:v>
-                </c:pt>
-                <c:pt idx="251">
-                  <c:v>0.08</c:v>
-                </c:pt>
-                <c:pt idx="252">
-                  <c:v>0.08</c:v>
-                </c:pt>
-                <c:pt idx="253">
-                  <c:v>0.08</c:v>
-                </c:pt>
-                <c:pt idx="254">
-                  <c:v>0.08</c:v>
-                </c:pt>
-                <c:pt idx="255">
-                  <c:v>0.08</c:v>
-                </c:pt>
-                <c:pt idx="256">
-                  <c:v>0.08</c:v>
-                </c:pt>
-                <c:pt idx="257">
-                  <c:v>0.08</c:v>
+                  <c:v>2.2454416239316237</c:v>
                 </c:pt>
               </c:numCache>
             </c:numRef>
@@ -2066,11 +2069,11 @@
           <c:showPercent val="0"/>
           <c:showBubbleSize val="0"/>
         </c:dLbls>
-        <c:axId val="47405824"/>
-        <c:axId val="47406400"/>
+        <c:axId val="93336640"/>
+        <c:axId val="93337216"/>
       </c:scatterChart>
       <c:valAx>
-        <c:axId val="47405824"/>
+        <c:axId val="93336640"/>
         <c:scaling>
           <c:orientation val="minMax"/>
         </c:scaling>
@@ -2104,12 +2107,1714 @@
         <c:majorTickMark val="out"/>
         <c:minorTickMark val="none"/>
         <c:tickLblPos val="nextTo"/>
-        <c:crossAx val="47406400"/>
+        <c:crossAx val="93337216"/>
         <c:crosses val="autoZero"/>
         <c:crossBetween val="midCat"/>
       </c:valAx>
       <c:valAx>
-        <c:axId val="47406400"/>
+        <c:axId val="93337216"/>
+        <c:scaling>
+          <c:orientation val="minMax"/>
+        </c:scaling>
+        <c:delete val="0"/>
+        <c:axPos val="l"/>
+        <c:majorGridlines/>
+        <c:title>
+          <c:tx>
+            <c:rich>
+              <a:bodyPr rot="-5400000" vert="horz"/>
+              <a:lstStyle/>
+              <a:p>
+                <a:pPr>
+                  <a:defRPr/>
+                </a:pPr>
+                <a:r>
+                  <a:rPr lang="en-US"/>
+                  <a:t>Time</a:t>
+                </a:r>
+                <a:r>
+                  <a:rPr lang="en-US" baseline="0"/>
+                  <a:t> Left till dead (hours)</a:t>
+                </a:r>
+                <a:endParaRPr lang="en-US"/>
+              </a:p>
+            </c:rich>
+          </c:tx>
+          <c:layout/>
+          <c:overlay val="0"/>
+        </c:title>
+        <c:numFmt formatCode="General" sourceLinked="1"/>
+        <c:majorTickMark val="out"/>
+        <c:minorTickMark val="none"/>
+        <c:tickLblPos val="nextTo"/>
+        <c:crossAx val="93336640"/>
+        <c:crosses val="autoZero"/>
+        <c:crossBetween val="midCat"/>
+      </c:valAx>
+    </c:plotArea>
+    <c:plotVisOnly val="1"/>
+    <c:dispBlanksAs val="gap"/>
+    <c:showDLblsOverMax val="0"/>
+  </c:chart>
+  <c:externalData r:id="rId1">
+    <c:autoUpdate val="0"/>
+  </c:externalData>
+</c:chartSpace>
+</file>
+
+<file path=ppt/charts/chart3.xml><?xml version="1.0" encoding="utf-8"?>
+<c:chartSpace xmlns:c="http://schemas.openxmlformats.org/drawingml/2006/chart" xmlns:a="http://schemas.openxmlformats.org/drawingml/2006/main" xmlns:r="http://schemas.openxmlformats.org/officeDocument/2006/relationships">
+  <c:date1904 val="0"/>
+  <c:lang val="en-US"/>
+  <c:roundedCorners val="0"/>
+  <mc:AlternateContent xmlns:mc="http://schemas.openxmlformats.org/markup-compatibility/2006">
+    <mc:Choice xmlns:c14="http://schemas.microsoft.com/office/drawing/2007/8/2/chart" Requires="c14">
+      <c14:style val="102"/>
+    </mc:Choice>
+    <mc:Fallback>
+      <c:style val="2"/>
+    </mc:Fallback>
+  </mc:AlternateContent>
+  <c:chart>
+    <c:title>
+      <c:layout/>
+      <c:overlay val="0"/>
+    </c:title>
+    <c:autoTitleDeleted val="0"/>
+    <c:plotArea>
+      <c:layout/>
+      <c:scatterChart>
+        <c:scatterStyle val="smoothMarker"/>
+        <c:varyColors val="0"/>
+        <c:ser>
+          <c:idx val="0"/>
+          <c:order val="0"/>
+          <c:tx>
+            <c:v>Battery Level</c:v>
+          </c:tx>
+          <c:marker>
+            <c:symbol val="none"/>
+          </c:marker>
+          <c:xVal>
+            <c:numRef>
+              <c:f>'Battery Level 1'!$B$2:$B$259</c:f>
+              <c:numCache>
+                <c:formatCode>0.00</c:formatCode>
+                <c:ptCount val="258"/>
+                <c:pt idx="0">
+                  <c:v>0</c:v>
+                </c:pt>
+                <c:pt idx="1">
+                  <c:v>8.3029444445855916E-2</c:v>
+                </c:pt>
+                <c:pt idx="2">
+                  <c:v>0.16662972222547978</c:v>
+                </c:pt>
+                <c:pt idx="3">
+                  <c:v>0.24969055555993691</c:v>
+                </c:pt>
+                <c:pt idx="4">
+                  <c:v>0.40664666664088145</c:v>
+                </c:pt>
+                <c:pt idx="5">
+                  <c:v>0.48968805553158745</c:v>
+                </c:pt>
+                <c:pt idx="6">
+                  <c:v>0.57313138886820525</c:v>
+                </c:pt>
+                <c:pt idx="7">
+                  <c:v>0.65635250002378598</c:v>
+                </c:pt>
+                <c:pt idx="8">
+                  <c:v>0.7396836110856384</c:v>
+                </c:pt>
+                <c:pt idx="9">
+                  <c:v>0.82298555556917563</c:v>
+                </c:pt>
+                <c:pt idx="10">
+                  <c:v>0.90634861111175269</c:v>
+                </c:pt>
+                <c:pt idx="11">
+                  <c:v>0.98996861110208556</c:v>
+                </c:pt>
+                <c:pt idx="12">
+                  <c:v>1.0732924999902025</c:v>
+                </c:pt>
+                <c:pt idx="13">
+                  <c:v>1.1563483333447948</c:v>
+                </c:pt>
+                <c:pt idx="14">
+                  <c:v>1.2396916666766629</c:v>
+                </c:pt>
+                <c:pt idx="15">
+                  <c:v>1.3229855555691756</c:v>
+                </c:pt>
+                <c:pt idx="16">
+                  <c:v>1.4063483333447948</c:v>
+                </c:pt>
+                <c:pt idx="17">
+                  <c:v>1.4896816666587256</c:v>
+                </c:pt>
+                <c:pt idx="18">
+                  <c:v>1.5730161110986955</c:v>
+                </c:pt>
+                <c:pt idx="19">
+                  <c:v>1.6563483333447948</c:v>
+                </c:pt>
+                <c:pt idx="20">
+                  <c:v>1.7399619444622658</c:v>
+                </c:pt>
+                <c:pt idx="21">
+                  <c:v>1.8229880555300042</c:v>
+                </c:pt>
+                <c:pt idx="22">
+                  <c:v>1.9063488888787106</c:v>
+                </c:pt>
+                <c:pt idx="23">
+                  <c:v>1.9896841666777618</c:v>
+                </c:pt>
+                <c:pt idx="24">
+                  <c:v>2.0730200000107288</c:v>
+                </c:pt>
+                <c:pt idx="25">
+                  <c:v>2.1563588888966478</c:v>
+                </c:pt>
+                <c:pt idx="26">
+                  <c:v>2.2399666666751727</c:v>
+                </c:pt>
+                <c:pt idx="27">
+                  <c:v>2.3229888888890855</c:v>
+                </c:pt>
+                <c:pt idx="28">
+                  <c:v>2.4063552777515724</c:v>
+                </c:pt>
+                <c:pt idx="29">
+                  <c:v>2.489969166694209</c:v>
+                </c:pt>
+                <c:pt idx="30">
+                  <c:v>2.573019722243771</c:v>
+                </c:pt>
+                <c:pt idx="31">
+                  <c:v>2.6563580555375665</c:v>
+                </c:pt>
+                <c:pt idx="32">
+                  <c:v>2.7396933333366178</c:v>
+                </c:pt>
+                <c:pt idx="33">
+                  <c:v>2.8229883333551697</c:v>
+                </c:pt>
+                <c:pt idx="34">
+                  <c:v>2.906355555576738</c:v>
+                </c:pt>
+                <c:pt idx="35">
+                  <c:v>2.9896825000178069</c:v>
+                </c:pt>
+                <c:pt idx="36">
+                  <c:v>3.0733005555812269</c:v>
+                </c:pt>
+                <c:pt idx="37">
+                  <c:v>3.1563502777717076</c:v>
+                </c:pt>
+                <c:pt idx="38">
+                  <c:v>3.239692777802702</c:v>
+                </c:pt>
+                <c:pt idx="39">
+                  <c:v>3.3229880555300042</c:v>
+                </c:pt>
+                <c:pt idx="40">
+                  <c:v>3.406633333361242</c:v>
+                </c:pt>
+                <c:pt idx="41">
+                  <c:v>3.4896813888917677</c:v>
+                </c:pt>
+                <c:pt idx="42">
+                  <c:v>3.5733036111341789</c:v>
+                </c:pt>
+                <c:pt idx="43">
+                  <c:v>3.6563558333436958</c:v>
+                </c:pt>
+                <c:pt idx="44">
+                  <c:v>3.7399694444611669</c:v>
+                </c:pt>
+                <c:pt idx="45">
+                  <c:v>3.8229886111221276</c:v>
+                </c:pt>
+                <c:pt idx="46">
+                  <c:v>3.9066400000010617</c:v>
+                </c:pt>
+                <c:pt idx="47">
+                  <c:v>3.989692777802702</c:v>
+                </c:pt>
+                <c:pt idx="48">
+                  <c:v>4.073015000030864</c:v>
+                </c:pt>
+                <c:pt idx="49">
+                  <c:v>4.1563488888787106</c:v>
+                </c:pt>
+                <c:pt idx="50">
+                  <c:v>4.2399650000152178</c:v>
+                </c:pt>
+                <c:pt idx="51">
+                  <c:v>4.3229880555300042</c:v>
+                </c:pt>
+                <c:pt idx="52">
+                  <c:v>4.4063544444506988</c:v>
+                </c:pt>
+                <c:pt idx="53">
+                  <c:v>4.4896891666576266</c:v>
+                </c:pt>
+                <c:pt idx="54">
+                  <c:v>4.5730227777967229</c:v>
+                </c:pt>
+                <c:pt idx="55">
+                  <c:v>4.6563547222176567</c:v>
+                </c:pt>
+                <c:pt idx="56">
+                  <c:v>4.7396922222105786</c:v>
+                </c:pt>
+                <c:pt idx="57">
+                  <c:v>4.8230505555402488</c:v>
+                </c:pt>
+                <c:pt idx="58">
+                  <c:v>4.9066474999999627</c:v>
+                </c:pt>
+                <c:pt idx="59">
+                  <c:v>4.9896949999965727</c:v>
+                </c:pt>
+                <c:pt idx="60">
+                  <c:v>5.0733283333247527</c:v>
+                </c:pt>
+                <c:pt idx="61">
+                  <c:v>5.1563219444360584</c:v>
+                </c:pt>
+                <c:pt idx="62">
+                  <c:v>5.2396891666576266</c:v>
+                </c:pt>
+                <c:pt idx="63">
+                  <c:v>5.3229886111221276</c:v>
+                </c:pt>
+                <c:pt idx="64">
+                  <c:v>5.4430619444465265</c:v>
+                </c:pt>
+                <c:pt idx="65">
+                  <c:v>5.5263724999967963</c:v>
+                </c:pt>
+                <c:pt idx="66">
+                  <c:v>5.6099613888654858</c:v>
+                </c:pt>
+                <c:pt idx="67">
+                  <c:v>5.6931019444600679</c:v>
+                </c:pt>
+                <c:pt idx="68">
+                  <c:v>5.7764277777750976</c:v>
+                </c:pt>
+                <c:pt idx="69">
+                  <c:v>5.8597177777555771</c:v>
+                </c:pt>
+                <c:pt idx="70">
+                  <c:v>5.9430969444219954</c:v>
+                </c:pt>
+                <c:pt idx="71">
+                  <c:v>6.0264277777750976</c:v>
+                </c:pt>
+                <c:pt idx="72">
+                  <c:v>6.1097086110967211</c:v>
+                </c:pt>
+                <c:pt idx="73">
+                  <c:v>6.1930419444688596</c:v>
+                </c:pt>
+                <c:pt idx="74">
+                  <c:v>6.2763752777827904</c:v>
+                </c:pt>
+                <c:pt idx="75">
+                  <c:v>6.3597083333297633</c:v>
+                </c:pt>
+                <c:pt idx="76">
+                  <c:v>6.4430422222358175</c:v>
+                </c:pt>
+                <c:pt idx="77">
+                  <c:v>6.5266322222305462</c:v>
+                </c:pt>
+                <c:pt idx="78">
+                  <c:v>6.6097083333297633</c:v>
+                </c:pt>
+                <c:pt idx="79">
+                  <c:v>6.6930397222167812</c:v>
+                </c:pt>
+                <c:pt idx="80">
+                  <c:v>6.7766369444434531</c:v>
+                </c:pt>
+                <c:pt idx="81">
+                  <c:v>6.8597075000288896</c:v>
+                </c:pt>
+                <c:pt idx="82">
+                  <c:v>6.943302777770441</c:v>
+                </c:pt>
+                <c:pt idx="83">
+                  <c:v>7.0263750000158325</c:v>
+                </c:pt>
+                <c:pt idx="84">
+                  <c:v>7.1097061111358926</c:v>
+                </c:pt>
+                <c:pt idx="85">
+                  <c:v>7.1948566666687839</c:v>
+                </c:pt>
+                <c:pt idx="86">
+                  <c:v>7.2766363889095373</c:v>
+                </c:pt>
+                <c:pt idx="87">
+                  <c:v>7.3597530555562116</c:v>
+                </c:pt>
+                <c:pt idx="88">
+                  <c:v>7.4431136111379601</c:v>
+                </c:pt>
+                <c:pt idx="89">
+                  <c:v>7.5263733333558775</c:v>
+                </c:pt>
+                <c:pt idx="90">
+                  <c:v>7.6099644444184378</c:v>
+                </c:pt>
+                <c:pt idx="91">
+                  <c:v>7.69329527777154</c:v>
+                </c:pt>
+                <c:pt idx="92">
+                  <c:v>7.7763724999967963</c:v>
+                </c:pt>
+                <c:pt idx="93">
+                  <c:v>7.8597447221982293</c:v>
+                </c:pt>
+                <c:pt idx="94">
+                  <c:v>7.9430830555502325</c:v>
+                </c:pt>
+                <c:pt idx="95">
+                  <c:v>8.026637222210411</c:v>
+                </c:pt>
+                <c:pt idx="96">
+                  <c:v>8.1097680555540137</c:v>
+                </c:pt>
+                <c:pt idx="97">
+                  <c:v>8.1933069444494322</c:v>
+                </c:pt>
+                <c:pt idx="98">
+                  <c:v>8.2766286110854708</c:v>
+                </c:pt>
+                <c:pt idx="99">
+                  <c:v>8.3597555555752479</c:v>
+                </c:pt>
+                <c:pt idx="100">
+                  <c:v>8.4431219444377348</c:v>
+                </c:pt>
+                <c:pt idx="101">
+                  <c:v>8.5264477777527645</c:v>
+                </c:pt>
+                <c:pt idx="102">
+                  <c:v>8.6097080555628054</c:v>
+                </c:pt>
+                <c:pt idx="103">
+                  <c:v>8.6930419444688596</c:v>
+                </c:pt>
+                <c:pt idx="104">
+                  <c:v>8.776628055551555</c:v>
+                </c:pt>
+                <c:pt idx="105">
+                  <c:v>8.859963888884522</c:v>
+                </c:pt>
+                <c:pt idx="106">
+                  <c:v>8.9430750000174157</c:v>
+                </c:pt>
+                <c:pt idx="107">
+                  <c:v>9.0264699999825098</c:v>
+                </c:pt>
+                <c:pt idx="108">
+                  <c:v>9.1097641666419804</c:v>
+                </c:pt>
+                <c:pt idx="109">
+                  <c:v>9.1930391666828655</c:v>
+                </c:pt>
+                <c:pt idx="110">
+                  <c:v>9.2766286110854708</c:v>
+                </c:pt>
+                <c:pt idx="111">
+                  <c:v>9.3597486111102626</c:v>
+                </c:pt>
+                <c:pt idx="112">
+                  <c:v>9.4433158333413303</c:v>
+                </c:pt>
+                <c:pt idx="113">
+                  <c:v>9.526422500028275</c:v>
+                </c:pt>
+                <c:pt idx="114">
+                  <c:v>9.6099597222055309</c:v>
+                </c:pt>
+                <c:pt idx="115">
+                  <c:v>9.6930411111097783</c:v>
+                </c:pt>
+                <c:pt idx="116">
+                  <c:v>9.776422500028275</c:v>
+                </c:pt>
+                <c:pt idx="117">
+                  <c:v>9.8597419444704428</c:v>
+                </c:pt>
+                <c:pt idx="118">
+                  <c:v>9.9430419444688596</c:v>
+                </c:pt>
+                <c:pt idx="119">
+                  <c:v>10.026469166681636</c:v>
+                </c:pt>
+                <c:pt idx="120">
+                  <c:v>10.109750277770218</c:v>
+                </c:pt>
+                <c:pt idx="121">
+                  <c:v>10.193293611111585</c:v>
+                </c:pt>
+                <c:pt idx="122">
+                  <c:v>10.27663833333645</c:v>
+                </c:pt>
+                <c:pt idx="123">
+                  <c:v>10.359746388916392</c:v>
+                </c:pt>
+                <c:pt idx="124">
+                  <c:v>10.443102499993984</c:v>
+                </c:pt>
+                <c:pt idx="125">
+                  <c:v>10.702285555540584</c:v>
+                </c:pt>
+                <c:pt idx="126">
+                  <c:v>10.785616388893686</c:v>
+                </c:pt>
+                <c:pt idx="127">
+                  <c:v>10.868949444440659</c:v>
+                </c:pt>
+                <c:pt idx="128">
+                  <c:v>10.952281944453716</c:v>
+                </c:pt>
+                <c:pt idx="129">
+                  <c:v>11.035617500019725</c:v>
+                </c:pt>
+                <c:pt idx="130">
+                  <c:v>11.118949166673701</c:v>
+                </c:pt>
+                <c:pt idx="131">
+                  <c:v>11.202461666660383</c:v>
+                </c:pt>
+                <c:pt idx="132">
+                  <c:v>11.285615555534605</c:v>
+                </c:pt>
+                <c:pt idx="133">
+                  <c:v>11.368948888906743</c:v>
+                </c:pt>
+                <c:pt idx="134">
+                  <c:v>11.452285833307542</c:v>
+                </c:pt>
+                <c:pt idx="135">
+                  <c:v>11.53579861111939</c:v>
+                </c:pt>
+                <c:pt idx="136">
+                  <c:v>11.619136944471393</c:v>
+                </c:pt>
+                <c:pt idx="137">
+                  <c:v>11.702536111115478</c:v>
+                </c:pt>
+                <c:pt idx="138">
+                  <c:v>11.78579749999335</c:v>
+                </c:pt>
+                <c:pt idx="139">
+                  <c:v>11.868949166673701</c:v>
+                </c:pt>
+                <c:pt idx="140">
+                  <c:v>11.952290555578656</c:v>
+                </c:pt>
+                <c:pt idx="141">
+                  <c:v>12.035618611087557</c:v>
+                </c:pt>
+                <c:pt idx="142">
+                  <c:v>12.119128055579495</c:v>
+                </c:pt>
+                <c:pt idx="143">
+                  <c:v>12.202303055557422</c:v>
+                </c:pt>
+                <c:pt idx="144">
+                  <c:v>12.285634999978356</c:v>
+                </c:pt>
+                <c:pt idx="145">
+                  <c:v>12.368948888906743</c:v>
+                </c:pt>
+                <c:pt idx="146">
+                  <c:v>12.452284444472753</c:v>
+                </c:pt>
+                <c:pt idx="147">
+                  <c:v>12.53579861111939</c:v>
+                </c:pt>
+                <c:pt idx="148">
+                  <c:v>12.619135555578396</c:v>
+                </c:pt>
+                <c:pt idx="149">
+                  <c:v>12.702283888880629</c:v>
+                </c:pt>
+                <c:pt idx="150">
+                  <c:v>12.785795555566438</c:v>
+                </c:pt>
+                <c:pt idx="151">
+                  <c:v>12.868949444440659</c:v>
+                </c:pt>
+                <c:pt idx="152">
+                  <c:v>12.952288888918702</c:v>
+                </c:pt>
+                <c:pt idx="153">
+                  <c:v>13.035683055582922</c:v>
+                </c:pt>
+                <c:pt idx="154">
+                  <c:v>13.11895027779974</c:v>
+                </c:pt>
+                <c:pt idx="155">
+                  <c:v>13.202470555552281</c:v>
+                </c:pt>
+                <c:pt idx="156">
+                  <c:v>13.285794444440398</c:v>
+                </c:pt>
+                <c:pt idx="157">
+                  <c:v>13.368951944459695</c:v>
+                </c:pt>
+                <c:pt idx="158">
+                  <c:v>13.452370000013616</c:v>
+                </c:pt>
+                <c:pt idx="159">
+                  <c:v>13.535801944439299</c:v>
+                </c:pt>
+                <c:pt idx="160">
+                  <c:v>13.619128055579495</c:v>
+                </c:pt>
+                <c:pt idx="161">
+                  <c:v>13.702285000006668</c:v>
+                </c:pt>
+                <c:pt idx="162">
+                  <c:v>13.785801666672342</c:v>
+                </c:pt>
+                <c:pt idx="163">
+                  <c:v>13.868952777760569</c:v>
+                </c:pt>
+                <c:pt idx="164">
+                  <c:v>13.952282222220674</c:v>
+                </c:pt>
+                <c:pt idx="165">
+                  <c:v>14.035618333320599</c:v>
+                </c:pt>
+                <c:pt idx="166">
+                  <c:v>14.118948888906743</c:v>
+                </c:pt>
+                <c:pt idx="167">
+                  <c:v>14.202283611113671</c:v>
+                </c:pt>
+                <c:pt idx="168">
+                  <c:v>14.285808055545203</c:v>
+                </c:pt>
+                <c:pt idx="169">
+                  <c:v>14.369015277770814</c:v>
+                </c:pt>
+                <c:pt idx="170">
+                  <c:v>14.452285555540584</c:v>
+                </c:pt>
+                <c:pt idx="171">
+                  <c:v>14.535618333320599</c:v>
+                </c:pt>
+                <c:pt idx="172">
+                  <c:v>14.618952222226653</c:v>
+                </c:pt>
+                <c:pt idx="173">
+                  <c:v>14.70228472223971</c:v>
+                </c:pt>
+                <c:pt idx="174">
+                  <c:v>14.785794722207356</c:v>
+                </c:pt>
+                <c:pt idx="175">
+                  <c:v>14.869129444472492</c:v>
+                </c:pt>
+                <c:pt idx="176">
+                  <c:v>14.952282222220674</c:v>
+                </c:pt>
+                <c:pt idx="177">
+                  <c:v>15.035618055553641</c:v>
+                </c:pt>
+                <c:pt idx="178">
+                  <c:v>15.118967777758371</c:v>
+                </c:pt>
+                <c:pt idx="179">
+                  <c:v>15.202466944465414</c:v>
+                </c:pt>
+                <c:pt idx="180">
+                  <c:v>15.285807500011288</c:v>
+                </c:pt>
+                <c:pt idx="181">
+                  <c:v>15.368950833333656</c:v>
+                </c:pt>
+                <c:pt idx="182">
+                  <c:v>15.45247277780436</c:v>
+                </c:pt>
+                <c:pt idx="183">
+                  <c:v>15.535615555534605</c:v>
+                </c:pt>
+                <c:pt idx="184">
+                  <c:v>15.619142222218215</c:v>
+                </c:pt>
+                <c:pt idx="185">
+                  <c:v>15.702285555540584</c:v>
+                </c:pt>
+                <c:pt idx="186">
+                  <c:v>15.78561583335977</c:v>
+                </c:pt>
+                <c:pt idx="187">
+                  <c:v>15.868948888906743</c:v>
+                </c:pt>
+                <c:pt idx="188">
+                  <c:v>15.952492777782027</c:v>
+                </c:pt>
+                <c:pt idx="189">
+                  <c:v>16.035617777786683</c:v>
+                </c:pt>
+                <c:pt idx="190">
+                  <c:v>16.118966944457497</c:v>
+                </c:pt>
+                <c:pt idx="191">
+                  <c:v>16.202472222212236</c:v>
+                </c:pt>
+                <c:pt idx="192">
+                  <c:v>16.285793333314359</c:v>
+                </c:pt>
+                <c:pt idx="193">
+                  <c:v>16.368951666692737</c:v>
+                </c:pt>
+                <c:pt idx="194">
+                  <c:v>16.452282222220674</c:v>
+                </c:pt>
+                <c:pt idx="195">
+                  <c:v>16.535804444458336</c:v>
+                </c:pt>
+                <c:pt idx="196">
+                  <c:v>16.618948888906743</c:v>
+                </c:pt>
+                <c:pt idx="197">
+                  <c:v>16.702285555540584</c:v>
+                </c:pt>
+                <c:pt idx="198">
+                  <c:v>16.785830277774949</c:v>
+                </c:pt>
+                <c:pt idx="199">
+                  <c:v>16.868972500029486</c:v>
+                </c:pt>
+                <c:pt idx="200">
+                  <c:v>16.952284444472753</c:v>
+                </c:pt>
+                <c:pt idx="201">
+                  <c:v>17.035616111126728</c:v>
+                </c:pt>
+                <c:pt idx="202">
+                  <c:v>17.119151111110114</c:v>
+                </c:pt>
+                <c:pt idx="203">
+                  <c:v>17.202285833307542</c:v>
+                </c:pt>
+                <c:pt idx="204">
+                  <c:v>17.285619999980554</c:v>
+                </c:pt>
+                <c:pt idx="205">
+                  <c:v>17.369130555540323</c:v>
+                </c:pt>
+                <c:pt idx="206">
+                  <c:v>17.452465277805459</c:v>
+                </c:pt>
+                <c:pt idx="207">
+                  <c:v>17.535616388893686</c:v>
+                </c:pt>
+                <c:pt idx="208">
+                  <c:v>17.618948888906743</c:v>
+                </c:pt>
+                <c:pt idx="209">
+                  <c:v>17.719153611105867</c:v>
+                </c:pt>
+                <c:pt idx="210">
+                  <c:v>17.80274527776055</c:v>
+                </c:pt>
+                <c:pt idx="211">
+                  <c:v>17.886071388900746</c:v>
+                </c:pt>
+                <c:pt idx="212">
+                  <c:v>17.969200833351351</c:v>
+                </c:pt>
+                <c:pt idx="213">
+                  <c:v>18.052593888889533</c:v>
+                </c:pt>
+                <c:pt idx="214">
+                  <c:v>18.135897499974817</c:v>
+                </c:pt>
+                <c:pt idx="215">
+                  <c:v>18.219213055563159</c:v>
+                </c:pt>
+                <c:pt idx="216">
+                  <c:v>18.302554444468115</c:v>
+                </c:pt>
+                <c:pt idx="217">
+                  <c:v>18.3858655555523</c:v>
+                </c:pt>
+                <c:pt idx="218">
+                  <c:v>18.469427499978337</c:v>
+                </c:pt>
+                <c:pt idx="219">
+                  <c:v>18.552593888889533</c:v>
+                </c:pt>
+                <c:pt idx="220">
+                  <c:v>18.635814166686032</c:v>
+                </c:pt>
+                <c:pt idx="221">
+                  <c:v>18.719404166680761</c:v>
+                </c:pt>
+                <c:pt idx="222">
+                  <c:v>18.802738055586815</c:v>
+                </c:pt>
+                <c:pt idx="223">
+                  <c:v>18.885864444426261</c:v>
+                </c:pt>
+                <c:pt idx="224">
+                  <c:v>18.969205833331216</c:v>
+                </c:pt>
+                <c:pt idx="225">
+                  <c:v>19.05248000001302</c:v>
+                </c:pt>
+                <c:pt idx="226">
+                  <c:v>19.135859722213354</c:v>
+                </c:pt>
+                <c:pt idx="227">
+                  <c:v>19.219193055585492</c:v>
+                </c:pt>
+                <c:pt idx="228">
+                  <c:v>19.302590555569623</c:v>
+                </c:pt>
+                <c:pt idx="229">
+                  <c:v>19.385889444442</c:v>
+                </c:pt>
+                <c:pt idx="230">
+                  <c:v>19.469409722252749</c:v>
+                </c:pt>
+                <c:pt idx="231">
+                  <c:v>19.552701666660141</c:v>
+                </c:pt>
+                <c:pt idx="232">
+                  <c:v>19.63603722222615</c:v>
+                </c:pt>
+                <c:pt idx="233">
+                  <c:v>19.719150555552915</c:v>
+                </c:pt>
+                <c:pt idx="234">
+                  <c:v>19.80248333333293</c:v>
+                </c:pt>
+                <c:pt idx="235">
+                  <c:v>19.885862777766306</c:v>
+                </c:pt>
+                <c:pt idx="236">
+                  <c:v>19.969409722252749</c:v>
+                </c:pt>
+                <c:pt idx="237">
+                  <c:v>20.052739166654646</c:v>
+                </c:pt>
+                <c:pt idx="238">
+                  <c:v>20.136070555541664</c:v>
+                </c:pt>
+                <c:pt idx="239">
+                  <c:v>20.219235555559862</c:v>
+                </c:pt>
+                <c:pt idx="240">
+                  <c:v>20.302739166654646</c:v>
+                </c:pt>
+                <c:pt idx="241">
+                  <c:v>20.385875555570237</c:v>
+                </c:pt>
+                <c:pt idx="242">
+                  <c:v>20.469146944466047</c:v>
+                </c:pt>
+                <c:pt idx="243">
+                  <c:v>20.55248000001302</c:v>
+                </c:pt>
+                <c:pt idx="244">
+                  <c:v>20.635858333320357</c:v>
+                </c:pt>
+                <c:pt idx="245">
+                  <c:v>20.719407500000671</c:v>
+                </c:pt>
+                <c:pt idx="246">
+                  <c:v>20.802491111098789</c:v>
+                </c:pt>
+                <c:pt idx="247">
+                  <c:v>20.885814722219948</c:v>
+                </c:pt>
+                <c:pt idx="248">
+                  <c:v>21.143087222240865</c:v>
+                </c:pt>
+                <c:pt idx="249">
+                  <c:v>21.226636666688137</c:v>
+                </c:pt>
+                <c:pt idx="250">
+                  <c:v>21.3099663889152</c:v>
+                </c:pt>
+                <c:pt idx="251">
+                  <c:v>21.393298333336134</c:v>
+                </c:pt>
+                <c:pt idx="252">
+                  <c:v>21.476642777794041</c:v>
+                </c:pt>
+                <c:pt idx="253">
+                  <c:v>21.559970000002068</c:v>
+                </c:pt>
+                <c:pt idx="254">
+                  <c:v>21.643578333314508</c:v>
+                </c:pt>
+                <c:pt idx="255">
+                  <c:v>21.726385833346285</c:v>
+                </c:pt>
+                <c:pt idx="256">
+                  <c:v>21.809959722217172</c:v>
+                </c:pt>
+                <c:pt idx="257">
+                  <c:v>21.893055833352264</c:v>
+                </c:pt>
+              </c:numCache>
+            </c:numRef>
+          </c:xVal>
+          <c:yVal>
+            <c:numRef>
+              <c:f>'Battery Level 1'!$C$2:$C$259</c:f>
+              <c:numCache>
+                <c:formatCode>0%</c:formatCode>
+                <c:ptCount val="258"/>
+                <c:pt idx="0">
+                  <c:v>0.86</c:v>
+                </c:pt>
+                <c:pt idx="1">
+                  <c:v>0.84</c:v>
+                </c:pt>
+                <c:pt idx="2">
+                  <c:v>0.84</c:v>
+                </c:pt>
+                <c:pt idx="3">
+                  <c:v>0.84</c:v>
+                </c:pt>
+                <c:pt idx="4">
+                  <c:v>0.82</c:v>
+                </c:pt>
+                <c:pt idx="5">
+                  <c:v>0.82</c:v>
+                </c:pt>
+                <c:pt idx="6">
+                  <c:v>0.82</c:v>
+                </c:pt>
+                <c:pt idx="7">
+                  <c:v>0.82</c:v>
+                </c:pt>
+                <c:pt idx="8">
+                  <c:v>0.82</c:v>
+                </c:pt>
+                <c:pt idx="9">
+                  <c:v>0.8</c:v>
+                </c:pt>
+                <c:pt idx="10">
+                  <c:v>0.8</c:v>
+                </c:pt>
+                <c:pt idx="11">
+                  <c:v>0.8</c:v>
+                </c:pt>
+                <c:pt idx="12">
+                  <c:v>0.8</c:v>
+                </c:pt>
+                <c:pt idx="13">
+                  <c:v>0.79</c:v>
+                </c:pt>
+                <c:pt idx="14">
+                  <c:v>0.78</c:v>
+                </c:pt>
+                <c:pt idx="15">
+                  <c:v>0.78</c:v>
+                </c:pt>
+                <c:pt idx="16">
+                  <c:v>0.78</c:v>
+                </c:pt>
+                <c:pt idx="17">
+                  <c:v>0.78</c:v>
+                </c:pt>
+                <c:pt idx="18">
+                  <c:v>0.78</c:v>
+                </c:pt>
+                <c:pt idx="19">
+                  <c:v>0.78</c:v>
+                </c:pt>
+                <c:pt idx="20">
+                  <c:v>0.78</c:v>
+                </c:pt>
+                <c:pt idx="21">
+                  <c:v>0.78</c:v>
+                </c:pt>
+                <c:pt idx="22">
+                  <c:v>0.78</c:v>
+                </c:pt>
+                <c:pt idx="23">
+                  <c:v>0.78</c:v>
+                </c:pt>
+                <c:pt idx="24">
+                  <c:v>0.78</c:v>
+                </c:pt>
+                <c:pt idx="25">
+                  <c:v>0.78</c:v>
+                </c:pt>
+                <c:pt idx="26">
+                  <c:v>0.78</c:v>
+                </c:pt>
+                <c:pt idx="27">
+                  <c:v>0.78</c:v>
+                </c:pt>
+                <c:pt idx="28">
+                  <c:v>0.78</c:v>
+                </c:pt>
+                <c:pt idx="29">
+                  <c:v>0.78</c:v>
+                </c:pt>
+                <c:pt idx="30">
+                  <c:v>0.78</c:v>
+                </c:pt>
+                <c:pt idx="31">
+                  <c:v>0.78</c:v>
+                </c:pt>
+                <c:pt idx="32">
+                  <c:v>0.78</c:v>
+                </c:pt>
+                <c:pt idx="33">
+                  <c:v>0.78</c:v>
+                </c:pt>
+                <c:pt idx="34">
+                  <c:v>0.78</c:v>
+                </c:pt>
+                <c:pt idx="35">
+                  <c:v>0.78</c:v>
+                </c:pt>
+                <c:pt idx="36">
+                  <c:v>0.78</c:v>
+                </c:pt>
+                <c:pt idx="37">
+                  <c:v>0.78</c:v>
+                </c:pt>
+                <c:pt idx="38">
+                  <c:v>0.78</c:v>
+                </c:pt>
+                <c:pt idx="39">
+                  <c:v>0.78</c:v>
+                </c:pt>
+                <c:pt idx="40">
+                  <c:v>0.77</c:v>
+                </c:pt>
+                <c:pt idx="41">
+                  <c:v>0.77</c:v>
+                </c:pt>
+                <c:pt idx="42">
+                  <c:v>0.77</c:v>
+                </c:pt>
+                <c:pt idx="43">
+                  <c:v>0.77</c:v>
+                </c:pt>
+                <c:pt idx="44">
+                  <c:v>0.77</c:v>
+                </c:pt>
+                <c:pt idx="45">
+                  <c:v>0.77</c:v>
+                </c:pt>
+                <c:pt idx="46">
+                  <c:v>0.77</c:v>
+                </c:pt>
+                <c:pt idx="47">
+                  <c:v>0.77</c:v>
+                </c:pt>
+                <c:pt idx="48">
+                  <c:v>0.77</c:v>
+                </c:pt>
+                <c:pt idx="49">
+                  <c:v>0.77</c:v>
+                </c:pt>
+                <c:pt idx="50">
+                  <c:v>0.77</c:v>
+                </c:pt>
+                <c:pt idx="51">
+                  <c:v>0.77</c:v>
+                </c:pt>
+                <c:pt idx="52">
+                  <c:v>0.74</c:v>
+                </c:pt>
+                <c:pt idx="53">
+                  <c:v>0.74</c:v>
+                </c:pt>
+                <c:pt idx="54">
+                  <c:v>0.74</c:v>
+                </c:pt>
+                <c:pt idx="55">
+                  <c:v>0.73</c:v>
+                </c:pt>
+                <c:pt idx="56">
+                  <c:v>0.73</c:v>
+                </c:pt>
+                <c:pt idx="57">
+                  <c:v>0.73</c:v>
+                </c:pt>
+                <c:pt idx="58">
+                  <c:v>0.73</c:v>
+                </c:pt>
+                <c:pt idx="59">
+                  <c:v>0.73</c:v>
+                </c:pt>
+                <c:pt idx="60">
+                  <c:v>0.72</c:v>
+                </c:pt>
+                <c:pt idx="61">
+                  <c:v>0.72</c:v>
+                </c:pt>
+                <c:pt idx="62">
+                  <c:v>0.72</c:v>
+                </c:pt>
+                <c:pt idx="63">
+                  <c:v>0.72</c:v>
+                </c:pt>
+                <c:pt idx="64">
+                  <c:v>0.71</c:v>
+                </c:pt>
+                <c:pt idx="65">
+                  <c:v>0.71</c:v>
+                </c:pt>
+                <c:pt idx="66">
+                  <c:v>0.71</c:v>
+                </c:pt>
+                <c:pt idx="67">
+                  <c:v>0.71</c:v>
+                </c:pt>
+                <c:pt idx="68">
+                  <c:v>0.71</c:v>
+                </c:pt>
+                <c:pt idx="69">
+                  <c:v>0.71</c:v>
+                </c:pt>
+                <c:pt idx="70">
+                  <c:v>0.71</c:v>
+                </c:pt>
+                <c:pt idx="71">
+                  <c:v>0.71</c:v>
+                </c:pt>
+                <c:pt idx="72">
+                  <c:v>0.71</c:v>
+                </c:pt>
+                <c:pt idx="73">
+                  <c:v>0.71</c:v>
+                </c:pt>
+                <c:pt idx="74">
+                  <c:v>0.71</c:v>
+                </c:pt>
+                <c:pt idx="75">
+                  <c:v>0.71</c:v>
+                </c:pt>
+                <c:pt idx="76">
+                  <c:v>0.67</c:v>
+                </c:pt>
+                <c:pt idx="77">
+                  <c:v>0.64</c:v>
+                </c:pt>
+                <c:pt idx="78">
+                  <c:v>0.63</c:v>
+                </c:pt>
+                <c:pt idx="79">
+                  <c:v>0.63</c:v>
+                </c:pt>
+                <c:pt idx="80">
+                  <c:v>0.63</c:v>
+                </c:pt>
+                <c:pt idx="81">
+                  <c:v>0.62</c:v>
+                </c:pt>
+                <c:pt idx="82">
+                  <c:v>0.6</c:v>
+                </c:pt>
+                <c:pt idx="83">
+                  <c:v>0.56999999999999995</c:v>
+                </c:pt>
+                <c:pt idx="84">
+                  <c:v>0.51</c:v>
+                </c:pt>
+                <c:pt idx="85">
+                  <c:v>0.51</c:v>
+                </c:pt>
+                <c:pt idx="86">
+                  <c:v>0.51</c:v>
+                </c:pt>
+                <c:pt idx="87">
+                  <c:v>0.51</c:v>
+                </c:pt>
+                <c:pt idx="88">
+                  <c:v>0.51</c:v>
+                </c:pt>
+                <c:pt idx="89">
+                  <c:v>0.51</c:v>
+                </c:pt>
+                <c:pt idx="90">
+                  <c:v>0.51</c:v>
+                </c:pt>
+                <c:pt idx="91">
+                  <c:v>0.51</c:v>
+                </c:pt>
+                <c:pt idx="92">
+                  <c:v>0.51</c:v>
+                </c:pt>
+                <c:pt idx="93">
+                  <c:v>0.51</c:v>
+                </c:pt>
+                <c:pt idx="94">
+                  <c:v>0.51</c:v>
+                </c:pt>
+                <c:pt idx="95">
+                  <c:v>0.51</c:v>
+                </c:pt>
+                <c:pt idx="96">
+                  <c:v>0.51</c:v>
+                </c:pt>
+                <c:pt idx="97">
+                  <c:v>0.51</c:v>
+                </c:pt>
+                <c:pt idx="98">
+                  <c:v>0.51</c:v>
+                </c:pt>
+                <c:pt idx="99">
+                  <c:v>0.51</c:v>
+                </c:pt>
+                <c:pt idx="100">
+                  <c:v>0.51</c:v>
+                </c:pt>
+                <c:pt idx="101">
+                  <c:v>0.51</c:v>
+                </c:pt>
+                <c:pt idx="102">
+                  <c:v>0.51</c:v>
+                </c:pt>
+                <c:pt idx="103">
+                  <c:v>0.51</c:v>
+                </c:pt>
+                <c:pt idx="104">
+                  <c:v>0.51</c:v>
+                </c:pt>
+                <c:pt idx="105">
+                  <c:v>0.51</c:v>
+                </c:pt>
+                <c:pt idx="106">
+                  <c:v>0.51</c:v>
+                </c:pt>
+                <c:pt idx="107">
+                  <c:v>0.51</c:v>
+                </c:pt>
+                <c:pt idx="108">
+                  <c:v>0.51</c:v>
+                </c:pt>
+                <c:pt idx="109">
+                  <c:v>0.51</c:v>
+                </c:pt>
+                <c:pt idx="110">
+                  <c:v>0.51</c:v>
+                </c:pt>
+                <c:pt idx="111">
+                  <c:v>0.51</c:v>
+                </c:pt>
+                <c:pt idx="112">
+                  <c:v>0.51</c:v>
+                </c:pt>
+                <c:pt idx="113">
+                  <c:v>0.51</c:v>
+                </c:pt>
+                <c:pt idx="114">
+                  <c:v>0.51</c:v>
+                </c:pt>
+                <c:pt idx="115">
+                  <c:v>0.51</c:v>
+                </c:pt>
+                <c:pt idx="116">
+                  <c:v>0.51</c:v>
+                </c:pt>
+                <c:pt idx="117">
+                  <c:v>0.51</c:v>
+                </c:pt>
+                <c:pt idx="118">
+                  <c:v>0.51</c:v>
+                </c:pt>
+                <c:pt idx="119">
+                  <c:v>0.51</c:v>
+                </c:pt>
+                <c:pt idx="120">
+                  <c:v>0.51</c:v>
+                </c:pt>
+                <c:pt idx="121">
+                  <c:v>0.51</c:v>
+                </c:pt>
+                <c:pt idx="122">
+                  <c:v>0.51</c:v>
+                </c:pt>
+                <c:pt idx="123">
+                  <c:v>0.51</c:v>
+                </c:pt>
+                <c:pt idx="124">
+                  <c:v>0.51</c:v>
+                </c:pt>
+                <c:pt idx="125">
+                  <c:v>0.51</c:v>
+                </c:pt>
+                <c:pt idx="126">
+                  <c:v>0.51</c:v>
+                </c:pt>
+                <c:pt idx="127">
+                  <c:v>0.51</c:v>
+                </c:pt>
+                <c:pt idx="128">
+                  <c:v>0.51</c:v>
+                </c:pt>
+                <c:pt idx="129">
+                  <c:v>0.51</c:v>
+                </c:pt>
+                <c:pt idx="130">
+                  <c:v>0.51</c:v>
+                </c:pt>
+                <c:pt idx="131">
+                  <c:v>0.5</c:v>
+                </c:pt>
+                <c:pt idx="132">
+                  <c:v>0.5</c:v>
+                </c:pt>
+                <c:pt idx="133">
+                  <c:v>0.5</c:v>
+                </c:pt>
+                <c:pt idx="134">
+                  <c:v>0.5</c:v>
+                </c:pt>
+                <c:pt idx="135">
+                  <c:v>0.5</c:v>
+                </c:pt>
+                <c:pt idx="136">
+                  <c:v>0.5</c:v>
+                </c:pt>
+                <c:pt idx="137">
+                  <c:v>0.5</c:v>
+                </c:pt>
+                <c:pt idx="138">
+                  <c:v>0.5</c:v>
+                </c:pt>
+                <c:pt idx="139">
+                  <c:v>0.5</c:v>
+                </c:pt>
+                <c:pt idx="140">
+                  <c:v>0.5</c:v>
+                </c:pt>
+                <c:pt idx="141">
+                  <c:v>0.5</c:v>
+                </c:pt>
+                <c:pt idx="142">
+                  <c:v>0.5</c:v>
+                </c:pt>
+                <c:pt idx="143">
+                  <c:v>0.5</c:v>
+                </c:pt>
+                <c:pt idx="144">
+                  <c:v>0.5</c:v>
+                </c:pt>
+                <c:pt idx="145">
+                  <c:v>0.5</c:v>
+                </c:pt>
+                <c:pt idx="146">
+                  <c:v>0.5</c:v>
+                </c:pt>
+                <c:pt idx="147">
+                  <c:v>0.5</c:v>
+                </c:pt>
+                <c:pt idx="148">
+                  <c:v>0.5</c:v>
+                </c:pt>
+                <c:pt idx="149">
+                  <c:v>0.5</c:v>
+                </c:pt>
+                <c:pt idx="150">
+                  <c:v>0.5</c:v>
+                </c:pt>
+                <c:pt idx="151">
+                  <c:v>0.5</c:v>
+                </c:pt>
+                <c:pt idx="152">
+                  <c:v>0.5</c:v>
+                </c:pt>
+                <c:pt idx="153">
+                  <c:v>0.5</c:v>
+                </c:pt>
+                <c:pt idx="154">
+                  <c:v>0.5</c:v>
+                </c:pt>
+                <c:pt idx="155">
+                  <c:v>0.5</c:v>
+                </c:pt>
+                <c:pt idx="156">
+                  <c:v>0.5</c:v>
+                </c:pt>
+                <c:pt idx="157">
+                  <c:v>0.5</c:v>
+                </c:pt>
+                <c:pt idx="158">
+                  <c:v>0.5</c:v>
+                </c:pt>
+                <c:pt idx="159">
+                  <c:v>0.5</c:v>
+                </c:pt>
+                <c:pt idx="160">
+                  <c:v>0.5</c:v>
+                </c:pt>
+                <c:pt idx="161">
+                  <c:v>0.5</c:v>
+                </c:pt>
+                <c:pt idx="162">
+                  <c:v>0.5</c:v>
+                </c:pt>
+                <c:pt idx="163">
+                  <c:v>0.5</c:v>
+                </c:pt>
+                <c:pt idx="164">
+                  <c:v>0.5</c:v>
+                </c:pt>
+                <c:pt idx="165">
+                  <c:v>0.5</c:v>
+                </c:pt>
+                <c:pt idx="166">
+                  <c:v>0.5</c:v>
+                </c:pt>
+                <c:pt idx="167">
+                  <c:v>0.5</c:v>
+                </c:pt>
+                <c:pt idx="168">
+                  <c:v>0.5</c:v>
+                </c:pt>
+                <c:pt idx="169">
+                  <c:v>0.5</c:v>
+                </c:pt>
+                <c:pt idx="170">
+                  <c:v>0.5</c:v>
+                </c:pt>
+                <c:pt idx="171">
+                  <c:v>0.5</c:v>
+                </c:pt>
+                <c:pt idx="172">
+                  <c:v>0.5</c:v>
+                </c:pt>
+                <c:pt idx="173">
+                  <c:v>0.5</c:v>
+                </c:pt>
+                <c:pt idx="174">
+                  <c:v>0.5</c:v>
+                </c:pt>
+                <c:pt idx="175">
+                  <c:v>0.5</c:v>
+                </c:pt>
+                <c:pt idx="176">
+                  <c:v>0.5</c:v>
+                </c:pt>
+                <c:pt idx="177">
+                  <c:v>0.5</c:v>
+                </c:pt>
+                <c:pt idx="178">
+                  <c:v>0.5</c:v>
+                </c:pt>
+                <c:pt idx="179">
+                  <c:v>0.5</c:v>
+                </c:pt>
+                <c:pt idx="180">
+                  <c:v>0.5</c:v>
+                </c:pt>
+                <c:pt idx="181">
+                  <c:v>0.5</c:v>
+                </c:pt>
+                <c:pt idx="182">
+                  <c:v>0.5</c:v>
+                </c:pt>
+                <c:pt idx="183">
+                  <c:v>0.5</c:v>
+                </c:pt>
+                <c:pt idx="184">
+                  <c:v>0.5</c:v>
+                </c:pt>
+                <c:pt idx="185">
+                  <c:v>0.5</c:v>
+                </c:pt>
+                <c:pt idx="186">
+                  <c:v>0.5</c:v>
+                </c:pt>
+                <c:pt idx="187">
+                  <c:v>0.5</c:v>
+                </c:pt>
+                <c:pt idx="188">
+                  <c:v>0.5</c:v>
+                </c:pt>
+                <c:pt idx="189">
+                  <c:v>0.5</c:v>
+                </c:pt>
+                <c:pt idx="190">
+                  <c:v>0.5</c:v>
+                </c:pt>
+                <c:pt idx="191">
+                  <c:v>0.5</c:v>
+                </c:pt>
+                <c:pt idx="192">
+                  <c:v>0.5</c:v>
+                </c:pt>
+                <c:pt idx="193">
+                  <c:v>0.5</c:v>
+                </c:pt>
+                <c:pt idx="194">
+                  <c:v>0.5</c:v>
+                </c:pt>
+                <c:pt idx="195">
+                  <c:v>0.5</c:v>
+                </c:pt>
+                <c:pt idx="196">
+                  <c:v>0.5</c:v>
+                </c:pt>
+                <c:pt idx="197">
+                  <c:v>0.5</c:v>
+                </c:pt>
+                <c:pt idx="198">
+                  <c:v>0.5</c:v>
+                </c:pt>
+                <c:pt idx="199">
+                  <c:v>0.5</c:v>
+                </c:pt>
+                <c:pt idx="200">
+                  <c:v>0.5</c:v>
+                </c:pt>
+                <c:pt idx="201">
+                  <c:v>0.5</c:v>
+                </c:pt>
+                <c:pt idx="202">
+                  <c:v>0.49</c:v>
+                </c:pt>
+                <c:pt idx="203">
+                  <c:v>0.46</c:v>
+                </c:pt>
+                <c:pt idx="204">
+                  <c:v>0.43</c:v>
+                </c:pt>
+                <c:pt idx="205">
+                  <c:v>0.42</c:v>
+                </c:pt>
+                <c:pt idx="206">
+                  <c:v>0.42</c:v>
+                </c:pt>
+                <c:pt idx="207">
+                  <c:v>0.41</c:v>
+                </c:pt>
+                <c:pt idx="208">
+                  <c:v>0.31</c:v>
+                </c:pt>
+                <c:pt idx="209">
+                  <c:v>0.19</c:v>
+                </c:pt>
+                <c:pt idx="210">
+                  <c:v>0.14000000000000001</c:v>
+                </c:pt>
+                <c:pt idx="211">
+                  <c:v>0.14000000000000001</c:v>
+                </c:pt>
+                <c:pt idx="212">
+                  <c:v>0.14000000000000001</c:v>
+                </c:pt>
+                <c:pt idx="213">
+                  <c:v>0.14000000000000001</c:v>
+                </c:pt>
+                <c:pt idx="214">
+                  <c:v>0.14000000000000001</c:v>
+                </c:pt>
+                <c:pt idx="215">
+                  <c:v>0.14000000000000001</c:v>
+                </c:pt>
+                <c:pt idx="216">
+                  <c:v>0.14000000000000001</c:v>
+                </c:pt>
+                <c:pt idx="217">
+                  <c:v>0.14000000000000001</c:v>
+                </c:pt>
+                <c:pt idx="218">
+                  <c:v>0.14000000000000001</c:v>
+                </c:pt>
+                <c:pt idx="219">
+                  <c:v>0.14000000000000001</c:v>
+                </c:pt>
+                <c:pt idx="220">
+                  <c:v>0.14000000000000001</c:v>
+                </c:pt>
+                <c:pt idx="221">
+                  <c:v>0.14000000000000001</c:v>
+                </c:pt>
+                <c:pt idx="222">
+                  <c:v>0.14000000000000001</c:v>
+                </c:pt>
+                <c:pt idx="223">
+                  <c:v>0.14000000000000001</c:v>
+                </c:pt>
+                <c:pt idx="224">
+                  <c:v>0.14000000000000001</c:v>
+                </c:pt>
+                <c:pt idx="225">
+                  <c:v>0.14000000000000001</c:v>
+                </c:pt>
+                <c:pt idx="226">
+                  <c:v>0.13</c:v>
+                </c:pt>
+                <c:pt idx="227">
+                  <c:v>0.12</c:v>
+                </c:pt>
+                <c:pt idx="228">
+                  <c:v>0.1</c:v>
+                </c:pt>
+                <c:pt idx="229">
+                  <c:v>0.1</c:v>
+                </c:pt>
+                <c:pt idx="230">
+                  <c:v>0.1</c:v>
+                </c:pt>
+                <c:pt idx="231">
+                  <c:v>0.1</c:v>
+                </c:pt>
+                <c:pt idx="232">
+                  <c:v>0.1</c:v>
+                </c:pt>
+                <c:pt idx="233">
+                  <c:v>0.08</c:v>
+                </c:pt>
+                <c:pt idx="234">
+                  <c:v>0.08</c:v>
+                </c:pt>
+                <c:pt idx="235">
+                  <c:v>0.08</c:v>
+                </c:pt>
+                <c:pt idx="236">
+                  <c:v>0.08</c:v>
+                </c:pt>
+                <c:pt idx="237">
+                  <c:v>0.08</c:v>
+                </c:pt>
+                <c:pt idx="238">
+                  <c:v>0.08</c:v>
+                </c:pt>
+                <c:pt idx="239">
+                  <c:v>0.08</c:v>
+                </c:pt>
+                <c:pt idx="240">
+                  <c:v>0.08</c:v>
+                </c:pt>
+                <c:pt idx="241">
+                  <c:v>0.08</c:v>
+                </c:pt>
+                <c:pt idx="242">
+                  <c:v>0.08</c:v>
+                </c:pt>
+                <c:pt idx="243">
+                  <c:v>0.08</c:v>
+                </c:pt>
+                <c:pt idx="244">
+                  <c:v>0.08</c:v>
+                </c:pt>
+                <c:pt idx="245">
+                  <c:v>0.08</c:v>
+                </c:pt>
+                <c:pt idx="246">
+                  <c:v>0.08</c:v>
+                </c:pt>
+                <c:pt idx="247">
+                  <c:v>0.08</c:v>
+                </c:pt>
+                <c:pt idx="248">
+                  <c:v>0.08</c:v>
+                </c:pt>
+                <c:pt idx="249">
+                  <c:v>0.08</c:v>
+                </c:pt>
+                <c:pt idx="250">
+                  <c:v>0.08</c:v>
+                </c:pt>
+                <c:pt idx="251">
+                  <c:v>0.08</c:v>
+                </c:pt>
+                <c:pt idx="252">
+                  <c:v>0.08</c:v>
+                </c:pt>
+                <c:pt idx="253">
+                  <c:v>0.08</c:v>
+                </c:pt>
+                <c:pt idx="254">
+                  <c:v>0.08</c:v>
+                </c:pt>
+                <c:pt idx="255">
+                  <c:v>0.08</c:v>
+                </c:pt>
+                <c:pt idx="256">
+                  <c:v>0.08</c:v>
+                </c:pt>
+                <c:pt idx="257">
+                  <c:v>0.08</c:v>
+                </c:pt>
+              </c:numCache>
+            </c:numRef>
+          </c:yVal>
+          <c:smooth val="1"/>
+        </c:ser>
+        <c:dLbls>
+          <c:showLegendKey val="0"/>
+          <c:showVal val="0"/>
+          <c:showCatName val="0"/>
+          <c:showSerName val="0"/>
+          <c:showPercent val="0"/>
+          <c:showBubbleSize val="0"/>
+        </c:dLbls>
+        <c:axId val="37736384"/>
+        <c:axId val="84674240"/>
+      </c:scatterChart>
+      <c:valAx>
+        <c:axId val="37736384"/>
+        <c:scaling>
+          <c:orientation val="minMax"/>
+        </c:scaling>
+        <c:delete val="0"/>
+        <c:axPos val="b"/>
+        <c:title>
+          <c:tx>
+            <c:rich>
+              <a:bodyPr/>
+              <a:lstStyle/>
+              <a:p>
+                <a:pPr>
+                  <a:defRPr/>
+                </a:pPr>
+                <a:r>
+                  <a:rPr lang="en-US"/>
+                  <a:t>Time</a:t>
+                </a:r>
+                <a:r>
+                  <a:rPr lang="en-US" baseline="0"/>
+                  <a:t> Running (hours)</a:t>
+                </a:r>
+                <a:endParaRPr lang="en-US"/>
+              </a:p>
+            </c:rich>
+          </c:tx>
+          <c:layout/>
+          <c:overlay val="0"/>
+        </c:title>
+        <c:numFmt formatCode="0.00" sourceLinked="1"/>
+        <c:majorTickMark val="out"/>
+        <c:minorTickMark val="none"/>
+        <c:tickLblPos val="nextTo"/>
+        <c:crossAx val="84674240"/>
+        <c:crosses val="autoZero"/>
+        <c:crossBetween val="midCat"/>
+      </c:valAx>
+      <c:valAx>
+        <c:axId val="84674240"/>
         <c:scaling>
           <c:orientation val="minMax"/>
         </c:scaling>
@@ -2139,7 +3844,7 @@
         <c:majorTickMark val="out"/>
         <c:minorTickMark val="none"/>
         <c:tickLblPos val="nextTo"/>
-        <c:crossAx val="47405824"/>
+        <c:crossAx val="37736384"/>
         <c:crosses val="autoZero"/>
         <c:crossBetween val="midCat"/>
       </c:valAx>
@@ -2565,16 +4270,16 @@
           </a:p>
           <a:p>
             <a:r>
-              <a:rPr lang="en-US" baseline="0" dirty="0" err="1" smtClean="0"/>
-              <a:t>Unfortuntely</a:t>
-            </a:r>
-            <a:r>
               <a:rPr lang="en-US" baseline="0" dirty="0" smtClean="0"/>
-              <a:t>, technology and size requirements are lagging behind these </a:t>
-            </a:r>
-            <a:r>
-              <a:rPr lang="en-US" baseline="0" dirty="0" err="1" smtClean="0"/>
-              <a:t>demaands</a:t>
+              <a:t>Unfortunately, </a:t>
+            </a:r>
+            <a:r>
+              <a:rPr lang="en-US" baseline="0" dirty="0" smtClean="0"/>
+              <a:t>technology and size requirements are lagging behind these </a:t>
+            </a:r>
+            <a:r>
+              <a:rPr lang="en-US" baseline="0" dirty="0" smtClean="0"/>
+              <a:t>demands</a:t>
             </a:r>
             <a:endParaRPr lang="en-US" baseline="0" dirty="0" smtClean="0"/>
           </a:p>
@@ -2593,7 +4298,19 @@
           <a:p>
             <a:r>
               <a:rPr lang="en-US" dirty="0" smtClean="0"/>
-              <a:t>There are also some user level power sources (), but typically they turn on/off resources without user</a:t>
+              <a:t>There are also some user level power sources </a:t>
+            </a:r>
+            <a:r>
+              <a:rPr lang="en-US" dirty="0" smtClean="0"/>
+              <a:t>(</a:t>
+            </a:r>
+            <a:r>
+              <a:rPr lang="en-US" smtClean="0"/>
+              <a:t>Go Power Master), </a:t>
+            </a:r>
+            <a:r>
+              <a:rPr lang="en-US" dirty="0" smtClean="0"/>
+              <a:t>but typically they turn on/off resources without user</a:t>
             </a:r>
             <a:r>
               <a:rPr lang="en-US" baseline="0" dirty="0" smtClean="0"/>
@@ -2966,6 +4683,322 @@
         <p14:creationId xmlns:p14="http://schemas.microsoft.com/office/powerpoint/2010/main" val="3428218593"/>
       </p:ext>
     </p:extLst>
+  </p:cSld>
+  <p:clrMapOvr>
+    <a:masterClrMapping/>
+  </p:clrMapOvr>
+</p:notes>
+</file>
+
+<file path=ppt/notesSlides/notesSlide5.xml><?xml version="1.0" encoding="utf-8"?>
+<p:notes xmlns:a="http://schemas.openxmlformats.org/drawingml/2006/main" xmlns:r="http://schemas.openxmlformats.org/officeDocument/2006/relationships" xmlns:p="http://schemas.openxmlformats.org/presentationml/2006/main">
+  <p:cSld>
+    <p:bg>
+      <p:bgPr>
+        <a:solidFill>
+          <a:srgbClr val="FFFFFF"/>
+        </a:solidFill>
+        <a:effectLst/>
+      </p:bgPr>
+    </p:bg>
+    <p:spTree>
+      <p:nvGrpSpPr>
+        <p:cNvPr id="1" name=""/>
+        <p:cNvGrpSpPr/>
+        <p:nvPr/>
+      </p:nvGrpSpPr>
+      <p:grpSpPr>
+        <a:xfrm>
+          <a:off x="0" y="0"/>
+          <a:ext cx="0" cy="0"/>
+          <a:chOff x="0" y="0"/>
+          <a:chExt cx="0" cy="0"/>
+        </a:xfrm>
+      </p:grpSpPr>
+      <p:sp>
+        <p:nvSpPr>
+          <p:cNvPr id="5" name="Rectangle 7"/>
+          <p:cNvSpPr>
+            <a:spLocks noGrp="1" noChangeArrowheads="1"/>
+          </p:cNvSpPr>
+          <p:nvPr>
+            <p:ph type="sldNum"/>
+          </p:nvPr>
+        </p:nvSpPr>
+        <p:spPr>
+          <a:ln/>
+        </p:spPr>
+        <p:txBody>
+          <a:bodyPr/>
+          <a:lstStyle/>
+          <a:p>
+            <a:fld id="{05705094-B47F-4F1E-A79E-1619A4AF1AE2}" type="slidenum">
+              <a:rPr lang="en-US"/>
+              <a:pPr/>
+              <a:t>8</a:t>
+            </a:fld>
+            <a:endParaRPr lang="en-US"/>
+          </a:p>
+        </p:txBody>
+      </p:sp>
+      <p:sp>
+        <p:nvSpPr>
+          <p:cNvPr id="7169" name="Rectangle 1"/>
+          <p:cNvSpPr txBox="1">
+            <a:spLocks noChangeArrowheads="1"/>
+          </p:cNvSpPr>
+          <p:nvPr>
+            <p:ph type="sldImg"/>
+          </p:nvPr>
+        </p:nvSpPr>
+        <p:spPr bwMode="auto">
+          <a:xfrm>
+            <a:off x="1143000" y="685800"/>
+            <a:ext cx="4572000" cy="3429000"/>
+          </a:xfrm>
+          <a:prstGeom prst="rect">
+            <a:avLst/>
+          </a:prstGeom>
+          <a:solidFill>
+            <a:srgbClr val="FFFFFF"/>
+          </a:solidFill>
+          <a:ln>
+            <a:solidFill>
+              <a:srgbClr val="000000"/>
+            </a:solidFill>
+            <a:miter lim="800000"/>
+            <a:headEnd/>
+            <a:tailEnd/>
+          </a:ln>
+          <a:extLst>
+            <a:ext uri="{AF507438-7753-43E0-B8FC-AC1667EBCBE1}">
+              <a14:hiddenEffects xmlns:a14="http://schemas.microsoft.com/office/drawing/2010/main">
+                <a:effectLst>
+                  <a:outerShdw dist="35921" dir="2700000" algn="ctr" rotWithShape="0">
+                    <a:srgbClr val="808080"/>
+                  </a:outerShdw>
+                </a:effectLst>
+              </a14:hiddenEffects>
+            </a:ext>
+          </a:extLst>
+        </p:spPr>
+      </p:sp>
+      <p:sp>
+        <p:nvSpPr>
+          <p:cNvPr id="7170" name="Rectangle 2"/>
+          <p:cNvSpPr txBox="1">
+            <a:spLocks noChangeArrowheads="1"/>
+          </p:cNvSpPr>
+          <p:nvPr>
+            <p:ph type="body" idx="1"/>
+          </p:nvPr>
+        </p:nvSpPr>
+        <p:spPr bwMode="auto">
+          <a:xfrm>
+            <a:off x="685800" y="4343400"/>
+            <a:ext cx="5486400" cy="4114800"/>
+          </a:xfrm>
+          <a:prstGeom prst="rect">
+            <a:avLst/>
+          </a:prstGeom>
+          <a:noFill/>
+          <a:ln/>
+          <a:extLst>
+            <a:ext uri="{909E8E84-426E-40DD-AFC4-6F175D3DCCD1}">
+              <a14:hiddenFill xmlns:a14="http://schemas.microsoft.com/office/drawing/2010/main">
+                <a:solidFill>
+                  <a:srgbClr val="FFFFFF"/>
+                </a:solidFill>
+              </a14:hiddenFill>
+            </a:ext>
+            <a:ext uri="{91240B29-F687-4F45-9708-019B960494DF}">
+              <a14:hiddenLine xmlns:a14="http://schemas.microsoft.com/office/drawing/2010/main" w="9525">
+                <a:solidFill>
+                  <a:srgbClr val="000000"/>
+                </a:solidFill>
+                <a:round/>
+                <a:headEnd/>
+                <a:tailEnd/>
+              </a14:hiddenLine>
+            </a:ext>
+            <a:ext uri="{AF507438-7753-43E0-B8FC-AC1667EBCBE1}">
+              <a14:hiddenEffects xmlns:a14="http://schemas.microsoft.com/office/drawing/2010/main">
+                <a:effectLst>
+                  <a:outerShdw dist="35921" dir="2700000" algn="ctr" rotWithShape="0">
+                    <a:srgbClr val="808080"/>
+                  </a:outerShdw>
+                </a:effectLst>
+              </a14:hiddenEffects>
+            </a:ext>
+          </a:extLst>
+        </p:spPr>
+        <p:txBody>
+          <a:bodyPr wrap="none" anchor="ctr"/>
+          <a:lstStyle/>
+          <a:p>
+            <a:endParaRPr lang="en-US"/>
+          </a:p>
+        </p:txBody>
+      </p:sp>
+    </p:spTree>
+  </p:cSld>
+  <p:clrMapOvr>
+    <a:masterClrMapping/>
+  </p:clrMapOvr>
+</p:notes>
+</file>
+
+<file path=ppt/notesSlides/notesSlide6.xml><?xml version="1.0" encoding="utf-8"?>
+<p:notes xmlns:a="http://schemas.openxmlformats.org/drawingml/2006/main" xmlns:r="http://schemas.openxmlformats.org/officeDocument/2006/relationships" xmlns:p="http://schemas.openxmlformats.org/presentationml/2006/main">
+  <p:cSld>
+    <p:bg>
+      <p:bgPr>
+        <a:solidFill>
+          <a:srgbClr val="FFFFFF"/>
+        </a:solidFill>
+        <a:effectLst/>
+      </p:bgPr>
+    </p:bg>
+    <p:spTree>
+      <p:nvGrpSpPr>
+        <p:cNvPr id="1" name=""/>
+        <p:cNvGrpSpPr/>
+        <p:nvPr/>
+      </p:nvGrpSpPr>
+      <p:grpSpPr>
+        <a:xfrm>
+          <a:off x="0" y="0"/>
+          <a:ext cx="0" cy="0"/>
+          <a:chOff x="0" y="0"/>
+          <a:chExt cx="0" cy="0"/>
+        </a:xfrm>
+      </p:grpSpPr>
+      <p:sp>
+        <p:nvSpPr>
+          <p:cNvPr id="5" name="Rectangle 7"/>
+          <p:cNvSpPr>
+            <a:spLocks noGrp="1" noChangeArrowheads="1"/>
+          </p:cNvSpPr>
+          <p:nvPr>
+            <p:ph type="sldNum"/>
+          </p:nvPr>
+        </p:nvSpPr>
+        <p:spPr>
+          <a:ln/>
+        </p:spPr>
+        <p:txBody>
+          <a:bodyPr/>
+          <a:lstStyle/>
+          <a:p>
+            <a:fld id="{7EBD6C8B-5404-40F9-80EA-A306C62E98EE}" type="slidenum">
+              <a:rPr lang="en-US"/>
+              <a:pPr/>
+              <a:t>9</a:t>
+            </a:fld>
+            <a:endParaRPr lang="en-US"/>
+          </a:p>
+        </p:txBody>
+      </p:sp>
+      <p:sp>
+        <p:nvSpPr>
+          <p:cNvPr id="8193" name="Rectangle 1"/>
+          <p:cNvSpPr txBox="1">
+            <a:spLocks noChangeArrowheads="1"/>
+          </p:cNvSpPr>
+          <p:nvPr>
+            <p:ph type="sldImg"/>
+          </p:nvPr>
+        </p:nvSpPr>
+        <p:spPr bwMode="auto">
+          <a:xfrm>
+            <a:off x="1143000" y="685800"/>
+            <a:ext cx="4572000" cy="3429000"/>
+          </a:xfrm>
+          <a:prstGeom prst="rect">
+            <a:avLst/>
+          </a:prstGeom>
+          <a:solidFill>
+            <a:srgbClr val="FFFFFF"/>
+          </a:solidFill>
+          <a:ln>
+            <a:solidFill>
+              <a:srgbClr val="000000"/>
+            </a:solidFill>
+            <a:miter lim="800000"/>
+            <a:headEnd/>
+            <a:tailEnd/>
+          </a:ln>
+          <a:extLst>
+            <a:ext uri="{AF507438-7753-43E0-B8FC-AC1667EBCBE1}">
+              <a14:hiddenEffects xmlns:a14="http://schemas.microsoft.com/office/drawing/2010/main">
+                <a:effectLst>
+                  <a:outerShdw dist="35921" dir="2700000" algn="ctr" rotWithShape="0">
+                    <a:srgbClr val="808080"/>
+                  </a:outerShdw>
+                </a:effectLst>
+              </a14:hiddenEffects>
+            </a:ext>
+          </a:extLst>
+        </p:spPr>
+      </p:sp>
+      <p:sp>
+        <p:nvSpPr>
+          <p:cNvPr id="8194" name="Rectangle 2"/>
+          <p:cNvSpPr txBox="1">
+            <a:spLocks noChangeArrowheads="1"/>
+          </p:cNvSpPr>
+          <p:nvPr>
+            <p:ph type="body" idx="1"/>
+          </p:nvPr>
+        </p:nvSpPr>
+        <p:spPr bwMode="auto">
+          <a:xfrm>
+            <a:off x="685800" y="4343400"/>
+            <a:ext cx="5486400" cy="4114800"/>
+          </a:xfrm>
+          <a:prstGeom prst="rect">
+            <a:avLst/>
+          </a:prstGeom>
+          <a:noFill/>
+          <a:ln/>
+          <a:extLst>
+            <a:ext uri="{909E8E84-426E-40DD-AFC4-6F175D3DCCD1}">
+              <a14:hiddenFill xmlns:a14="http://schemas.microsoft.com/office/drawing/2010/main">
+                <a:solidFill>
+                  <a:srgbClr val="FFFFFF"/>
+                </a:solidFill>
+              </a14:hiddenFill>
+            </a:ext>
+            <a:ext uri="{91240B29-F687-4F45-9708-019B960494DF}">
+              <a14:hiddenLine xmlns:a14="http://schemas.microsoft.com/office/drawing/2010/main" w="9525">
+                <a:solidFill>
+                  <a:srgbClr val="000000"/>
+                </a:solidFill>
+                <a:round/>
+                <a:headEnd/>
+                <a:tailEnd/>
+              </a14:hiddenLine>
+            </a:ext>
+            <a:ext uri="{AF507438-7753-43E0-B8FC-AC1667EBCBE1}">
+              <a14:hiddenEffects xmlns:a14="http://schemas.microsoft.com/office/drawing/2010/main">
+                <a:effectLst>
+                  <a:outerShdw dist="35921" dir="2700000" algn="ctr" rotWithShape="0">
+                    <a:srgbClr val="808080"/>
+                  </a:outerShdw>
+                </a:effectLst>
+              </a14:hiddenEffects>
+            </a:ext>
+          </a:extLst>
+        </p:spPr>
+        <p:txBody>
+          <a:bodyPr wrap="none" anchor="ctr"/>
+          <a:lstStyle/>
+          <a:p>
+            <a:endParaRPr lang="en-US"/>
+          </a:p>
+        </p:txBody>
+      </p:sp>
+    </p:spTree>
   </p:cSld>
   <p:clrMapOvr>
     <a:masterClrMapping/>
@@ -4724,10 +6757,10 @@
           <a:lstStyle/>
           <a:p>
             <a:r>
-              <a:rPr lang="en-US" smtClean="0"/>
+              <a:rPr lang="en-US" dirty="0" smtClean="0"/>
               <a:t>Click to edit Master title style</a:t>
             </a:r>
-            <a:endParaRPr lang="en-US"/>
+            <a:endParaRPr lang="en-US" dirty="0"/>
           </a:p>
         </p:txBody>
       </p:sp>
@@ -4810,7 +6843,7 @@
 </file>
 
 <file path=ppt/slideLayouts/slideLayout7.xml><?xml version="1.0" encoding="utf-8"?>
-<p:sldLayout xmlns:a="http://schemas.openxmlformats.org/drawingml/2006/main" xmlns:r="http://schemas.openxmlformats.org/officeDocument/2006/relationships" xmlns:p="http://schemas.openxmlformats.org/presentationml/2006/main" type="blank" preserve="1">
+<p:sldLayout xmlns:a="http://schemas.openxmlformats.org/drawingml/2006/main" xmlns:r="http://schemas.openxmlformats.org/officeDocument/2006/relationships" xmlns:p="http://schemas.openxmlformats.org/presentationml/2006/main" preserve="1" userDrawn="1">
   <p:cSld name="Blank">
     <p:spTree>
       <p:nvGrpSpPr>
@@ -4888,6 +6921,34 @@
               <a:t>‹#›</a:t>
             </a:fld>
             <a:endParaRPr lang="en-US"/>
+          </a:p>
+        </p:txBody>
+      </p:sp>
+      <p:sp>
+        <p:nvSpPr>
+          <p:cNvPr id="5" name="Title 1"/>
+          <p:cNvSpPr>
+            <a:spLocks noGrp="1"/>
+          </p:cNvSpPr>
+          <p:nvPr>
+            <p:ph type="title"/>
+          </p:nvPr>
+        </p:nvSpPr>
+        <p:spPr>
+          <a:xfrm>
+            <a:off x="384867" y="-2413"/>
+            <a:ext cx="8378219" cy="808985"/>
+          </a:xfrm>
+        </p:spPr>
+        <p:txBody>
+          <a:bodyPr/>
+          <a:lstStyle/>
+          <a:p>
+            <a:r>
+              <a:rPr lang="en-US" dirty="0" smtClean="0"/>
+              <a:t>Click to edit Master title style</a:t>
+            </a:r>
+            <a:endParaRPr lang="en-US" dirty="0"/>
           </a:p>
         </p:txBody>
       </p:sp>
@@ -6271,11 +8332,7 @@
               <a:rPr lang="en-US" sz="4000" b="1" dirty="0" smtClean="0">
                 <a:ln w="10541" cmpd="sng">
                   <a:solidFill>
-                    <a:srgbClr val="7D7D7D">
-                      <a:tint val="100000"/>
-                      <a:shade val="100000"/>
-                      <a:satMod val="110000"/>
-                    </a:srgbClr>
+                    <a:sysClr val="windowText" lastClr="000000"/>
                   </a:solidFill>
                   <a:prstDash val="solid"/>
                 </a:ln>
@@ -6315,70 +8372,16 @@
                   <a:lin ang="5400000"/>
                 </a:gradFill>
               </a:rPr>
-              <a:t>Watt’s </a:t>
-            </a:r>
+              <a:t>Watt’s Happening: </a:t>
+            </a:r>
+          </a:p>
+          <a:p>
+            <a:pPr algn="ctr"/>
             <a:r>
               <a:rPr lang="en-US" sz="4000" b="1" dirty="0" smtClean="0">
                 <a:ln w="10541" cmpd="sng">
                   <a:solidFill>
-                    <a:srgbClr val="7D7D7D">
-                      <a:tint val="100000"/>
-                      <a:shade val="100000"/>
-                      <a:satMod val="110000"/>
-                    </a:srgbClr>
-                  </a:solidFill>
-                  <a:prstDash val="solid"/>
-                </a:ln>
-                <a:gradFill>
-                  <a:gsLst>
-                    <a:gs pos="0">
-                      <a:srgbClr val="FFFFFF">
-                        <a:tint val="40000"/>
-                        <a:satMod val="250000"/>
-                      </a:srgbClr>
-                    </a:gs>
-                    <a:gs pos="9000">
-                      <a:srgbClr val="FFFFFF">
-                        <a:tint val="52000"/>
-                        <a:satMod val="300000"/>
-                      </a:srgbClr>
-                    </a:gs>
-                    <a:gs pos="50000">
-                      <a:srgbClr val="FFFFFF">
-                        <a:shade val="20000"/>
-                        <a:satMod val="300000"/>
-                      </a:srgbClr>
-                    </a:gs>
-                    <a:gs pos="79000">
-                      <a:srgbClr val="FFFFFF">
-                        <a:tint val="52000"/>
-                        <a:satMod val="300000"/>
-                      </a:srgbClr>
-                    </a:gs>
-                    <a:gs pos="100000">
-                      <a:srgbClr val="FFFFFF">
-                        <a:tint val="40000"/>
-                        <a:satMod val="250000"/>
-                      </a:srgbClr>
-                    </a:gs>
-                  </a:gsLst>
-                  <a:lin ang="5400000"/>
-                </a:gradFill>
-              </a:rPr>
-              <a:t>Happening: </a:t>
-            </a:r>
-          </a:p>
-          <a:p>
-            <a:pPr algn="ctr"/>
-            <a:r>
-              <a:rPr lang="en-US" sz="4000" b="1" dirty="0" smtClean="0">
-                <a:ln w="10541" cmpd="sng">
-                  <a:solidFill>
-                    <a:srgbClr val="7D7D7D">
-                      <a:tint val="100000"/>
-                      <a:shade val="100000"/>
-                      <a:satMod val="110000"/>
-                    </a:srgbClr>
+                    <a:sysClr val="windowText" lastClr="000000"/>
                   </a:solidFill>
                   <a:prstDash val="solid"/>
                 </a:ln>
@@ -6423,11 +8426,7 @@
             <a:endParaRPr lang="en-US" sz="4000" b="1" dirty="0">
               <a:ln w="10541" cmpd="sng">
                 <a:solidFill>
-                  <a:srgbClr val="7D7D7D">
-                    <a:tint val="100000"/>
-                    <a:shade val="100000"/>
-                    <a:satMod val="110000"/>
-                  </a:srgbClr>
+                  <a:sysClr val="windowText" lastClr="000000"/>
                 </a:solidFill>
                 <a:prstDash val="solid"/>
               </a:ln>
@@ -6615,7 +8614,7 @@
         </p:blipFill>
         <p:spPr bwMode="auto">
           <a:xfrm>
-            <a:off x="5214942" y="1325446"/>
+            <a:off x="4572000" y="1325446"/>
             <a:ext cx="3429000" cy="5129374"/>
           </a:xfrm>
           <a:prstGeom prst="rect">
@@ -6631,7 +8630,7 @@
             <a:tailEnd/>
           </a:ln>
           <a:effectLst>
-            <a:glow rad="63500">
+            <a:glow rad="101600">
               <a:schemeClr val="accent1">
                 <a:satMod val="175000"/>
                 <a:alpha val="40000"/>
@@ -6641,6 +8640,13 @@
               <a:schemeClr val="bg2"/>
             </a:outerShdw>
           </a:effectLst>
+          <a:scene3d>
+            <a:camera prst="orthographicFront"/>
+            <a:lightRig rig="threePt" dir="t"/>
+          </a:scene3d>
+          <a:sp3d>
+            <a:bevelT w="165100" prst="coolSlant"/>
+          </a:sp3d>
           <a:extLst>
             <a:ext uri="{909E8E84-426E-40DD-AFC4-6F175D3DCCD1}">
               <a14:hiddenFill xmlns:a14="http://schemas.microsoft.com/office/drawing/2010/main">
@@ -6752,7 +8758,12 @@
             <p:ph sz="half" idx="1"/>
           </p:nvPr>
         </p:nvSpPr>
-        <p:spPr/>
+        <p:spPr>
+          <a:xfrm>
+            <a:off x="215900" y="1600200"/>
+            <a:ext cx="4927600" cy="4525963"/>
+          </a:xfrm>
+        </p:spPr>
         <p:txBody>
           <a:bodyPr/>
           <a:lstStyle/>
@@ -7137,7 +9148,7 @@
         </p:blipFill>
         <p:spPr bwMode="auto">
           <a:xfrm>
-            <a:off x="5266350" y="4198046"/>
+            <a:off x="4809150" y="4198046"/>
             <a:ext cx="1347326" cy="1059754"/>
           </a:xfrm>
           <a:prstGeom prst="rect">
@@ -7694,6 +9705,99 @@
   <p:clrMapOvr>
     <a:masterClrMapping/>
   </p:clrMapOvr>
+  <p:timing>
+    <p:tnLst>
+      <p:par>
+        <p:cTn id="1" dur="indefinite" restart="never" nodeType="tmRoot"/>
+      </p:par>
+    </p:tnLst>
+  </p:timing>
+</p:sld>
+</file>
+
+<file path=ppt/slides/slide15.xml><?xml version="1.0" encoding="utf-8"?>
+<p:sld xmlns:a="http://schemas.openxmlformats.org/drawingml/2006/main" xmlns:r="http://schemas.openxmlformats.org/officeDocument/2006/relationships" xmlns:p="http://schemas.openxmlformats.org/presentationml/2006/main" show="0">
+  <p:cSld>
+    <p:spTree>
+      <p:nvGrpSpPr>
+        <p:cNvPr id="1" name=""/>
+        <p:cNvGrpSpPr/>
+        <p:nvPr/>
+      </p:nvGrpSpPr>
+      <p:grpSpPr>
+        <a:xfrm>
+          <a:off x="0" y="0"/>
+          <a:ext cx="0" cy="0"/>
+          <a:chOff x="0" y="0"/>
+          <a:chExt cx="0" cy="0"/>
+        </a:xfrm>
+      </p:grpSpPr>
+      <p:graphicFrame>
+        <p:nvGraphicFramePr>
+          <p:cNvPr id="4" name="Chart 3"/>
+          <p:cNvGraphicFramePr>
+            <a:graphicFrameLocks/>
+          </p:cNvGraphicFramePr>
+          <p:nvPr>
+            <p:extLst>
+              <p:ext uri="{D42A27DB-BD31-4B8C-83A1-F6EECF244321}">
+                <p14:modId xmlns:p14="http://schemas.microsoft.com/office/powerpoint/2010/main" val="3608440608"/>
+              </p:ext>
+            </p:extLst>
+          </p:nvPr>
+        </p:nvGraphicFramePr>
+        <p:xfrm>
+          <a:off x="0" y="3536156"/>
+          <a:ext cx="9144000" cy="3321844"/>
+        </p:xfrm>
+        <a:graphic>
+          <a:graphicData uri="http://schemas.openxmlformats.org/drawingml/2006/chart">
+            <c:chart xmlns:c="http://schemas.openxmlformats.org/drawingml/2006/chart" xmlns:r="http://schemas.openxmlformats.org/officeDocument/2006/relationships" r:id="rId2"/>
+          </a:graphicData>
+        </a:graphic>
+      </p:graphicFrame>
+      <p:graphicFrame>
+        <p:nvGraphicFramePr>
+          <p:cNvPr id="6" name="Chart 5"/>
+          <p:cNvGraphicFramePr>
+            <a:graphicFrameLocks/>
+          </p:cNvGraphicFramePr>
+          <p:nvPr>
+            <p:extLst>
+              <p:ext uri="{D42A27DB-BD31-4B8C-83A1-F6EECF244321}">
+                <p14:modId xmlns:p14="http://schemas.microsoft.com/office/powerpoint/2010/main" val="3676521461"/>
+              </p:ext>
+            </p:extLst>
+          </p:nvPr>
+        </p:nvGraphicFramePr>
+        <p:xfrm>
+          <a:off x="0" y="0"/>
+          <a:ext cx="9144000" cy="3352800"/>
+        </p:xfrm>
+        <a:graphic>
+          <a:graphicData uri="http://schemas.openxmlformats.org/drawingml/2006/chart">
+            <c:chart xmlns:c="http://schemas.openxmlformats.org/drawingml/2006/chart" xmlns:r="http://schemas.openxmlformats.org/officeDocument/2006/relationships" r:id="rId3"/>
+          </a:graphicData>
+        </a:graphic>
+      </p:graphicFrame>
+    </p:spTree>
+    <p:extLst>
+      <p:ext uri="{BB962C8B-B14F-4D97-AF65-F5344CB8AC3E}">
+        <p14:creationId xmlns:p14="http://schemas.microsoft.com/office/powerpoint/2010/main" val="2365083985"/>
+      </p:ext>
+    </p:extLst>
+  </p:cSld>
+  <p:clrMapOvr>
+    <a:masterClrMapping/>
+  </p:clrMapOvr>
+  <mc:AlternateContent xmlns:mc="http://schemas.openxmlformats.org/markup-compatibility/2006">
+    <mc:Choice xmlns:p14="http://schemas.microsoft.com/office/powerpoint/2010/main" Requires="p14">
+      <p:transition spd="slow" p14:dur="2000"/>
+    </mc:Choice>
+    <mc:Fallback>
+      <p:transition spd="slow"/>
+    </mc:Fallback>
+  </mc:AlternateContent>
   <p:timing>
     <p:tnLst>
       <p:par>
@@ -7953,6 +10057,10 @@
             <a:avLst/>
           </a:prstGeom>
           <a:noFill/>
+          <a:effectLst>
+            <a:reflection blurRad="6350" stA="52000" endA="300" endPos="35000" dir="5400000" sy="-100000" algn="bl" rotWithShape="0"/>
+            <a:softEdge rad="63500"/>
+          </a:effectLst>
           <a:extLst>
             <a:ext uri="{909E8E84-426E-40DD-AFC4-6F175D3DCCD1}">
               <a14:hiddenFill xmlns:a14="http://schemas.microsoft.com/office/drawing/2010/main">
@@ -7997,13 +10105,16 @@
         </p:blipFill>
         <p:spPr bwMode="auto">
           <a:xfrm>
-            <a:off x="6391067" y="3733799"/>
+            <a:off x="6276763" y="3733799"/>
             <a:ext cx="2787061" cy="2166585"/>
           </a:xfrm>
           <a:prstGeom prst="rect">
             <a:avLst/>
           </a:prstGeom>
           <a:noFill/>
+          <a:effectLst>
+            <a:reflection blurRad="6350" stA="52000" endA="300" endPos="35000" dir="5400000" sy="-100000" algn="bl" rotWithShape="0"/>
+          </a:effectLst>
           <a:extLst>
             <a:ext uri="{909E8E84-426E-40DD-AFC4-6F175D3DCCD1}">
               <a14:hiddenFill xmlns:a14="http://schemas.microsoft.com/office/drawing/2010/main">
@@ -8023,7 +10134,7 @@
           </p:cNvPicPr>
           <p:nvPr/>
         </p:nvPicPr>
-        <p:blipFill>
+        <p:blipFill rotWithShape="1">
           <a:blip r:embed="rId5">
             <a:clrChange>
               <a:clrFrom>
@@ -8041,20 +10152,21 @@
               </a:ext>
             </a:extLst>
           </a:blip>
-          <a:srcRect/>
-          <a:stretch>
-            <a:fillRect/>
-          </a:stretch>
+          <a:srcRect b="8557"/>
+          <a:stretch/>
         </p:blipFill>
         <p:spPr bwMode="auto">
           <a:xfrm>
-            <a:off x="0" y="3733800"/>
-            <a:ext cx="3233868" cy="2166585"/>
+            <a:off x="0" y="3733801"/>
+            <a:ext cx="3233868" cy="1981200"/>
           </a:xfrm>
           <a:prstGeom prst="rect">
             <a:avLst/>
           </a:prstGeom>
           <a:noFill/>
+          <a:effectLst>
+            <a:reflection blurRad="6350" stA="52000" endA="300" endPos="35000" dir="5400000" sy="-100000" algn="bl" rotWithShape="0"/>
+          </a:effectLst>
           <a:extLst>
             <a:ext uri="{909E8E84-426E-40DD-AFC4-6F175D3DCCD1}">
               <a14:hiddenFill xmlns:a14="http://schemas.microsoft.com/office/drawing/2010/main">
@@ -8096,6 +10208,10 @@
             <a:avLst/>
           </a:prstGeom>
           <a:noFill/>
+          <a:effectLst>
+            <a:reflection blurRad="6350" stA="52000" endA="300" endPos="35000" dir="5400000" sy="-100000" algn="bl" rotWithShape="0"/>
+            <a:softEdge rad="63500"/>
+          </a:effectLst>
           <a:extLst>
             <a:ext uri="{909E8E84-426E-40DD-AFC4-6F175D3DCCD1}">
               <a14:hiddenFill xmlns:a14="http://schemas.microsoft.com/office/drawing/2010/main">
@@ -8130,13 +10246,17 @@
         </p:blipFill>
         <p:spPr bwMode="auto">
           <a:xfrm>
-            <a:off x="6646069" y="1287929"/>
+            <a:off x="6517477" y="1287929"/>
             <a:ext cx="2205038" cy="1652588"/>
           </a:xfrm>
           <a:prstGeom prst="rect">
             <a:avLst/>
           </a:prstGeom>
           <a:noFill/>
+          <a:effectLst>
+            <a:reflection blurRad="6350" stA="52000" endA="300" endPos="35000" dir="5400000" sy="-100000" algn="bl" rotWithShape="0"/>
+            <a:softEdge rad="63500"/>
+          </a:effectLst>
           <a:extLst>
             <a:ext uri="{909E8E84-426E-40DD-AFC4-6F175D3DCCD1}">
               <a14:hiddenFill xmlns:a14="http://schemas.microsoft.com/office/drawing/2010/main">
@@ -8178,6 +10298,10 @@
             <a:avLst/>
           </a:prstGeom>
           <a:noFill/>
+          <a:effectLst>
+            <a:reflection blurRad="6350" stA="52000" endA="300" endPos="35000" dir="5400000" sy="-100000" algn="bl" rotWithShape="0"/>
+            <a:softEdge rad="63500"/>
+          </a:effectLst>
           <a:extLst>
             <a:ext uri="{909E8E84-426E-40DD-AFC4-6F175D3DCCD1}">
               <a14:hiddenFill xmlns:a14="http://schemas.microsoft.com/office/drawing/2010/main">
@@ -14712,149 +16836,459 @@
       </p:sp>
       <p:sp>
         <p:nvSpPr>
-          <p:cNvPr id="3" name="Content Placeholder 2"/>
-          <p:cNvSpPr>
-            <a:spLocks noGrp="1"/>
+          <p:cNvPr id="9" name="Text Box 2"/>
+          <p:cNvSpPr txBox="1">
+            <a:spLocks noChangeArrowheads="1"/>
           </p:cNvSpPr>
-          <p:nvPr>
-            <p:ph idx="1"/>
-          </p:nvPr>
+          <p:nvPr/>
         </p:nvSpPr>
-        <p:spPr>
+        <p:spPr bwMode="auto">
           <a:xfrm>
-            <a:off x="457200" y="1243013"/>
-            <a:ext cx="4014788" cy="4525963"/>
-          </a:xfrm>
-        </p:spPr>
-        <p:txBody>
-          <a:bodyPr>
-            <a:normAutofit fontScale="70000" lnSpcReduction="20000"/>
-          </a:bodyPr>
-          <a:lstStyle/>
-          <a:p>
-            <a:r>
-              <a:rPr lang="en-US" dirty="0" smtClean="0"/>
-              <a:t>Goal: Estimate </a:t>
-            </a:r>
-            <a:r>
-              <a:rPr lang="en-US" dirty="0"/>
-              <a:t>the amount of time remaining before the battery dies.</a:t>
-            </a:r>
-          </a:p>
-          <a:p>
-            <a:r>
-              <a:rPr lang="en-US" dirty="0" smtClean="0"/>
-              <a:t>Problem: overestimation </a:t>
-            </a:r>
-            <a:r>
-              <a:rPr lang="en-US" dirty="0"/>
-              <a:t>and </a:t>
-            </a:r>
-            <a:r>
-              <a:rPr lang="en-US" dirty="0" smtClean="0"/>
-              <a:t>underestimation</a:t>
-            </a:r>
-            <a:endParaRPr lang="en-US" dirty="0"/>
-          </a:p>
-          <a:p>
-            <a:pPr lvl="1"/>
-            <a:r>
-              <a:rPr lang="en-US" dirty="0" smtClean="0"/>
-              <a:t>Overestimation: Estimating </a:t>
-            </a:r>
-            <a:r>
-              <a:rPr lang="en-US" dirty="0"/>
-              <a:t>that the time remaining is longer than the actual remaining battery life.</a:t>
-            </a:r>
-          </a:p>
-          <a:p>
-            <a:pPr lvl="1"/>
-            <a:r>
-              <a:rPr lang="en-US" dirty="0" smtClean="0"/>
-              <a:t>Underestimation: Estimating </a:t>
-            </a:r>
-            <a:r>
-              <a:rPr lang="en-US" dirty="0"/>
-              <a:t>that the time remaining is less than the actual remaining battery life. </a:t>
-            </a:r>
-          </a:p>
-          <a:p>
-            <a:r>
-              <a:rPr lang="en-US" dirty="0" smtClean="0"/>
-              <a:t>Which outcome is more desirable?</a:t>
-            </a:r>
-            <a:endParaRPr lang="en-US" dirty="0"/>
-          </a:p>
-          <a:p>
-            <a:r>
-              <a:rPr lang="en-US" dirty="0" smtClean="0"/>
-              <a:t>Estimation Calculation</a:t>
-            </a:r>
-            <a:endParaRPr lang="en-US" dirty="0"/>
-          </a:p>
-          <a:p>
-            <a:endParaRPr lang="en-US" dirty="0"/>
-          </a:p>
-        </p:txBody>
-      </p:sp>
-      <p:pic>
-        <p:nvPicPr>
-          <p:cNvPr id="4" name="Picture 3"/>
-          <p:cNvPicPr>
-            <a:picLocks noChangeAspect="1"/>
-          </p:cNvPicPr>
-          <p:nvPr/>
-        </p:nvPicPr>
-        <p:blipFill rotWithShape="1">
-          <a:blip r:embed="rId2">
-            <a:extLst>
-              <a:ext uri="{28A0092B-C50C-407E-A947-70E740481C1C}">
-                <a14:useLocalDpi xmlns:a14="http://schemas.microsoft.com/office/drawing/2010/main" val="0"/>
-              </a:ext>
-            </a:extLst>
-          </a:blip>
-          <a:srcRect l="2486" t="5708" r="9116" b="11132"/>
-          <a:stretch/>
-        </p:blipFill>
-        <p:spPr>
-          <a:xfrm>
-            <a:off x="4614863" y="924506"/>
-            <a:ext cx="3914775" cy="2762092"/>
+            <a:off x="457199" y="1243013"/>
+            <a:ext cx="7929563" cy="4525962"/>
           </a:xfrm>
           <a:prstGeom prst="rect">
             <a:avLst/>
           </a:prstGeom>
+          <a:noFill/>
+          <a:ln>
+            <a:noFill/>
+          </a:ln>
+          <a:effectLst/>
+          <a:extLst>
+            <a:ext uri="{909E8E84-426E-40DD-AFC4-6F175D3DCCD1}">
+              <a14:hiddenFill xmlns:a14="http://schemas.microsoft.com/office/drawing/2010/main">
+                <a:solidFill>
+                  <a:srgbClr val="FFFFFF"/>
+                </a:solidFill>
+              </a14:hiddenFill>
+            </a:ext>
+            <a:ext uri="{91240B29-F687-4F45-9708-019B960494DF}">
+              <a14:hiddenLine xmlns:a14="http://schemas.microsoft.com/office/drawing/2010/main" w="9525">
+                <a:solidFill>
+                  <a:srgbClr val="000000"/>
+                </a:solidFill>
+                <a:round/>
+                <a:headEnd/>
+                <a:tailEnd/>
+              </a14:hiddenLine>
+            </a:ext>
+            <a:ext uri="{AF507438-7753-43E0-B8FC-AC1667EBCBE1}">
+              <a14:hiddenEffects xmlns:a14="http://schemas.microsoft.com/office/drawing/2010/main">
+                <a:effectLst>
+                  <a:outerShdw dist="35921" dir="2700000" algn="ctr" rotWithShape="0">
+                    <a:srgbClr val="808080"/>
+                  </a:outerShdw>
+                </a:effectLst>
+              </a14:hiddenEffects>
+            </a:ext>
+          </a:extLst>
         </p:spPr>
-      </p:pic>
-      <p:pic>
-        <p:nvPicPr>
-          <p:cNvPr id="5" name="Picture 4"/>
-          <p:cNvPicPr>
-            <a:picLocks noChangeAspect="1"/>
-          </p:cNvPicPr>
-          <p:nvPr/>
-        </p:nvPicPr>
-        <p:blipFill rotWithShape="1">
-          <a:blip r:embed="rId3">
-            <a:extLst>
-              <a:ext uri="{28A0092B-C50C-407E-A947-70E740481C1C}">
-                <a14:useLocalDpi xmlns:a14="http://schemas.microsoft.com/office/drawing/2010/main" val="0"/>
-              </a:ext>
-            </a:extLst>
-          </a:blip>
-          <a:srcRect t="6075" r="8854" b="10436"/>
-          <a:stretch/>
-        </p:blipFill>
-        <p:spPr>
-          <a:xfrm>
-            <a:off x="4536565" y="3814763"/>
-            <a:ext cx="3993074" cy="2743200"/>
-          </a:xfrm>
-          <a:prstGeom prst="rect">
-            <a:avLst/>
-          </a:prstGeom>
-        </p:spPr>
-      </p:pic>
+        <p:txBody>
+          <a:bodyPr/>
+          <a:lstStyle>
+            <a:lvl1pPr marL="341313" indent="-341313">
+              <a:tabLst>
+                <a:tab pos="911225" algn="l"/>
+                <a:tab pos="1825625" algn="l"/>
+                <a:tab pos="2740025" algn="l"/>
+                <a:tab pos="3654425" algn="l"/>
+                <a:tab pos="4568825" algn="l"/>
+                <a:tab pos="5483225" algn="l"/>
+                <a:tab pos="6397625" algn="l"/>
+                <a:tab pos="7312025" algn="l"/>
+                <a:tab pos="8226425" algn="l"/>
+                <a:tab pos="9140825" algn="l"/>
+                <a:tab pos="10055225" algn="l"/>
+              </a:tabLst>
+              <a:defRPr>
+                <a:solidFill>
+                  <a:srgbClr val="000000"/>
+                </a:solidFill>
+                <a:latin typeface="Calibri" pitchFamily="32" charset="0"/>
+                <a:cs typeface="Arial Unicode MS" charset="0"/>
+              </a:defRPr>
+            </a:lvl1pPr>
+            <a:lvl2pPr marL="741363" indent="-284163">
+              <a:tabLst>
+                <a:tab pos="911225" algn="l"/>
+                <a:tab pos="1825625" algn="l"/>
+                <a:tab pos="2740025" algn="l"/>
+                <a:tab pos="3654425" algn="l"/>
+                <a:tab pos="4568825" algn="l"/>
+                <a:tab pos="5483225" algn="l"/>
+                <a:tab pos="6397625" algn="l"/>
+                <a:tab pos="7312025" algn="l"/>
+                <a:tab pos="8226425" algn="l"/>
+                <a:tab pos="9140825" algn="l"/>
+                <a:tab pos="10055225" algn="l"/>
+              </a:tabLst>
+              <a:defRPr>
+                <a:solidFill>
+                  <a:srgbClr val="000000"/>
+                </a:solidFill>
+                <a:latin typeface="Calibri" pitchFamily="32" charset="0"/>
+                <a:cs typeface="Arial Unicode MS" charset="0"/>
+              </a:defRPr>
+            </a:lvl2pPr>
+            <a:lvl3pPr>
+              <a:tabLst>
+                <a:tab pos="911225" algn="l"/>
+                <a:tab pos="1825625" algn="l"/>
+                <a:tab pos="2740025" algn="l"/>
+                <a:tab pos="3654425" algn="l"/>
+                <a:tab pos="4568825" algn="l"/>
+                <a:tab pos="5483225" algn="l"/>
+                <a:tab pos="6397625" algn="l"/>
+                <a:tab pos="7312025" algn="l"/>
+                <a:tab pos="8226425" algn="l"/>
+                <a:tab pos="9140825" algn="l"/>
+                <a:tab pos="10055225" algn="l"/>
+              </a:tabLst>
+              <a:defRPr>
+                <a:solidFill>
+                  <a:srgbClr val="000000"/>
+                </a:solidFill>
+                <a:latin typeface="Calibri" pitchFamily="32" charset="0"/>
+                <a:cs typeface="Arial Unicode MS" charset="0"/>
+              </a:defRPr>
+            </a:lvl3pPr>
+            <a:lvl4pPr>
+              <a:tabLst>
+                <a:tab pos="911225" algn="l"/>
+                <a:tab pos="1825625" algn="l"/>
+                <a:tab pos="2740025" algn="l"/>
+                <a:tab pos="3654425" algn="l"/>
+                <a:tab pos="4568825" algn="l"/>
+                <a:tab pos="5483225" algn="l"/>
+                <a:tab pos="6397625" algn="l"/>
+                <a:tab pos="7312025" algn="l"/>
+                <a:tab pos="8226425" algn="l"/>
+                <a:tab pos="9140825" algn="l"/>
+                <a:tab pos="10055225" algn="l"/>
+              </a:tabLst>
+              <a:defRPr>
+                <a:solidFill>
+                  <a:srgbClr val="000000"/>
+                </a:solidFill>
+                <a:latin typeface="Calibri" pitchFamily="32" charset="0"/>
+                <a:cs typeface="Arial Unicode MS" charset="0"/>
+              </a:defRPr>
+            </a:lvl4pPr>
+            <a:lvl5pPr>
+              <a:tabLst>
+                <a:tab pos="911225" algn="l"/>
+                <a:tab pos="1825625" algn="l"/>
+                <a:tab pos="2740025" algn="l"/>
+                <a:tab pos="3654425" algn="l"/>
+                <a:tab pos="4568825" algn="l"/>
+                <a:tab pos="5483225" algn="l"/>
+                <a:tab pos="6397625" algn="l"/>
+                <a:tab pos="7312025" algn="l"/>
+                <a:tab pos="8226425" algn="l"/>
+                <a:tab pos="9140825" algn="l"/>
+                <a:tab pos="10055225" algn="l"/>
+              </a:tabLst>
+              <a:defRPr>
+                <a:solidFill>
+                  <a:srgbClr val="000000"/>
+                </a:solidFill>
+                <a:latin typeface="Calibri" pitchFamily="32" charset="0"/>
+                <a:cs typeface="Arial Unicode MS" charset="0"/>
+              </a:defRPr>
+            </a:lvl5pPr>
+            <a:lvl6pPr marL="2514600" indent="-228600" defTabSz="457200" fontAlgn="base">
+              <a:spcBef>
+                <a:spcPct val="0"/>
+              </a:spcBef>
+              <a:spcAft>
+                <a:spcPct val="0"/>
+              </a:spcAft>
+              <a:buClr>
+                <a:srgbClr val="000000"/>
+              </a:buClr>
+              <a:buSzPct val="100000"/>
+              <a:buFont typeface="Times New Roman" pitchFamily="16" charset="0"/>
+              <a:tabLst>
+                <a:tab pos="911225" algn="l"/>
+                <a:tab pos="1825625" algn="l"/>
+                <a:tab pos="2740025" algn="l"/>
+                <a:tab pos="3654425" algn="l"/>
+                <a:tab pos="4568825" algn="l"/>
+                <a:tab pos="5483225" algn="l"/>
+                <a:tab pos="6397625" algn="l"/>
+                <a:tab pos="7312025" algn="l"/>
+                <a:tab pos="8226425" algn="l"/>
+                <a:tab pos="9140825" algn="l"/>
+                <a:tab pos="10055225" algn="l"/>
+              </a:tabLst>
+              <a:defRPr>
+                <a:solidFill>
+                  <a:srgbClr val="000000"/>
+                </a:solidFill>
+                <a:latin typeface="Calibri" pitchFamily="32" charset="0"/>
+                <a:cs typeface="Arial Unicode MS" charset="0"/>
+              </a:defRPr>
+            </a:lvl6pPr>
+            <a:lvl7pPr marL="2971800" indent="-228600" defTabSz="457200" fontAlgn="base">
+              <a:spcBef>
+                <a:spcPct val="0"/>
+              </a:spcBef>
+              <a:spcAft>
+                <a:spcPct val="0"/>
+              </a:spcAft>
+              <a:buClr>
+                <a:srgbClr val="000000"/>
+              </a:buClr>
+              <a:buSzPct val="100000"/>
+              <a:buFont typeface="Times New Roman" pitchFamily="16" charset="0"/>
+              <a:tabLst>
+                <a:tab pos="911225" algn="l"/>
+                <a:tab pos="1825625" algn="l"/>
+                <a:tab pos="2740025" algn="l"/>
+                <a:tab pos="3654425" algn="l"/>
+                <a:tab pos="4568825" algn="l"/>
+                <a:tab pos="5483225" algn="l"/>
+                <a:tab pos="6397625" algn="l"/>
+                <a:tab pos="7312025" algn="l"/>
+                <a:tab pos="8226425" algn="l"/>
+                <a:tab pos="9140825" algn="l"/>
+                <a:tab pos="10055225" algn="l"/>
+              </a:tabLst>
+              <a:defRPr>
+                <a:solidFill>
+                  <a:srgbClr val="000000"/>
+                </a:solidFill>
+                <a:latin typeface="Calibri" pitchFamily="32" charset="0"/>
+                <a:cs typeface="Arial Unicode MS" charset="0"/>
+              </a:defRPr>
+            </a:lvl7pPr>
+            <a:lvl8pPr marL="3429000" indent="-228600" defTabSz="457200" fontAlgn="base">
+              <a:spcBef>
+                <a:spcPct val="0"/>
+              </a:spcBef>
+              <a:spcAft>
+                <a:spcPct val="0"/>
+              </a:spcAft>
+              <a:buClr>
+                <a:srgbClr val="000000"/>
+              </a:buClr>
+              <a:buSzPct val="100000"/>
+              <a:buFont typeface="Times New Roman" pitchFamily="16" charset="0"/>
+              <a:tabLst>
+                <a:tab pos="911225" algn="l"/>
+                <a:tab pos="1825625" algn="l"/>
+                <a:tab pos="2740025" algn="l"/>
+                <a:tab pos="3654425" algn="l"/>
+                <a:tab pos="4568825" algn="l"/>
+                <a:tab pos="5483225" algn="l"/>
+                <a:tab pos="6397625" algn="l"/>
+                <a:tab pos="7312025" algn="l"/>
+                <a:tab pos="8226425" algn="l"/>
+                <a:tab pos="9140825" algn="l"/>
+                <a:tab pos="10055225" algn="l"/>
+              </a:tabLst>
+              <a:defRPr>
+                <a:solidFill>
+                  <a:srgbClr val="000000"/>
+                </a:solidFill>
+                <a:latin typeface="Calibri" pitchFamily="32" charset="0"/>
+                <a:cs typeface="Arial Unicode MS" charset="0"/>
+              </a:defRPr>
+            </a:lvl8pPr>
+            <a:lvl9pPr marL="3886200" indent="-228600" defTabSz="457200" fontAlgn="base">
+              <a:spcBef>
+                <a:spcPct val="0"/>
+              </a:spcBef>
+              <a:spcAft>
+                <a:spcPct val="0"/>
+              </a:spcAft>
+              <a:buClr>
+                <a:srgbClr val="000000"/>
+              </a:buClr>
+              <a:buSzPct val="100000"/>
+              <a:buFont typeface="Times New Roman" pitchFamily="16" charset="0"/>
+              <a:tabLst>
+                <a:tab pos="911225" algn="l"/>
+                <a:tab pos="1825625" algn="l"/>
+                <a:tab pos="2740025" algn="l"/>
+                <a:tab pos="3654425" algn="l"/>
+                <a:tab pos="4568825" algn="l"/>
+                <a:tab pos="5483225" algn="l"/>
+                <a:tab pos="6397625" algn="l"/>
+                <a:tab pos="7312025" algn="l"/>
+                <a:tab pos="8226425" algn="l"/>
+                <a:tab pos="9140825" algn="l"/>
+                <a:tab pos="10055225" algn="l"/>
+              </a:tabLst>
+              <a:defRPr>
+                <a:solidFill>
+                  <a:srgbClr val="000000"/>
+                </a:solidFill>
+                <a:latin typeface="Calibri" pitchFamily="32" charset="0"/>
+                <a:cs typeface="Arial Unicode MS" charset="0"/>
+              </a:defRPr>
+            </a:lvl9pPr>
+          </a:lstStyle>
+          <a:p>
+            <a:pPr>
+              <a:lnSpc>
+                <a:spcPct val="80000"/>
+              </a:lnSpc>
+              <a:spcBef>
+                <a:spcPts val="550"/>
+              </a:spcBef>
+              <a:buFont typeface="Arial" charset="0"/>
+              <a:buChar char="•"/>
+            </a:pPr>
+            <a:r>
+              <a:rPr lang="en-US" sz="2400" dirty="0"/>
+              <a:t>Goal: Estimate the amount of time remaining before the battery </a:t>
+            </a:r>
+            <a:r>
+              <a:rPr lang="en-US" sz="2400" dirty="0" smtClean="0"/>
+              <a:t>dies</a:t>
+            </a:r>
+          </a:p>
+          <a:p>
+            <a:pPr>
+              <a:lnSpc>
+                <a:spcPct val="80000"/>
+              </a:lnSpc>
+              <a:spcBef>
+                <a:spcPts val="550"/>
+              </a:spcBef>
+              <a:buFont typeface="Arial" charset="0"/>
+              <a:buChar char="•"/>
+            </a:pPr>
+            <a:endParaRPr lang="en-US" sz="2400" dirty="0"/>
+          </a:p>
+          <a:p>
+            <a:pPr>
+              <a:lnSpc>
+                <a:spcPct val="80000"/>
+              </a:lnSpc>
+              <a:spcBef>
+                <a:spcPts val="550"/>
+              </a:spcBef>
+              <a:buFont typeface="Arial" charset="0"/>
+              <a:buChar char="•"/>
+            </a:pPr>
+            <a:r>
+              <a:rPr lang="en-US" sz="2400" dirty="0"/>
+              <a:t>Problem</a:t>
+            </a:r>
+            <a:r>
+              <a:rPr lang="en-US" sz="2400" dirty="0" smtClean="0"/>
+              <a:t>:</a:t>
+            </a:r>
+          </a:p>
+          <a:p>
+            <a:pPr>
+              <a:lnSpc>
+                <a:spcPct val="80000"/>
+              </a:lnSpc>
+              <a:spcBef>
+                <a:spcPts val="550"/>
+              </a:spcBef>
+              <a:buFont typeface="Arial" charset="0"/>
+              <a:buChar char="•"/>
+            </a:pPr>
+            <a:endParaRPr lang="en-US" sz="2400" dirty="0"/>
+          </a:p>
+          <a:p>
+            <a:pPr lvl="1">
+              <a:lnSpc>
+                <a:spcPct val="80000"/>
+              </a:lnSpc>
+              <a:spcBef>
+                <a:spcPts val="500"/>
+              </a:spcBef>
+              <a:buFont typeface="Arial" charset="0"/>
+              <a:buChar char="–"/>
+            </a:pPr>
+            <a:r>
+              <a:rPr lang="en-US" sz="2400" u="sng" dirty="0"/>
+              <a:t>Overestimation</a:t>
+            </a:r>
+            <a:r>
+              <a:rPr lang="en-US" sz="2400" dirty="0"/>
+              <a:t>: Estimating that the time remaining is longer than the actual remaining battery </a:t>
+            </a:r>
+            <a:r>
+              <a:rPr lang="en-US" sz="2400" dirty="0" smtClean="0"/>
+              <a:t>life</a:t>
+            </a:r>
+            <a:endParaRPr lang="en-US" sz="2400" dirty="0"/>
+          </a:p>
+          <a:p>
+            <a:pPr lvl="1">
+              <a:lnSpc>
+                <a:spcPct val="80000"/>
+              </a:lnSpc>
+              <a:spcBef>
+                <a:spcPts val="500"/>
+              </a:spcBef>
+              <a:buFont typeface="Arial" charset="0"/>
+              <a:buChar char="–"/>
+            </a:pPr>
+            <a:r>
+              <a:rPr lang="en-US" sz="2400" u="sng" dirty="0"/>
+              <a:t>Underestimation</a:t>
+            </a:r>
+            <a:r>
+              <a:rPr lang="en-US" sz="2400" dirty="0"/>
+              <a:t>: Estimating that the time remaining is less than the actual remaining battery </a:t>
+            </a:r>
+            <a:r>
+              <a:rPr lang="en-US" sz="2400" dirty="0" smtClean="0"/>
+              <a:t>life</a:t>
+            </a:r>
+          </a:p>
+          <a:p>
+            <a:pPr lvl="1">
+              <a:lnSpc>
+                <a:spcPct val="80000"/>
+              </a:lnSpc>
+              <a:spcBef>
+                <a:spcPts val="500"/>
+              </a:spcBef>
+              <a:buFont typeface="Arial" charset="0"/>
+              <a:buChar char="–"/>
+            </a:pPr>
+            <a:endParaRPr lang="en-US" sz="2400" dirty="0"/>
+          </a:p>
+          <a:p>
+            <a:pPr>
+              <a:lnSpc>
+                <a:spcPct val="80000"/>
+              </a:lnSpc>
+              <a:spcBef>
+                <a:spcPts val="550"/>
+              </a:spcBef>
+              <a:buFont typeface="Arial" charset="0"/>
+              <a:buChar char="•"/>
+            </a:pPr>
+            <a:r>
+              <a:rPr lang="en-US" sz="2400" dirty="0"/>
+              <a:t>Which outcome is more desirable?</a:t>
+            </a:r>
+          </a:p>
+          <a:p>
+            <a:pPr>
+              <a:lnSpc>
+                <a:spcPct val="80000"/>
+              </a:lnSpc>
+              <a:spcBef>
+                <a:spcPts val="550"/>
+              </a:spcBef>
+              <a:buFont typeface="Arial" charset="0"/>
+              <a:buNone/>
+            </a:pPr>
+            <a:endParaRPr lang="en-US" sz="2400" dirty="0"/>
+          </a:p>
+        </p:txBody>
+      </p:sp>
     </p:spTree>
     <p:extLst>
       <p:ext uri="{BB962C8B-B14F-4D97-AF65-F5344CB8AC3E}">
@@ -14892,90 +17326,15 @@
           <a:chExt cx="0" cy="0"/>
         </a:xfrm>
       </p:grpSpPr>
-      <p:sp>
-        <p:nvSpPr>
-          <p:cNvPr id="3" name="Content Placeholder 2"/>
-          <p:cNvSpPr>
-            <a:spLocks noGrp="1"/>
-          </p:cNvSpPr>
-          <p:nvPr>
-            <p:ph idx="1"/>
-          </p:nvPr>
-        </p:nvSpPr>
-        <p:spPr>
-          <a:xfrm>
-            <a:off x="457200" y="1600200"/>
-            <a:ext cx="4071938" cy="4525963"/>
-          </a:xfrm>
-        </p:spPr>
-        <p:txBody>
-          <a:bodyPr>
-            <a:normAutofit/>
-          </a:bodyPr>
-          <a:lstStyle/>
-          <a:p>
-            <a:r>
-              <a:rPr lang="en-US" dirty="0" smtClean="0"/>
-              <a:t>Long Term: Use when there is no short term data</a:t>
-            </a:r>
-          </a:p>
-          <a:p>
-            <a:r>
-              <a:rPr lang="en-US" dirty="0" smtClean="0"/>
-              <a:t>Short Term: </a:t>
-            </a:r>
-          </a:p>
-          <a:p>
-            <a:pPr lvl="1"/>
-            <a:r>
-              <a:rPr lang="en-US" dirty="0" smtClean="0"/>
-              <a:t>Why would there be no short term data?</a:t>
-            </a:r>
-          </a:p>
-          <a:p>
-            <a:pPr lvl="1"/>
-            <a:endParaRPr lang="en-US" dirty="0"/>
-          </a:p>
-        </p:txBody>
-      </p:sp>
       <p:pic>
         <p:nvPicPr>
-          <p:cNvPr id="5" name="Picture 4"/>
+          <p:cNvPr id="4097" name="Picture 1"/>
           <p:cNvPicPr>
-            <a:picLocks noChangeAspect="1"/>
+            <a:picLocks noChangeAspect="1" noChangeArrowheads="1"/>
           </p:cNvPicPr>
           <p:nvPr/>
         </p:nvPicPr>
-        <p:blipFill rotWithShape="1">
-          <a:blip r:embed="rId2">
-            <a:extLst>
-              <a:ext uri="{28A0092B-C50C-407E-A947-70E740481C1C}">
-                <a14:useLocalDpi xmlns:a14="http://schemas.microsoft.com/office/drawing/2010/main" val="0"/>
-              </a:ext>
-            </a:extLst>
-          </a:blip>
-          <a:srcRect t="16873" r="9876" b="12346"/>
-          <a:stretch/>
-        </p:blipFill>
-        <p:spPr>
-          <a:xfrm>
-            <a:off x="4519607" y="4286251"/>
-            <a:ext cx="4171953" cy="2457450"/>
-          </a:xfrm>
-          <a:prstGeom prst="rect">
-            <a:avLst/>
-          </a:prstGeom>
-        </p:spPr>
-      </p:pic>
-      <p:pic>
-        <p:nvPicPr>
-          <p:cNvPr id="6" name="Picture 5"/>
-          <p:cNvPicPr>
-            <a:picLocks noChangeAspect="1"/>
-          </p:cNvPicPr>
-          <p:nvPr/>
-        </p:nvPicPr>
-        <p:blipFill rotWithShape="1">
+        <p:blipFill>
           <a:blip r:embed="rId3">
             <a:extLst>
               <a:ext uri="{28A0092B-C50C-407E-A947-70E740481C1C}">
@@ -14983,33 +17342,121 @@
               </a:ext>
             </a:extLst>
           </a:blip>
-          <a:srcRect l="2486" t="5708" r="9116" b="11132"/>
-          <a:stretch/>
+          <a:srcRect l="2484" t="5705" r="9114" b="11133"/>
+          <a:stretch>
+            <a:fillRect/>
+          </a:stretch>
         </p:blipFill>
-        <p:spPr>
+        <p:spPr bwMode="auto">
           <a:xfrm>
-            <a:off x="4648197" y="1322388"/>
-            <a:ext cx="3914775" cy="2762092"/>
+            <a:off x="657225" y="1000136"/>
+            <a:ext cx="7572375" cy="5486400"/>
           </a:xfrm>
           <a:prstGeom prst="rect">
             <a:avLst/>
           </a:prstGeom>
+          <a:noFill/>
+          <a:ln>
+            <a:noFill/>
+          </a:ln>
+          <a:effectLst/>
+          <a:extLst>
+            <a:ext uri="{909E8E84-426E-40DD-AFC4-6F175D3DCCD1}">
+              <a14:hiddenFill xmlns:a14="http://schemas.microsoft.com/office/drawing/2010/main">
+                <a:blipFill dpi="0" rotWithShape="0">
+                  <a:blip/>
+                  <a:srcRect l="2484" t="5705" r="9114" b="11133"/>
+                  <a:stretch>
+                    <a:fillRect/>
+                  </a:stretch>
+                </a:blipFill>
+              </a14:hiddenFill>
+            </a:ext>
+            <a:ext uri="{91240B29-F687-4F45-9708-019B960494DF}">
+              <a14:hiddenLine xmlns:a14="http://schemas.microsoft.com/office/drawing/2010/main" w="9525">
+                <a:solidFill>
+                  <a:srgbClr val="000000"/>
+                </a:solidFill>
+                <a:round/>
+                <a:headEnd/>
+                <a:tailEnd/>
+              </a14:hiddenLine>
+            </a:ext>
+            <a:ext uri="{AF507438-7753-43E0-B8FC-AC1667EBCBE1}">
+              <a14:hiddenEffects xmlns:a14="http://schemas.microsoft.com/office/drawing/2010/main">
+                <a:effectLst>
+                  <a:outerShdw dist="35921" dir="2700000" algn="ctr" rotWithShape="0">
+                    <a:srgbClr val="808080"/>
+                  </a:outerShdw>
+                </a:effectLst>
+              </a14:hiddenEffects>
+            </a:ext>
+          </a:extLst>
         </p:spPr>
       </p:pic>
+      <p:sp>
+        <p:nvSpPr>
+          <p:cNvPr id="4" name="Title 1"/>
+          <p:cNvSpPr>
+            <a:spLocks noGrp="1"/>
+          </p:cNvSpPr>
+          <p:nvPr>
+            <p:ph type="title"/>
+          </p:nvPr>
+        </p:nvSpPr>
+        <p:spPr>
+          <a:xfrm>
+            <a:off x="384867" y="-2413"/>
+            <a:ext cx="8378219" cy="808985"/>
+          </a:xfrm>
+        </p:spPr>
+        <p:txBody>
+          <a:bodyPr/>
+          <a:lstStyle/>
+          <a:p>
+            <a:r>
+              <a:rPr lang="en-US" dirty="0" smtClean="0"/>
+              <a:t>Overestimation Example</a:t>
+            </a:r>
+            <a:endParaRPr lang="en-US" dirty="0"/>
+          </a:p>
+        </p:txBody>
+      </p:sp>
     </p:spTree>
     <p:extLst>
       <p:ext uri="{BB962C8B-B14F-4D97-AF65-F5344CB8AC3E}">
-        <p14:creationId xmlns:p14="http://schemas.microsoft.com/office/powerpoint/2010/main" val="463824816"/>
+        <p14:creationId xmlns:p14="http://schemas.microsoft.com/office/powerpoint/2010/main" val="2712772939"/>
       </p:ext>
     </p:extLst>
   </p:cSld>
   <p:clrMapOvr>
     <a:masterClrMapping/>
   </p:clrMapOvr>
+  <p:transition spd="med"/>
   <p:timing>
     <p:tnLst>
       <p:par>
-        <p:cTn id="1" dur="indefinite" restart="never" nodeType="tmRoot"/>
+        <p:cTn id="1" dur="indefinite" nodeType="tmRoot">
+          <p:childTnLst>
+            <p:seq concurrent="1" nextAc="seek">
+              <p:cTn id="2" dur="0" nodeType="mainSeq"/>
+              <p:prevCondLst>
+                <p:cond evt="onPrev" delay="0">
+                  <p:tgtEl>
+                    <p:sldTgt/>
+                  </p:tgtEl>
+                </p:cond>
+              </p:prevCondLst>
+              <p:nextCondLst>
+                <p:cond evt="onNext" delay="0">
+                  <p:tgtEl>
+                    <p:sldTgt/>
+                  </p:tgtEl>
+                </p:cond>
+              </p:nextCondLst>
+            </p:seq>
+          </p:childTnLst>
+        </p:cTn>
       </p:par>
     </p:tnLst>
   </p:timing>
@@ -15033,6 +17480,428 @@
           <a:chExt cx="0" cy="0"/>
         </a:xfrm>
       </p:grpSpPr>
+      <p:sp>
+        <p:nvSpPr>
+          <p:cNvPr id="5121" name="Text Box 1"/>
+          <p:cNvSpPr txBox="1">
+            <a:spLocks noChangeArrowheads="1"/>
+          </p:cNvSpPr>
+          <p:nvPr/>
+        </p:nvSpPr>
+        <p:spPr bwMode="auto">
+          <a:xfrm>
+            <a:off x="71431" y="2857500"/>
+            <a:ext cx="8615363" cy="3786189"/>
+          </a:xfrm>
+          <a:prstGeom prst="rect">
+            <a:avLst/>
+          </a:prstGeom>
+          <a:noFill/>
+          <a:ln>
+            <a:noFill/>
+          </a:ln>
+          <a:effectLst/>
+          <a:extLst>
+            <a:ext uri="{909E8E84-426E-40DD-AFC4-6F175D3DCCD1}">
+              <a14:hiddenFill xmlns:a14="http://schemas.microsoft.com/office/drawing/2010/main">
+                <a:solidFill>
+                  <a:srgbClr val="FFFFFF"/>
+                </a:solidFill>
+              </a14:hiddenFill>
+            </a:ext>
+            <a:ext uri="{91240B29-F687-4F45-9708-019B960494DF}">
+              <a14:hiddenLine xmlns:a14="http://schemas.microsoft.com/office/drawing/2010/main" w="9525">
+                <a:solidFill>
+                  <a:srgbClr val="000000"/>
+                </a:solidFill>
+                <a:round/>
+                <a:headEnd/>
+                <a:tailEnd/>
+              </a14:hiddenLine>
+            </a:ext>
+            <a:ext uri="{AF507438-7753-43E0-B8FC-AC1667EBCBE1}">
+              <a14:hiddenEffects xmlns:a14="http://schemas.microsoft.com/office/drawing/2010/main">
+                <a:effectLst>
+                  <a:outerShdw dist="35921" dir="2700000" algn="ctr" rotWithShape="0">
+                    <a:srgbClr val="808080"/>
+                  </a:outerShdw>
+                </a:effectLst>
+              </a14:hiddenEffects>
+            </a:ext>
+          </a:extLst>
+        </p:spPr>
+        <p:txBody>
+          <a:bodyPr/>
+          <a:lstStyle>
+            <a:lvl1pPr marL="341313" indent="-341313">
+              <a:tabLst>
+                <a:tab pos="911225" algn="l"/>
+                <a:tab pos="1825625" algn="l"/>
+                <a:tab pos="2740025" algn="l"/>
+                <a:tab pos="3654425" algn="l"/>
+                <a:tab pos="4568825" algn="l"/>
+                <a:tab pos="5483225" algn="l"/>
+                <a:tab pos="6397625" algn="l"/>
+                <a:tab pos="7312025" algn="l"/>
+                <a:tab pos="8226425" algn="l"/>
+                <a:tab pos="9140825" algn="l"/>
+                <a:tab pos="10055225" algn="l"/>
+              </a:tabLst>
+              <a:defRPr>
+                <a:solidFill>
+                  <a:srgbClr val="000000"/>
+                </a:solidFill>
+                <a:latin typeface="Calibri" pitchFamily="32" charset="0"/>
+                <a:cs typeface="Arial Unicode MS" charset="0"/>
+              </a:defRPr>
+            </a:lvl1pPr>
+            <a:lvl2pPr marL="741363" indent="-284163">
+              <a:tabLst>
+                <a:tab pos="911225" algn="l"/>
+                <a:tab pos="1825625" algn="l"/>
+                <a:tab pos="2740025" algn="l"/>
+                <a:tab pos="3654425" algn="l"/>
+                <a:tab pos="4568825" algn="l"/>
+                <a:tab pos="5483225" algn="l"/>
+                <a:tab pos="6397625" algn="l"/>
+                <a:tab pos="7312025" algn="l"/>
+                <a:tab pos="8226425" algn="l"/>
+                <a:tab pos="9140825" algn="l"/>
+                <a:tab pos="10055225" algn="l"/>
+              </a:tabLst>
+              <a:defRPr>
+                <a:solidFill>
+                  <a:srgbClr val="000000"/>
+                </a:solidFill>
+                <a:latin typeface="Calibri" pitchFamily="32" charset="0"/>
+                <a:cs typeface="Arial Unicode MS" charset="0"/>
+              </a:defRPr>
+            </a:lvl2pPr>
+            <a:lvl3pPr>
+              <a:tabLst>
+                <a:tab pos="911225" algn="l"/>
+                <a:tab pos="1825625" algn="l"/>
+                <a:tab pos="2740025" algn="l"/>
+                <a:tab pos="3654425" algn="l"/>
+                <a:tab pos="4568825" algn="l"/>
+                <a:tab pos="5483225" algn="l"/>
+                <a:tab pos="6397625" algn="l"/>
+                <a:tab pos="7312025" algn="l"/>
+                <a:tab pos="8226425" algn="l"/>
+                <a:tab pos="9140825" algn="l"/>
+                <a:tab pos="10055225" algn="l"/>
+              </a:tabLst>
+              <a:defRPr>
+                <a:solidFill>
+                  <a:srgbClr val="000000"/>
+                </a:solidFill>
+                <a:latin typeface="Calibri" pitchFamily="32" charset="0"/>
+                <a:cs typeface="Arial Unicode MS" charset="0"/>
+              </a:defRPr>
+            </a:lvl3pPr>
+            <a:lvl4pPr>
+              <a:tabLst>
+                <a:tab pos="911225" algn="l"/>
+                <a:tab pos="1825625" algn="l"/>
+                <a:tab pos="2740025" algn="l"/>
+                <a:tab pos="3654425" algn="l"/>
+                <a:tab pos="4568825" algn="l"/>
+                <a:tab pos="5483225" algn="l"/>
+                <a:tab pos="6397625" algn="l"/>
+                <a:tab pos="7312025" algn="l"/>
+                <a:tab pos="8226425" algn="l"/>
+                <a:tab pos="9140825" algn="l"/>
+                <a:tab pos="10055225" algn="l"/>
+              </a:tabLst>
+              <a:defRPr>
+                <a:solidFill>
+                  <a:srgbClr val="000000"/>
+                </a:solidFill>
+                <a:latin typeface="Calibri" pitchFamily="32" charset="0"/>
+                <a:cs typeface="Arial Unicode MS" charset="0"/>
+              </a:defRPr>
+            </a:lvl4pPr>
+            <a:lvl5pPr>
+              <a:tabLst>
+                <a:tab pos="911225" algn="l"/>
+                <a:tab pos="1825625" algn="l"/>
+                <a:tab pos="2740025" algn="l"/>
+                <a:tab pos="3654425" algn="l"/>
+                <a:tab pos="4568825" algn="l"/>
+                <a:tab pos="5483225" algn="l"/>
+                <a:tab pos="6397625" algn="l"/>
+                <a:tab pos="7312025" algn="l"/>
+                <a:tab pos="8226425" algn="l"/>
+                <a:tab pos="9140825" algn="l"/>
+                <a:tab pos="10055225" algn="l"/>
+              </a:tabLst>
+              <a:defRPr>
+                <a:solidFill>
+                  <a:srgbClr val="000000"/>
+                </a:solidFill>
+                <a:latin typeface="Calibri" pitchFamily="32" charset="0"/>
+                <a:cs typeface="Arial Unicode MS" charset="0"/>
+              </a:defRPr>
+            </a:lvl5pPr>
+            <a:lvl6pPr marL="2514600" indent="-228600" defTabSz="457200" fontAlgn="base">
+              <a:spcBef>
+                <a:spcPct val="0"/>
+              </a:spcBef>
+              <a:spcAft>
+                <a:spcPct val="0"/>
+              </a:spcAft>
+              <a:buClr>
+                <a:srgbClr val="000000"/>
+              </a:buClr>
+              <a:buSzPct val="100000"/>
+              <a:buFont typeface="Times New Roman" pitchFamily="16" charset="0"/>
+              <a:tabLst>
+                <a:tab pos="911225" algn="l"/>
+                <a:tab pos="1825625" algn="l"/>
+                <a:tab pos="2740025" algn="l"/>
+                <a:tab pos="3654425" algn="l"/>
+                <a:tab pos="4568825" algn="l"/>
+                <a:tab pos="5483225" algn="l"/>
+                <a:tab pos="6397625" algn="l"/>
+                <a:tab pos="7312025" algn="l"/>
+                <a:tab pos="8226425" algn="l"/>
+                <a:tab pos="9140825" algn="l"/>
+                <a:tab pos="10055225" algn="l"/>
+              </a:tabLst>
+              <a:defRPr>
+                <a:solidFill>
+                  <a:srgbClr val="000000"/>
+                </a:solidFill>
+                <a:latin typeface="Calibri" pitchFamily="32" charset="0"/>
+                <a:cs typeface="Arial Unicode MS" charset="0"/>
+              </a:defRPr>
+            </a:lvl6pPr>
+            <a:lvl7pPr marL="2971800" indent="-228600" defTabSz="457200" fontAlgn="base">
+              <a:spcBef>
+                <a:spcPct val="0"/>
+              </a:spcBef>
+              <a:spcAft>
+                <a:spcPct val="0"/>
+              </a:spcAft>
+              <a:buClr>
+                <a:srgbClr val="000000"/>
+              </a:buClr>
+              <a:buSzPct val="100000"/>
+              <a:buFont typeface="Times New Roman" pitchFamily="16" charset="0"/>
+              <a:tabLst>
+                <a:tab pos="911225" algn="l"/>
+                <a:tab pos="1825625" algn="l"/>
+                <a:tab pos="2740025" algn="l"/>
+                <a:tab pos="3654425" algn="l"/>
+                <a:tab pos="4568825" algn="l"/>
+                <a:tab pos="5483225" algn="l"/>
+                <a:tab pos="6397625" algn="l"/>
+                <a:tab pos="7312025" algn="l"/>
+                <a:tab pos="8226425" algn="l"/>
+                <a:tab pos="9140825" algn="l"/>
+                <a:tab pos="10055225" algn="l"/>
+              </a:tabLst>
+              <a:defRPr>
+                <a:solidFill>
+                  <a:srgbClr val="000000"/>
+                </a:solidFill>
+                <a:latin typeface="Calibri" pitchFamily="32" charset="0"/>
+                <a:cs typeface="Arial Unicode MS" charset="0"/>
+              </a:defRPr>
+            </a:lvl7pPr>
+            <a:lvl8pPr marL="3429000" indent="-228600" defTabSz="457200" fontAlgn="base">
+              <a:spcBef>
+                <a:spcPct val="0"/>
+              </a:spcBef>
+              <a:spcAft>
+                <a:spcPct val="0"/>
+              </a:spcAft>
+              <a:buClr>
+                <a:srgbClr val="000000"/>
+              </a:buClr>
+              <a:buSzPct val="100000"/>
+              <a:buFont typeface="Times New Roman" pitchFamily="16" charset="0"/>
+              <a:tabLst>
+                <a:tab pos="911225" algn="l"/>
+                <a:tab pos="1825625" algn="l"/>
+                <a:tab pos="2740025" algn="l"/>
+                <a:tab pos="3654425" algn="l"/>
+                <a:tab pos="4568825" algn="l"/>
+                <a:tab pos="5483225" algn="l"/>
+                <a:tab pos="6397625" algn="l"/>
+                <a:tab pos="7312025" algn="l"/>
+                <a:tab pos="8226425" algn="l"/>
+                <a:tab pos="9140825" algn="l"/>
+                <a:tab pos="10055225" algn="l"/>
+              </a:tabLst>
+              <a:defRPr>
+                <a:solidFill>
+                  <a:srgbClr val="000000"/>
+                </a:solidFill>
+                <a:latin typeface="Calibri" pitchFamily="32" charset="0"/>
+                <a:cs typeface="Arial Unicode MS" charset="0"/>
+              </a:defRPr>
+            </a:lvl8pPr>
+            <a:lvl9pPr marL="3886200" indent="-228600" defTabSz="457200" fontAlgn="base">
+              <a:spcBef>
+                <a:spcPct val="0"/>
+              </a:spcBef>
+              <a:spcAft>
+                <a:spcPct val="0"/>
+              </a:spcAft>
+              <a:buClr>
+                <a:srgbClr val="000000"/>
+              </a:buClr>
+              <a:buSzPct val="100000"/>
+              <a:buFont typeface="Times New Roman" pitchFamily="16" charset="0"/>
+              <a:tabLst>
+                <a:tab pos="911225" algn="l"/>
+                <a:tab pos="1825625" algn="l"/>
+                <a:tab pos="2740025" algn="l"/>
+                <a:tab pos="3654425" algn="l"/>
+                <a:tab pos="4568825" algn="l"/>
+                <a:tab pos="5483225" algn="l"/>
+                <a:tab pos="6397625" algn="l"/>
+                <a:tab pos="7312025" algn="l"/>
+                <a:tab pos="8226425" algn="l"/>
+                <a:tab pos="9140825" algn="l"/>
+                <a:tab pos="10055225" algn="l"/>
+              </a:tabLst>
+              <a:defRPr>
+                <a:solidFill>
+                  <a:srgbClr val="000000"/>
+                </a:solidFill>
+                <a:latin typeface="Calibri" pitchFamily="32" charset="0"/>
+                <a:cs typeface="Arial Unicode MS" charset="0"/>
+              </a:defRPr>
+            </a:lvl9pPr>
+          </a:lstStyle>
+          <a:p>
+            <a:pPr>
+              <a:spcBef>
+                <a:spcPts val="800"/>
+              </a:spcBef>
+              <a:buFont typeface="Arial" charset="0"/>
+              <a:buChar char="•"/>
+            </a:pPr>
+            <a:r>
+              <a:rPr lang="en-US" sz="2800" dirty="0"/>
+              <a:t>Long Term: </a:t>
+            </a:r>
+          </a:p>
+          <a:p>
+            <a:pPr lvl="1">
+              <a:spcBef>
+                <a:spcPts val="700"/>
+              </a:spcBef>
+              <a:buFont typeface="Arial" charset="0"/>
+              <a:buChar char="–"/>
+            </a:pPr>
+            <a:r>
+              <a:rPr lang="en-US" sz="2400" dirty="0"/>
+              <a:t>Data since last charge</a:t>
+            </a:r>
+          </a:p>
+          <a:p>
+            <a:pPr>
+              <a:spcBef>
+                <a:spcPts val="800"/>
+              </a:spcBef>
+              <a:buFont typeface="Arial" charset="0"/>
+              <a:buChar char="•"/>
+            </a:pPr>
+            <a:r>
+              <a:rPr lang="en-US" sz="2800" dirty="0"/>
+              <a:t>Short Term: </a:t>
+            </a:r>
+          </a:p>
+          <a:p>
+            <a:pPr lvl="1">
+              <a:spcBef>
+                <a:spcPts val="700"/>
+              </a:spcBef>
+              <a:buFont typeface="Arial" charset="0"/>
+              <a:buChar char="–"/>
+            </a:pPr>
+            <a:r>
+              <a:rPr lang="en-US" sz="2400" dirty="0"/>
+              <a:t>Data in the last 5 minutes</a:t>
+            </a:r>
+          </a:p>
+          <a:p>
+            <a:pPr>
+              <a:spcBef>
+                <a:spcPts val="800"/>
+              </a:spcBef>
+              <a:buFont typeface="Arial" charset="0"/>
+              <a:buChar char="•"/>
+            </a:pPr>
+            <a:r>
+              <a:rPr lang="en-US" sz="2800" dirty="0"/>
+              <a:t>Calculation:</a:t>
+            </a:r>
+          </a:p>
+          <a:p>
+            <a:pPr lvl="1">
+              <a:spcBef>
+                <a:spcPts val="700"/>
+              </a:spcBef>
+              <a:buFont typeface="Arial" charset="0"/>
+              <a:buChar char="–"/>
+            </a:pPr>
+            <a:r>
+              <a:rPr lang="en-US" sz="2400" dirty="0"/>
+              <a:t>Change in usage / change in time (% per minute usage)</a:t>
+            </a:r>
+          </a:p>
+          <a:p>
+            <a:pPr lvl="1">
+              <a:spcBef>
+                <a:spcPts val="700"/>
+              </a:spcBef>
+              <a:buFont typeface="Arial" charset="0"/>
+              <a:buChar char="–"/>
+            </a:pPr>
+            <a:r>
+              <a:rPr lang="en-US" sz="2400" dirty="0"/>
+              <a:t>If the short term usage &gt; 0, use solely short term data</a:t>
+            </a:r>
+          </a:p>
+          <a:p>
+            <a:pPr lvl="1">
+              <a:spcBef>
+                <a:spcPts val="700"/>
+              </a:spcBef>
+              <a:buFont typeface="Arial" charset="0"/>
+              <a:buChar char="–"/>
+            </a:pPr>
+            <a:r>
+              <a:rPr lang="en-US" sz="2400" dirty="0"/>
+              <a:t>If short term usage = 0, use solely long term data </a:t>
+            </a:r>
+          </a:p>
+          <a:p>
+            <a:pPr lvl="1">
+              <a:spcBef>
+                <a:spcPts val="700"/>
+              </a:spcBef>
+              <a:buFont typeface="Arial" charset="0"/>
+              <a:buNone/>
+            </a:pPr>
+            <a:endParaRPr lang="en-US" sz="2400" dirty="0"/>
+          </a:p>
+          <a:p>
+            <a:pPr lvl="1">
+              <a:spcBef>
+                <a:spcPts val="700"/>
+              </a:spcBef>
+              <a:buFont typeface="Arial" charset="0"/>
+              <a:buNone/>
+            </a:pPr>
+            <a:endParaRPr lang="en-US" sz="2400" dirty="0"/>
+          </a:p>
+        </p:txBody>
+      </p:sp>
       <p:graphicFrame>
         <p:nvGraphicFramePr>
           <p:cNvPr id="4" name="Chart 3"/>
@@ -15042,38 +17911,14 @@
           <p:nvPr>
             <p:extLst>
               <p:ext uri="{D42A27DB-BD31-4B8C-83A1-F6EECF244321}">
-                <p14:modId xmlns:p14="http://schemas.microsoft.com/office/powerpoint/2010/main" val="3608440608"/>
-              </p:ext>
-            </p:extLst>
-          </p:nvPr>
-        </p:nvGraphicFramePr>
-        <p:xfrm>
-          <a:off x="0" y="3536156"/>
-          <a:ext cx="9144000" cy="3321844"/>
-        </p:xfrm>
-        <a:graphic>
-          <a:graphicData uri="http://schemas.openxmlformats.org/drawingml/2006/chart">
-            <c:chart xmlns:c="http://schemas.openxmlformats.org/drawingml/2006/chart" xmlns:r="http://schemas.openxmlformats.org/officeDocument/2006/relationships" r:id="rId2"/>
-          </a:graphicData>
-        </a:graphic>
-      </p:graphicFrame>
-      <p:graphicFrame>
-        <p:nvGraphicFramePr>
-          <p:cNvPr id="5" name="Chart 4"/>
-          <p:cNvGraphicFramePr>
-            <a:graphicFrameLocks/>
-          </p:cNvGraphicFramePr>
-          <p:nvPr>
-            <p:extLst>
-              <p:ext uri="{D42A27DB-BD31-4B8C-83A1-F6EECF244321}">
-                <p14:modId xmlns:p14="http://schemas.microsoft.com/office/powerpoint/2010/main" val="2548581975"/>
+                <p14:modId xmlns:p14="http://schemas.microsoft.com/office/powerpoint/2010/main" val="3262276874"/>
               </p:ext>
             </p:extLst>
           </p:nvPr>
         </p:nvGraphicFramePr>
         <p:xfrm>
           <a:off x="0" y="0"/>
-          <a:ext cx="9144000" cy="3352800"/>
+          <a:ext cx="8915400" cy="3352800"/>
         </p:xfrm>
         <a:graphic>
           <a:graphicData uri="http://schemas.openxmlformats.org/drawingml/2006/chart">
@@ -15084,17 +17929,38 @@
     </p:spTree>
     <p:extLst>
       <p:ext uri="{BB962C8B-B14F-4D97-AF65-F5344CB8AC3E}">
-        <p14:creationId xmlns:p14="http://schemas.microsoft.com/office/powerpoint/2010/main" val="2365083985"/>
+        <p14:creationId xmlns:p14="http://schemas.microsoft.com/office/powerpoint/2010/main" val="4147623919"/>
       </p:ext>
     </p:extLst>
   </p:cSld>
   <p:clrMapOvr>
     <a:masterClrMapping/>
   </p:clrMapOvr>
+  <p:transition spd="med"/>
   <p:timing>
     <p:tnLst>
       <p:par>
-        <p:cTn id="1" dur="indefinite" restart="never" nodeType="tmRoot"/>
+        <p:cTn id="1" dur="indefinite" nodeType="tmRoot">
+          <p:childTnLst>
+            <p:seq concurrent="1" nextAc="seek">
+              <p:cTn id="2" dur="0" nodeType="mainSeq"/>
+              <p:prevCondLst>
+                <p:cond evt="onPrev" delay="0">
+                  <p:tgtEl>
+                    <p:sldTgt/>
+                  </p:tgtEl>
+                </p:cond>
+              </p:prevCondLst>
+              <p:nextCondLst>
+                <p:cond evt="onNext" delay="0">
+                  <p:tgtEl>
+                    <p:sldTgt/>
+                  </p:tgtEl>
+                </p:cond>
+              </p:nextCondLst>
+            </p:seq>
+          </p:childTnLst>
+        </p:cTn>
       </p:par>
     </p:tnLst>
   </p:timing>
